--- a/projects/Team-1-HertzFinance/hertz-pitchdeck.pptx
+++ b/projects/Team-1-HertzFinance/hertz-pitchdeck.pptx
@@ -2,28 +2,28 @@
 <file path=ppt/presentation.xml><?xml version="1.0" encoding="utf-8"?>
 <p:presentation xmlns:a="http://schemas.openxmlformats.org/drawingml/2006/main" xmlns:r="http://schemas.openxmlformats.org/officeDocument/2006/relationships" xmlns:p="http://schemas.openxmlformats.org/presentationml/2006/main">
   <p:sldMasterIdLst>
-    <p:sldMasterId id="2147483648" r:id="rId5"/>
+    <p:sldMasterId id="2147483648" r:id="rId1"/>
   </p:sldMasterIdLst>
   <p:notesMasterIdLst>
-    <p:notesMasterId r:id="rId7"/>
+    <p:notesMasterId r:id="rId19"/>
   </p:notesMasterIdLst>
   <p:sldIdLst>
-    <p:sldId id="256" r:id="rId8"/>
-    <p:sldId id="257" r:id="rId9"/>
-    <p:sldId id="258" r:id="rId10"/>
-    <p:sldId id="259" r:id="rId11"/>
-    <p:sldId id="260" r:id="rId12"/>
-    <p:sldId id="261" r:id="rId13"/>
-    <p:sldId id="262" r:id="rId14"/>
-    <p:sldId id="263" r:id="rId15"/>
-    <p:sldId id="264" r:id="rId16"/>
-    <p:sldId id="265" r:id="rId17"/>
-    <p:sldId id="266" r:id="rId18"/>
-    <p:sldId id="267" r:id="rId19"/>
-    <p:sldId id="268" r:id="rId20"/>
-    <p:sldId id="269" r:id="rId21"/>
-    <p:sldId id="270" r:id="rId22"/>
-    <p:sldId id="271" r:id="rId23"/>
+    <p:sldId id="256" r:id="rId3"/>
+    <p:sldId id="257" r:id="rId4"/>
+    <p:sldId id="258" r:id="rId5"/>
+    <p:sldId id="259" r:id="rId6"/>
+    <p:sldId id="260" r:id="rId7"/>
+    <p:sldId id="261" r:id="rId8"/>
+    <p:sldId id="262" r:id="rId9"/>
+    <p:sldId id="263" r:id="rId10"/>
+    <p:sldId id="264" r:id="rId11"/>
+    <p:sldId id="265" r:id="rId12"/>
+    <p:sldId id="266" r:id="rId13"/>
+    <p:sldId id="267" r:id="rId14"/>
+    <p:sldId id="268" r:id="rId15"/>
+    <p:sldId id="269" r:id="rId16"/>
+    <p:sldId id="270" r:id="rId17"/>
+    <p:sldId id="271" r:id="rId18"/>
   </p:sldIdLst>
   <p:sldSz cx="12192000" cy="6858000"/>
   <p:notesSz cx="6858000" cy="9144000"/>
@@ -42,8 +42,7 @@
       <a:buSzTx/>
       <a:buFontTx/>
       <a:buNone/>
-      <a:tabLst/>
-      <a:defRPr b="0" baseline="0" cap="none" i="0" spc="0" strike="noStrike" sz="1800" u="none" kumimoji="0" normalizeH="0">
+      <a:defRPr kumimoji="0" sz="1800" b="0" i="0" u="none" strike="noStrike" cap="none" spc="0" normalizeH="0" baseline="0">
         <a:ln>
           <a:noFill/>
         </a:ln>
@@ -68,8 +67,7 @@
       <a:buSzTx/>
       <a:buFontTx/>
       <a:buNone/>
-      <a:tabLst/>
-      <a:defRPr b="0" baseline="0" cap="none" i="0" spc="0" strike="noStrike" sz="1800" u="none" kumimoji="0" normalizeH="0">
+      <a:defRPr kumimoji="0" sz="1800" b="0" i="0" u="none" strike="noStrike" cap="none" spc="0" normalizeH="0" baseline="0">
         <a:ln>
           <a:noFill/>
         </a:ln>
@@ -98,8 +96,7 @@
       <a:buSzTx/>
       <a:buFontTx/>
       <a:buNone/>
-      <a:tabLst/>
-      <a:defRPr b="0" baseline="0" cap="none" i="0" spc="0" strike="noStrike" sz="1800" u="none" kumimoji="0" normalizeH="0">
+      <a:defRPr kumimoji="0" sz="1800" b="0" i="0" u="none" strike="noStrike" cap="none" spc="0" normalizeH="0" baseline="0">
         <a:ln>
           <a:noFill/>
         </a:ln>
@@ -128,8 +125,7 @@
       <a:buSzTx/>
       <a:buFontTx/>
       <a:buNone/>
-      <a:tabLst/>
-      <a:defRPr b="0" baseline="0" cap="none" i="0" spc="0" strike="noStrike" sz="1800" u="none" kumimoji="0" normalizeH="0">
+      <a:defRPr kumimoji="0" sz="1800" b="0" i="0" u="none" strike="noStrike" cap="none" spc="0" normalizeH="0" baseline="0">
         <a:ln>
           <a:noFill/>
         </a:ln>
@@ -158,8 +154,7 @@
       <a:buSzTx/>
       <a:buFontTx/>
       <a:buNone/>
-      <a:tabLst/>
-      <a:defRPr b="0" baseline="0" cap="none" i="0" spc="0" strike="noStrike" sz="1800" u="none" kumimoji="0" normalizeH="0">
+      <a:defRPr kumimoji="0" sz="1800" b="0" i="0" u="none" strike="noStrike" cap="none" spc="0" normalizeH="0" baseline="0">
         <a:ln>
           <a:noFill/>
         </a:ln>
@@ -188,8 +183,7 @@
       <a:buSzTx/>
       <a:buFontTx/>
       <a:buNone/>
-      <a:tabLst/>
-      <a:defRPr b="0" baseline="0" cap="none" i="0" spc="0" strike="noStrike" sz="1800" u="none" kumimoji="0" normalizeH="0">
+      <a:defRPr kumimoji="0" sz="1800" b="0" i="0" u="none" strike="noStrike" cap="none" spc="0" normalizeH="0" baseline="0">
         <a:ln>
           <a:noFill/>
         </a:ln>
@@ -218,8 +212,7 @@
       <a:buSzTx/>
       <a:buFontTx/>
       <a:buNone/>
-      <a:tabLst/>
-      <a:defRPr b="0" baseline="0" cap="none" i="0" spc="0" strike="noStrike" sz="1800" u="none" kumimoji="0" normalizeH="0">
+      <a:defRPr kumimoji="0" sz="1800" b="0" i="0" u="none" strike="noStrike" cap="none" spc="0" normalizeH="0" baseline="0">
         <a:ln>
           <a:noFill/>
         </a:ln>
@@ -248,8 +241,7 @@
       <a:buSzTx/>
       <a:buFontTx/>
       <a:buNone/>
-      <a:tabLst/>
-      <a:defRPr b="0" baseline="0" cap="none" i="0" spc="0" strike="noStrike" sz="1800" u="none" kumimoji="0" normalizeH="0">
+      <a:defRPr kumimoji="0" sz="1800" b="0" i="0" u="none" strike="noStrike" cap="none" spc="0" normalizeH="0" baseline="0">
         <a:ln>
           <a:noFill/>
         </a:ln>
@@ -278,8 +270,7 @@
       <a:buSzTx/>
       <a:buFontTx/>
       <a:buNone/>
-      <a:tabLst/>
-      <a:defRPr b="0" baseline="0" cap="none" i="0" spc="0" strike="noStrike" sz="1800" u="none" kumimoji="0" normalizeH="0">
+      <a:defRPr kumimoji="0" sz="1800" b="0" i="0" u="none" strike="noStrike" cap="none" spc="0" normalizeH="0" baseline="0">
         <a:ln>
           <a:noFill/>
         </a:ln>
@@ -308,8 +299,7 @@
       <a:buSzTx/>
       <a:buFontTx/>
       <a:buNone/>
-      <a:tabLst/>
-      <a:defRPr b="0" baseline="0" cap="none" i="0" spc="0" strike="noStrike" sz="1800" u="none" kumimoji="0" normalizeH="0">
+      <a:defRPr kumimoji="0" sz="1800" b="0" i="0" u="none" strike="noStrike" cap="none" spc="0" normalizeH="0" baseline="0">
         <a:ln>
           <a:noFill/>
         </a:ln>
@@ -328,13 +318,14 @@
 </p:presentation>
 </file>
 
-<file path=ppt/commentAuthors.xml><?xml version="1.0" encoding="utf-8"?>
-<p:cmAuthorLst xmlns:a="http://schemas.openxmlformats.org/drawingml/2006/main" xmlns:r="http://schemas.openxmlformats.org/officeDocument/2006/relationships" xmlns:p="http://schemas.openxmlformats.org/presentationml/2006/main"/>
-</file>
-
 <file path=ppt/notesMasters/notesMaster1.xml><?xml version="1.0" encoding="utf-8"?>
 <p:notesMaster xmlns:a="http://schemas.openxmlformats.org/drawingml/2006/main" xmlns:r="http://schemas.openxmlformats.org/officeDocument/2006/relationships" xmlns:p="http://schemas.openxmlformats.org/presentationml/2006/main">
   <p:cSld>
+    <p:bg>
+      <p:bgRef idx="1001">
+        <a:schemeClr val="bg1"/>
+      </p:bgRef>
+    </p:bg>
     <p:spTree>
       <p:nvGrpSpPr>
         <p:cNvPr id="1" name=""/>
@@ -369,9 +360,7 @@
         <p:txBody>
           <a:bodyPr/>
           <a:lstStyle/>
-          <a:p>
-            <a:pPr/>
-          </a:p>
+          <a:p/>
         </p:txBody>
       </p:sp>
       <p:sp>
@@ -394,9 +383,7 @@
         <p:txBody>
           <a:bodyPr/>
           <a:lstStyle/>
-          <a:p>
-            <a:pPr/>
-          </a:p>
+          <a:p/>
         </p:txBody>
       </p:sp>
     </p:spTree>
@@ -480,7 +467,7 @@
 </file>
 
 <file path=ppt/slideLayouts/slideLayout1.xml><?xml version="1.0" encoding="utf-8"?>
-<p:sldLayout xmlns:a="http://schemas.openxmlformats.org/drawingml/2006/main" xmlns:r="http://schemas.openxmlformats.org/officeDocument/2006/relationships" xmlns:p="http://schemas.openxmlformats.org/presentationml/2006/main" type="title" showMasterSp="1" showMasterPhAnim="1">
+<p:sldLayout xmlns:a="http://schemas.openxmlformats.org/drawingml/2006/main" xmlns:r="http://schemas.openxmlformats.org/officeDocument/2006/relationships" xmlns:p="http://schemas.openxmlformats.org/presentationml/2006/main" type="title">
   <p:cSld name="标题幻灯片">
     <p:spTree>
       <p:nvGrpSpPr>
@@ -501,7 +488,7 @@
           <p:cNvPr id="11" name="标题文本"/>
           <p:cNvSpPr txBox="1"/>
           <p:nvPr>
-            <p:ph type="title"/>
+            <p:ph type="title" hasCustomPrompt="1"/>
           </p:nvPr>
         </p:nvSpPr>
         <p:spPr>
@@ -521,7 +508,6 @@
             </a:lvl1pPr>
           </a:lstStyle>
           <a:p>
-            <a:pPr/>
             <a:r>
               <a:t>标题文本</a:t>
             </a:r>
@@ -533,7 +519,7 @@
           <p:cNvPr id="12" name="正文级别 1…"/>
           <p:cNvSpPr txBox="1"/>
           <p:nvPr>
-            <p:ph type="body" sz="quarter" idx="1"/>
+            <p:ph type="body" sz="quarter" idx="1" hasCustomPrompt="1"/>
           </p:nvPr>
         </p:nvSpPr>
         <p:spPr>
@@ -580,7 +566,6 @@
             </a:lvl5pPr>
           </a:lstStyle>
           <a:p>
-            <a:pPr/>
             <a:r>
               <a:t>正文级别 1</a:t>
             </a:r>
@@ -628,8 +613,10 @@
           <a:bodyPr/>
           <a:lstStyle/>
           <a:p>
-            <a:pPr/>
-            <a:fld id="{86CB4B4D-7CA3-9044-876B-883B54F8677D}" type="slidenum"/>
+            <a:fld id="{86CB4B4D-7CA3-9044-876B-883B54F8677D}" type="slidenum">
+              <a:rPr/>
+            </a:fld>
+            <a:endParaRPr/>
           </a:p>
         </p:txBody>
       </p:sp>
@@ -638,12 +625,12 @@
   <p:clrMapOvr>
     <a:masterClrMapping/>
   </p:clrMapOvr>
-  <p:transition xmlns:p14="http://schemas.microsoft.com/office/powerpoint/2010/main" spd="med" advClick="1"/>
+  <p:transition spd="med"/>
 </p:sldLayout>
 </file>
 
 <file path=ppt/slideLayouts/slideLayout2.xml><?xml version="1.0" encoding="utf-8"?>
-<p:sldLayout xmlns:a="http://schemas.openxmlformats.org/drawingml/2006/main" xmlns:r="http://schemas.openxmlformats.org/officeDocument/2006/relationships" xmlns:p="http://schemas.openxmlformats.org/presentationml/2006/main" type="tx" showMasterSp="1" showMasterPhAnim="1">
+<p:sldLayout xmlns:a="http://schemas.openxmlformats.org/drawingml/2006/main" xmlns:r="http://schemas.openxmlformats.org/officeDocument/2006/relationships" xmlns:p="http://schemas.openxmlformats.org/presentationml/2006/main" type="tx">
   <p:cSld name="标题和内容">
     <p:spTree>
       <p:nvGrpSpPr>
@@ -664,7 +651,7 @@
           <p:cNvPr id="20" name="标题文本"/>
           <p:cNvSpPr txBox="1"/>
           <p:nvPr>
-            <p:ph type="title"/>
+            <p:ph type="title" hasCustomPrompt="1"/>
           </p:nvPr>
         </p:nvSpPr>
         <p:spPr>
@@ -676,7 +663,6 @@
           <a:bodyPr/>
           <a:lstStyle/>
           <a:p>
-            <a:pPr/>
             <a:r>
               <a:t>标题文本</a:t>
             </a:r>
@@ -688,7 +674,7 @@
           <p:cNvPr id="21" name="正文级别 1…"/>
           <p:cNvSpPr txBox="1"/>
           <p:nvPr>
-            <p:ph type="body" idx="1"/>
+            <p:ph type="body" idx="1" hasCustomPrompt="1"/>
           </p:nvPr>
         </p:nvSpPr>
         <p:spPr>
@@ -700,7 +686,6 @@
           <a:bodyPr/>
           <a:lstStyle/>
           <a:p>
-            <a:pPr/>
             <a:r>
               <a:t>正文级别 1</a:t>
             </a:r>
@@ -748,8 +733,10 @@
           <a:bodyPr/>
           <a:lstStyle/>
           <a:p>
-            <a:pPr/>
-            <a:fld id="{86CB4B4D-7CA3-9044-876B-883B54F8677D}" type="slidenum"/>
+            <a:fld id="{86CB4B4D-7CA3-9044-876B-883B54F8677D}" type="slidenum">
+              <a:rPr/>
+            </a:fld>
+            <a:endParaRPr/>
           </a:p>
         </p:txBody>
       </p:sp>
@@ -758,12 +745,12 @@
   <p:clrMapOvr>
     <a:masterClrMapping/>
   </p:clrMapOvr>
-  <p:transition xmlns:p14="http://schemas.microsoft.com/office/powerpoint/2010/main" spd="med" advClick="1"/>
+  <p:transition spd="med"/>
 </p:sldLayout>
 </file>
 
 <file path=ppt/slideLayouts/slideLayout3.xml><?xml version="1.0" encoding="utf-8"?>
-<p:sldLayout xmlns:a="http://schemas.openxmlformats.org/drawingml/2006/main" xmlns:r="http://schemas.openxmlformats.org/officeDocument/2006/relationships" xmlns:p="http://schemas.openxmlformats.org/presentationml/2006/main" type="tx" showMasterSp="1" showMasterPhAnim="1">
+<p:sldLayout xmlns:a="http://schemas.openxmlformats.org/drawingml/2006/main" xmlns:r="http://schemas.openxmlformats.org/officeDocument/2006/relationships" xmlns:p="http://schemas.openxmlformats.org/presentationml/2006/main" type="tx">
   <p:cSld name="节标题">
     <p:spTree>
       <p:nvGrpSpPr>
@@ -784,7 +771,7 @@
           <p:cNvPr id="29" name="标题文本"/>
           <p:cNvSpPr txBox="1"/>
           <p:nvPr>
-            <p:ph type="title"/>
+            <p:ph type="title" hasCustomPrompt="1"/>
           </p:nvPr>
         </p:nvSpPr>
         <p:spPr>
@@ -804,7 +791,6 @@
             </a:lvl1pPr>
           </a:lstStyle>
           <a:p>
-            <a:pPr/>
             <a:r>
               <a:t>标题文本</a:t>
             </a:r>
@@ -816,7 +802,7 @@
           <p:cNvPr id="30" name="正文级别 1…"/>
           <p:cNvSpPr txBox="1"/>
           <p:nvPr>
-            <p:ph type="body" sz="quarter" idx="1"/>
+            <p:ph type="body" sz="quarter" idx="1" hasCustomPrompt="1"/>
           </p:nvPr>
         </p:nvSpPr>
         <p:spPr>
@@ -883,7 +869,6 @@
             </a:lvl5pPr>
           </a:lstStyle>
           <a:p>
-            <a:pPr/>
             <a:r>
               <a:t>正文级别 1</a:t>
             </a:r>
@@ -931,8 +916,10 @@
           <a:bodyPr/>
           <a:lstStyle/>
           <a:p>
-            <a:pPr/>
-            <a:fld id="{86CB4B4D-7CA3-9044-876B-883B54F8677D}" type="slidenum"/>
+            <a:fld id="{86CB4B4D-7CA3-9044-876B-883B54F8677D}" type="slidenum">
+              <a:rPr/>
+            </a:fld>
+            <a:endParaRPr/>
           </a:p>
         </p:txBody>
       </p:sp>
@@ -941,12 +928,12 @@
   <p:clrMapOvr>
     <a:masterClrMapping/>
   </p:clrMapOvr>
-  <p:transition xmlns:p14="http://schemas.microsoft.com/office/powerpoint/2010/main" spd="med" advClick="1"/>
+  <p:transition spd="med"/>
 </p:sldLayout>
 </file>
 
 <file path=ppt/slideLayouts/slideLayout4.xml><?xml version="1.0" encoding="utf-8"?>
-<p:sldLayout xmlns:a="http://schemas.openxmlformats.org/drawingml/2006/main" xmlns:r="http://schemas.openxmlformats.org/officeDocument/2006/relationships" xmlns:p="http://schemas.openxmlformats.org/presentationml/2006/main" type="tx" showMasterSp="1" showMasterPhAnim="1">
+<p:sldLayout xmlns:a="http://schemas.openxmlformats.org/drawingml/2006/main" xmlns:r="http://schemas.openxmlformats.org/officeDocument/2006/relationships" xmlns:p="http://schemas.openxmlformats.org/presentationml/2006/main" type="tx">
   <p:cSld name="两栏内容">
     <p:spTree>
       <p:nvGrpSpPr>
@@ -967,7 +954,7 @@
           <p:cNvPr id="38" name="标题文本"/>
           <p:cNvSpPr txBox="1"/>
           <p:nvPr>
-            <p:ph type="title"/>
+            <p:ph type="title" hasCustomPrompt="1"/>
           </p:nvPr>
         </p:nvSpPr>
         <p:spPr>
@@ -979,7 +966,6 @@
           <a:bodyPr/>
           <a:lstStyle/>
           <a:p>
-            <a:pPr/>
             <a:r>
               <a:t>标题文本</a:t>
             </a:r>
@@ -991,7 +977,7 @@
           <p:cNvPr id="39" name="正文级别 1…"/>
           <p:cNvSpPr txBox="1"/>
           <p:nvPr>
-            <p:ph type="body" sz="half" idx="1"/>
+            <p:ph type="body" sz="half" idx="1" hasCustomPrompt="1"/>
           </p:nvPr>
         </p:nvSpPr>
         <p:spPr>
@@ -1007,7 +993,6 @@
           <a:bodyPr/>
           <a:lstStyle/>
           <a:p>
-            <a:pPr/>
             <a:r>
               <a:t>正文级别 1</a:t>
             </a:r>
@@ -1055,8 +1040,10 @@
           <a:bodyPr/>
           <a:lstStyle/>
           <a:p>
-            <a:pPr/>
-            <a:fld id="{86CB4B4D-7CA3-9044-876B-883B54F8677D}" type="slidenum"/>
+            <a:fld id="{86CB4B4D-7CA3-9044-876B-883B54F8677D}" type="slidenum">
+              <a:rPr/>
+            </a:fld>
+            <a:endParaRPr/>
           </a:p>
         </p:txBody>
       </p:sp>
@@ -1065,12 +1052,12 @@
   <p:clrMapOvr>
     <a:masterClrMapping/>
   </p:clrMapOvr>
-  <p:transition xmlns:p14="http://schemas.microsoft.com/office/powerpoint/2010/main" spd="med" advClick="1"/>
+  <p:transition spd="med"/>
 </p:sldLayout>
 </file>
 
 <file path=ppt/slideLayouts/slideLayout5.xml><?xml version="1.0" encoding="utf-8"?>
-<p:sldLayout xmlns:a="http://schemas.openxmlformats.org/drawingml/2006/main" xmlns:r="http://schemas.openxmlformats.org/officeDocument/2006/relationships" xmlns:p="http://schemas.openxmlformats.org/presentationml/2006/main" type="tx" showMasterSp="1" showMasterPhAnim="1">
+<p:sldLayout xmlns:a="http://schemas.openxmlformats.org/drawingml/2006/main" xmlns:r="http://schemas.openxmlformats.org/officeDocument/2006/relationships" xmlns:p="http://schemas.openxmlformats.org/presentationml/2006/main" type="tx">
   <p:cSld name="比较">
     <p:spTree>
       <p:nvGrpSpPr>
@@ -1091,7 +1078,7 @@
           <p:cNvPr id="47" name="标题文本"/>
           <p:cNvSpPr txBox="1"/>
           <p:nvPr>
-            <p:ph type="title"/>
+            <p:ph type="title" hasCustomPrompt="1"/>
           </p:nvPr>
         </p:nvSpPr>
         <p:spPr>
@@ -1107,7 +1094,6 @@
           <a:bodyPr/>
           <a:lstStyle/>
           <a:p>
-            <a:pPr/>
             <a:r>
               <a:t>标题文本</a:t>
             </a:r>
@@ -1119,7 +1105,7 @@
           <p:cNvPr id="48" name="正文级别 1…"/>
           <p:cNvSpPr txBox="1"/>
           <p:nvPr>
-            <p:ph type="body" sz="quarter" idx="1"/>
+            <p:ph type="body" sz="quarter" idx="1" hasCustomPrompt="1"/>
           </p:nvPr>
         </p:nvSpPr>
         <p:spPr>
@@ -1161,7 +1147,6 @@
             </a:lvl5pPr>
           </a:lstStyle>
           <a:p>
-            <a:pPr/>
             <a:r>
               <a:t>正文级别 1</a:t>
             </a:r>
@@ -1212,9 +1197,7 @@
         <p:txBody>
           <a:bodyPr anchor="ctr"/>
           <a:lstStyle/>
-          <a:p>
-            <a:pPr/>
-          </a:p>
+          <a:p/>
         </p:txBody>
       </p:sp>
       <p:sp>
@@ -1234,8 +1217,10 @@
           <a:bodyPr/>
           <a:lstStyle/>
           <a:p>
-            <a:pPr/>
-            <a:fld id="{86CB4B4D-7CA3-9044-876B-883B54F8677D}" type="slidenum"/>
+            <a:fld id="{86CB4B4D-7CA3-9044-876B-883B54F8677D}" type="slidenum">
+              <a:rPr/>
+            </a:fld>
+            <a:endParaRPr/>
           </a:p>
         </p:txBody>
       </p:sp>
@@ -1244,12 +1229,12 @@
   <p:clrMapOvr>
     <a:masterClrMapping/>
   </p:clrMapOvr>
-  <p:transition xmlns:p14="http://schemas.microsoft.com/office/powerpoint/2010/main" spd="med" advClick="1"/>
+  <p:transition spd="med"/>
 </p:sldLayout>
 </file>
 
 <file path=ppt/slideLayouts/slideLayout6.xml><?xml version="1.0" encoding="utf-8"?>
-<p:sldLayout xmlns:a="http://schemas.openxmlformats.org/drawingml/2006/main" xmlns:r="http://schemas.openxmlformats.org/officeDocument/2006/relationships" xmlns:p="http://schemas.openxmlformats.org/presentationml/2006/main" type="tx" showMasterSp="1" showMasterPhAnim="1">
+<p:sldLayout xmlns:a="http://schemas.openxmlformats.org/drawingml/2006/main" xmlns:r="http://schemas.openxmlformats.org/officeDocument/2006/relationships" xmlns:p="http://schemas.openxmlformats.org/presentationml/2006/main" type="tx">
   <p:cSld name="仅标题">
     <p:spTree>
       <p:nvGrpSpPr>
@@ -1270,7 +1255,7 @@
           <p:cNvPr id="57" name="标题文本"/>
           <p:cNvSpPr txBox="1"/>
           <p:nvPr>
-            <p:ph type="title"/>
+            <p:ph type="title" hasCustomPrompt="1"/>
           </p:nvPr>
         </p:nvSpPr>
         <p:spPr>
@@ -1282,7 +1267,6 @@
           <a:bodyPr/>
           <a:lstStyle/>
           <a:p>
-            <a:pPr/>
             <a:r>
               <a:t>标题文本</a:t>
             </a:r>
@@ -1306,8 +1290,10 @@
           <a:bodyPr/>
           <a:lstStyle/>
           <a:p>
-            <a:pPr/>
-            <a:fld id="{86CB4B4D-7CA3-9044-876B-883B54F8677D}" type="slidenum"/>
+            <a:fld id="{86CB4B4D-7CA3-9044-876B-883B54F8677D}" type="slidenum">
+              <a:rPr/>
+            </a:fld>
+            <a:endParaRPr/>
           </a:p>
         </p:txBody>
       </p:sp>
@@ -1316,12 +1302,12 @@
   <p:clrMapOvr>
     <a:masterClrMapping/>
   </p:clrMapOvr>
-  <p:transition xmlns:p14="http://schemas.microsoft.com/office/powerpoint/2010/main" spd="med" advClick="1"/>
+  <p:transition spd="med"/>
 </p:sldLayout>
 </file>
 
 <file path=ppt/slideLayouts/slideLayout7.xml><?xml version="1.0" encoding="utf-8"?>
-<p:sldLayout xmlns:a="http://schemas.openxmlformats.org/drawingml/2006/main" xmlns:r="http://schemas.openxmlformats.org/officeDocument/2006/relationships" xmlns:p="http://schemas.openxmlformats.org/presentationml/2006/main" type="tx" showMasterSp="1" showMasterPhAnim="1">
+<p:sldLayout xmlns:a="http://schemas.openxmlformats.org/drawingml/2006/main" xmlns:r="http://schemas.openxmlformats.org/officeDocument/2006/relationships" xmlns:p="http://schemas.openxmlformats.org/presentationml/2006/main" type="tx">
   <p:cSld name="空白">
     <p:spTree>
       <p:nvGrpSpPr>
@@ -1354,8 +1340,10 @@
           <a:bodyPr/>
           <a:lstStyle/>
           <a:p>
-            <a:pPr/>
-            <a:fld id="{86CB4B4D-7CA3-9044-876B-883B54F8677D}" type="slidenum"/>
+            <a:fld id="{86CB4B4D-7CA3-9044-876B-883B54F8677D}" type="slidenum">
+              <a:rPr/>
+            </a:fld>
+            <a:endParaRPr/>
           </a:p>
         </p:txBody>
       </p:sp>
@@ -1364,12 +1352,12 @@
   <p:clrMapOvr>
     <a:masterClrMapping/>
   </p:clrMapOvr>
-  <p:transition xmlns:p14="http://schemas.microsoft.com/office/powerpoint/2010/main" spd="med" advClick="1"/>
+  <p:transition spd="med"/>
 </p:sldLayout>
 </file>
 
 <file path=ppt/slideLayouts/slideLayout8.xml><?xml version="1.0" encoding="utf-8"?>
-<p:sldLayout xmlns:a="http://schemas.openxmlformats.org/drawingml/2006/main" xmlns:r="http://schemas.openxmlformats.org/officeDocument/2006/relationships" xmlns:p="http://schemas.openxmlformats.org/presentationml/2006/main" type="tx" showMasterSp="1" showMasterPhAnim="1">
+<p:sldLayout xmlns:a="http://schemas.openxmlformats.org/drawingml/2006/main" xmlns:r="http://schemas.openxmlformats.org/officeDocument/2006/relationships" xmlns:p="http://schemas.openxmlformats.org/presentationml/2006/main" type="tx">
   <p:cSld name="图片与标题">
     <p:spTree>
       <p:nvGrpSpPr>
@@ -1390,7 +1378,7 @@
           <p:cNvPr id="72" name="标题文本"/>
           <p:cNvSpPr txBox="1"/>
           <p:nvPr>
-            <p:ph type="title"/>
+            <p:ph type="title" hasCustomPrompt="1"/>
           </p:nvPr>
         </p:nvSpPr>
         <p:spPr>
@@ -1410,7 +1398,6 @@
             </a:lvl1pPr>
           </a:lstStyle>
           <a:p>
-            <a:pPr/>
             <a:r>
               <a:t>标题文本</a:t>
             </a:r>
@@ -1439,9 +1426,7 @@
             <a:noAutofit/>
           </a:bodyPr>
           <a:lstStyle/>
-          <a:p>
-            <a:pPr/>
-          </a:p>
+          <a:p/>
         </p:txBody>
       </p:sp>
       <p:sp>
@@ -1449,7 +1434,7 @@
           <p:cNvPr id="74" name="正文级别 1…"/>
           <p:cNvSpPr txBox="1"/>
           <p:nvPr>
-            <p:ph type="body" sz="quarter" idx="1"/>
+            <p:ph type="body" sz="quarter" idx="1" hasCustomPrompt="1"/>
           </p:nvPr>
         </p:nvSpPr>
         <p:spPr>
@@ -1496,7 +1481,6 @@
             </a:lvl5pPr>
           </a:lstStyle>
           <a:p>
-            <a:pPr/>
             <a:r>
               <a:t>正文级别 1</a:t>
             </a:r>
@@ -1544,8 +1528,10 @@
           <a:bodyPr/>
           <a:lstStyle/>
           <a:p>
-            <a:pPr/>
-            <a:fld id="{86CB4B4D-7CA3-9044-876B-883B54F8677D}" type="slidenum"/>
+            <a:fld id="{86CB4B4D-7CA3-9044-876B-883B54F8677D}" type="slidenum">
+              <a:rPr/>
+            </a:fld>
+            <a:endParaRPr/>
           </a:p>
         </p:txBody>
       </p:sp>
@@ -1554,12 +1540,12 @@
   <p:clrMapOvr>
     <a:masterClrMapping/>
   </p:clrMapOvr>
-  <p:transition xmlns:p14="http://schemas.microsoft.com/office/powerpoint/2010/main" spd="med" advClick="1"/>
+  <p:transition spd="med"/>
 </p:sldLayout>
 </file>
 
 <file path=ppt/slideLayouts/slideLayout9.xml><?xml version="1.0" encoding="utf-8"?>
-<p:sldLayout xmlns:a="http://schemas.openxmlformats.org/drawingml/2006/main" xmlns:r="http://schemas.openxmlformats.org/officeDocument/2006/relationships" xmlns:p="http://schemas.openxmlformats.org/presentationml/2006/main" type="tx" showMasterSp="1" showMasterPhAnim="1">
+<p:sldLayout xmlns:a="http://schemas.openxmlformats.org/drawingml/2006/main" xmlns:r="http://schemas.openxmlformats.org/officeDocument/2006/relationships" xmlns:p="http://schemas.openxmlformats.org/presentationml/2006/main" type="tx">
   <p:cSld name="内容">
     <p:spTree>
       <p:nvGrpSpPr>
@@ -1580,7 +1566,7 @@
           <p:cNvPr id="82" name="正文级别 1…"/>
           <p:cNvSpPr txBox="1"/>
           <p:nvPr>
-            <p:ph type="body" idx="1"/>
+            <p:ph type="body" idx="1" hasCustomPrompt="1"/>
           </p:nvPr>
         </p:nvSpPr>
         <p:spPr>
@@ -1596,7 +1582,6 @@
           <a:bodyPr/>
           <a:lstStyle/>
           <a:p>
-            <a:pPr/>
             <a:r>
               <a:t>正文级别 1</a:t>
             </a:r>
@@ -1644,8 +1629,10 @@
           <a:bodyPr/>
           <a:lstStyle/>
           <a:p>
-            <a:pPr/>
-            <a:fld id="{86CB4B4D-7CA3-9044-876B-883B54F8677D}" type="slidenum"/>
+            <a:fld id="{86CB4B4D-7CA3-9044-876B-883B54F8677D}" type="slidenum">
+              <a:rPr/>
+            </a:fld>
+            <a:endParaRPr/>
           </a:p>
         </p:txBody>
       </p:sp>
@@ -1654,7 +1641,7 @@
   <p:clrMapOvr>
     <a:masterClrMapping/>
   </p:clrMapOvr>
-  <p:transition xmlns:p14="http://schemas.microsoft.com/office/powerpoint/2010/main" spd="med" advClick="1"/>
+  <p:transition spd="med"/>
 </p:sldLayout>
 </file>
 
@@ -1666,6 +1653,7 @@
         <a:solidFill>
           <a:srgbClr val="FFFFFF"/>
         </a:solidFill>
+        <a:effectLst/>
       </p:bgPr>
     </p:bg>
     <p:spTree>
@@ -1701,19 +1689,13 @@
           <a:ln w="12700">
             <a:miter lim="400000"/>
           </a:ln>
-          <a:extLst>
-            <a:ext uri="{C572A759-6A51-4108-AA02-DFA0A04FC94B}">
-              <ma14:wrappingTextBoxFlag xmlns:ma14="http://schemas.microsoft.com/office/mac/drawingml/2011/main" val="1"/>
-            </a:ext>
-          </a:extLst>
         </p:spPr>
         <p:txBody>
           <a:bodyPr lIns="45718" tIns="45718" rIns="45718" bIns="45718" anchor="ctr">
-            <a:normAutofit fontScale="100000" lnSpcReduction="0"/>
+            <a:normAutofit/>
           </a:bodyPr>
           <a:lstStyle/>
           <a:p>
-            <a:pPr/>
             <a:r>
               <a:t>标题文本</a:t>
             </a:r>
@@ -1739,19 +1721,13 @@
           <a:ln w="12700">
             <a:miter lim="400000"/>
           </a:ln>
-          <a:extLst>
-            <a:ext uri="{C572A759-6A51-4108-AA02-DFA0A04FC94B}">
-              <ma14:wrappingTextBoxFlag xmlns:ma14="http://schemas.microsoft.com/office/mac/drawingml/2011/main" val="1"/>
-            </a:ext>
-          </a:extLst>
         </p:spPr>
         <p:txBody>
           <a:bodyPr lIns="45718" tIns="45718" rIns="45718" bIns="45718">
-            <a:normAutofit fontScale="100000" lnSpcReduction="0"/>
+            <a:normAutofit/>
           </a:bodyPr>
           <a:lstStyle/>
           <a:p>
-            <a:pPr/>
             <a:r>
               <a:t>正文级别 1</a:t>
             </a:r>
@@ -1820,8 +1796,10 @@
             </a:lvl1pPr>
           </a:lstStyle>
           <a:p>
-            <a:pPr/>
-            <a:fld id="{86CB4B4D-7CA3-9044-876B-883B54F8677D}" type="slidenum"/>
+            <a:fld id="{86CB4B4D-7CA3-9044-876B-883B54F8677D}" type="slidenum">
+              <a:rPr/>
+            </a:fld>
+            <a:endParaRPr/>
           </a:p>
         </p:txBody>
       </p:sp>
@@ -1829,17 +1807,17 @@
   </p:cSld>
   <p:clrMap bg1="lt1" tx1="dk1" bg2="lt2" tx2="dk2" accent1="accent1" accent2="accent2" accent3="accent3" accent4="accent4" accent5="accent5" accent6="accent6" hlink="hlink" folHlink="folHlink"/>
   <p:sldLayoutIdLst>
-    <p:sldLayoutId id="2147483649" r:id="rId2"/>
-    <p:sldLayoutId id="2147483650" r:id="rId3"/>
-    <p:sldLayoutId id="2147483651" r:id="rId4"/>
-    <p:sldLayoutId id="2147483652" r:id="rId5"/>
-    <p:sldLayoutId id="2147483653" r:id="rId6"/>
-    <p:sldLayoutId id="2147483654" r:id="rId7"/>
-    <p:sldLayoutId id="2147483655" r:id="rId8"/>
-    <p:sldLayoutId id="2147483656" r:id="rId9"/>
-    <p:sldLayoutId id="2147483657" r:id="rId10"/>
+    <p:sldLayoutId id="2147483649" r:id="rId1"/>
+    <p:sldLayoutId id="2147483650" r:id="rId2"/>
+    <p:sldLayoutId id="2147483651" r:id="rId3"/>
+    <p:sldLayoutId id="2147483652" r:id="rId4"/>
+    <p:sldLayoutId id="2147483653" r:id="rId5"/>
+    <p:sldLayoutId id="2147483654" r:id="rId6"/>
+    <p:sldLayoutId id="2147483655" r:id="rId7"/>
+    <p:sldLayoutId id="2147483656" r:id="rId8"/>
+    <p:sldLayoutId id="2147483657" r:id="rId9"/>
   </p:sldLayoutIdLst>
-  <p:transition xmlns:p14="http://schemas.microsoft.com/office/powerpoint/2010/main" spd="med" advClick="1"/>
+  <p:transition spd="med"/>
   <p:txStyles>
     <p:titleStyle>
       <a:lvl1pPr marL="0" marR="0" indent="0" algn="l" defTabSz="914400" rtl="0" latinLnBrk="0">
@@ -1856,8 +1834,7 @@
         <a:buSzTx/>
         <a:buFontTx/>
         <a:buNone/>
-        <a:tabLst/>
-        <a:defRPr b="0" baseline="0" cap="none" i="0" spc="0" strike="noStrike" sz="4400" u="none">
+        <a:defRPr sz="4400" b="0" i="0" u="none" strike="noStrike" cap="none" spc="0" baseline="0">
           <a:ln>
             <a:noFill/>
           </a:ln>
@@ -1885,8 +1862,7 @@
         <a:buSzTx/>
         <a:buFontTx/>
         <a:buNone/>
-        <a:tabLst/>
-        <a:defRPr b="0" baseline="0" cap="none" i="0" spc="0" strike="noStrike" sz="4400" u="none">
+        <a:defRPr sz="4400" b="0" i="0" u="none" strike="noStrike" cap="none" spc="0" baseline="0">
           <a:ln>
             <a:noFill/>
           </a:ln>
@@ -1914,8 +1890,7 @@
         <a:buSzTx/>
         <a:buFontTx/>
         <a:buNone/>
-        <a:tabLst/>
-        <a:defRPr b="0" baseline="0" cap="none" i="0" spc="0" strike="noStrike" sz="4400" u="none">
+        <a:defRPr sz="4400" b="0" i="0" u="none" strike="noStrike" cap="none" spc="0" baseline="0">
           <a:ln>
             <a:noFill/>
           </a:ln>
@@ -1943,8 +1918,7 @@
         <a:buSzTx/>
         <a:buFontTx/>
         <a:buNone/>
-        <a:tabLst/>
-        <a:defRPr b="0" baseline="0" cap="none" i="0" spc="0" strike="noStrike" sz="4400" u="none">
+        <a:defRPr sz="4400" b="0" i="0" u="none" strike="noStrike" cap="none" spc="0" baseline="0">
           <a:ln>
             <a:noFill/>
           </a:ln>
@@ -1972,8 +1946,7 @@
         <a:buSzTx/>
         <a:buFontTx/>
         <a:buNone/>
-        <a:tabLst/>
-        <a:defRPr b="0" baseline="0" cap="none" i="0" spc="0" strike="noStrike" sz="4400" u="none">
+        <a:defRPr sz="4400" b="0" i="0" u="none" strike="noStrike" cap="none" spc="0" baseline="0">
           <a:ln>
             <a:noFill/>
           </a:ln>
@@ -2001,8 +1974,7 @@
         <a:buSzTx/>
         <a:buFontTx/>
         <a:buNone/>
-        <a:tabLst/>
-        <a:defRPr b="0" baseline="0" cap="none" i="0" spc="0" strike="noStrike" sz="4400" u="none">
+        <a:defRPr sz="4400" b="0" i="0" u="none" strike="noStrike" cap="none" spc="0" baseline="0">
           <a:ln>
             <a:noFill/>
           </a:ln>
@@ -2030,8 +2002,7 @@
         <a:buSzTx/>
         <a:buFontTx/>
         <a:buNone/>
-        <a:tabLst/>
-        <a:defRPr b="0" baseline="0" cap="none" i="0" spc="0" strike="noStrike" sz="4400" u="none">
+        <a:defRPr sz="4400" b="0" i="0" u="none" strike="noStrike" cap="none" spc="0" baseline="0">
           <a:ln>
             <a:noFill/>
           </a:ln>
@@ -2059,8 +2030,7 @@
         <a:buSzTx/>
         <a:buFontTx/>
         <a:buNone/>
-        <a:tabLst/>
-        <a:defRPr b="0" baseline="0" cap="none" i="0" spc="0" strike="noStrike" sz="4400" u="none">
+        <a:defRPr sz="4400" b="0" i="0" u="none" strike="noStrike" cap="none" spc="0" baseline="0">
           <a:ln>
             <a:noFill/>
           </a:ln>
@@ -2088,8 +2058,7 @@
         <a:buSzTx/>
         <a:buFontTx/>
         <a:buNone/>
-        <a:tabLst/>
-        <a:defRPr b="0" baseline="0" cap="none" i="0" spc="0" strike="noStrike" sz="4400" u="none">
+        <a:defRPr sz="4400" b="0" i="0" u="none" strike="noStrike" cap="none" spc="0" baseline="0">
           <a:ln>
             <a:noFill/>
           </a:ln>
@@ -2117,10 +2086,9 @@
         </a:spcAft>
         <a:buClrTx/>
         <a:buSzPct val="100000"/>
-        <a:buFont typeface="Arial"/>
+        <a:buFont typeface="Arial" panose="020B0604020202090204"/>
         <a:buChar char="•"/>
-        <a:tabLst/>
-        <a:defRPr b="0" baseline="0" cap="none" i="0" spc="0" strike="noStrike" sz="2800" u="none">
+        <a:defRPr sz="2800" b="0" i="0" u="none" strike="noStrike" cap="none" spc="0" baseline="0">
           <a:ln>
             <a:noFill/>
           </a:ln>
@@ -2146,10 +2114,9 @@
         </a:spcAft>
         <a:buClrTx/>
         <a:buSzPct val="100000"/>
-        <a:buFont typeface="Arial"/>
+        <a:buFont typeface="Arial" panose="020B0604020202090204"/>
         <a:buChar char="•"/>
-        <a:tabLst/>
-        <a:defRPr b="0" baseline="0" cap="none" i="0" spc="0" strike="noStrike" sz="2800" u="none">
+        <a:defRPr sz="2800" b="0" i="0" u="none" strike="noStrike" cap="none" spc="0" baseline="0">
           <a:ln>
             <a:noFill/>
           </a:ln>
@@ -2163,7 +2130,7 @@
           <a:sym typeface="Calibri"/>
         </a:defRPr>
       </a:lvl2pPr>
-      <a:lvl3pPr marL="1234438" marR="0" indent="-320038" algn="l" defTabSz="914400" rtl="0" latinLnBrk="0">
+      <a:lvl3pPr marL="1234440" marR="0" indent="-320040" algn="l" defTabSz="914400" rtl="0" latinLnBrk="0">
         <a:lnSpc>
           <a:spcPct val="90000"/>
         </a:lnSpc>
@@ -2175,10 +2142,9 @@
         </a:spcAft>
         <a:buClrTx/>
         <a:buSzPct val="100000"/>
-        <a:buFont typeface="Arial"/>
+        <a:buFont typeface="Arial" panose="020B0604020202090204"/>
         <a:buChar char="•"/>
-        <a:tabLst/>
-        <a:defRPr b="0" baseline="0" cap="none" i="0" spc="0" strike="noStrike" sz="2800" u="none">
+        <a:defRPr sz="2800" b="0" i="0" u="none" strike="noStrike" cap="none" spc="0" baseline="0">
           <a:ln>
             <a:noFill/>
           </a:ln>
@@ -2204,10 +2170,9 @@
         </a:spcAft>
         <a:buClrTx/>
         <a:buSzPct val="100000"/>
-        <a:buFont typeface="Arial"/>
+        <a:buFont typeface="Arial" panose="020B0604020202090204"/>
         <a:buChar char="•"/>
-        <a:tabLst/>
-        <a:defRPr b="0" baseline="0" cap="none" i="0" spc="0" strike="noStrike" sz="2800" u="none">
+        <a:defRPr sz="2800" b="0" i="0" u="none" strike="noStrike" cap="none" spc="0" baseline="0">
           <a:ln>
             <a:noFill/>
           </a:ln>
@@ -2233,10 +2198,9 @@
         </a:spcAft>
         <a:buClrTx/>
         <a:buSzPct val="100000"/>
-        <a:buFont typeface="Arial"/>
+        <a:buFont typeface="Arial" panose="020B0604020202090204"/>
         <a:buChar char="•"/>
-        <a:tabLst/>
-        <a:defRPr b="0" baseline="0" cap="none" i="0" spc="0" strike="noStrike" sz="2800" u="none">
+        <a:defRPr sz="2800" b="0" i="0" u="none" strike="noStrike" cap="none" spc="0" baseline="0">
           <a:ln>
             <a:noFill/>
           </a:ln>
@@ -2262,10 +2226,9 @@
         </a:spcAft>
         <a:buClrTx/>
         <a:buSzPct val="100000"/>
-        <a:buFont typeface="Arial"/>
+        <a:buFont typeface="Arial" panose="020B0604020202090204"/>
         <a:buChar char="•"/>
-        <a:tabLst/>
-        <a:defRPr b="0" baseline="0" cap="none" i="0" spc="0" strike="noStrike" sz="2800" u="none">
+        <a:defRPr sz="2800" b="0" i="0" u="none" strike="noStrike" cap="none" spc="0" baseline="0">
           <a:ln>
             <a:noFill/>
           </a:ln>
@@ -2291,10 +2254,9 @@
         </a:spcAft>
         <a:buClrTx/>
         <a:buSzPct val="100000"/>
-        <a:buFont typeface="Arial"/>
+        <a:buFont typeface="Arial" panose="020B0604020202090204"/>
         <a:buChar char="•"/>
-        <a:tabLst/>
-        <a:defRPr b="0" baseline="0" cap="none" i="0" spc="0" strike="noStrike" sz="2800" u="none">
+        <a:defRPr sz="2800" b="0" i="0" u="none" strike="noStrike" cap="none" spc="0" baseline="0">
           <a:ln>
             <a:noFill/>
           </a:ln>
@@ -2320,10 +2282,9 @@
         </a:spcAft>
         <a:buClrTx/>
         <a:buSzPct val="100000"/>
-        <a:buFont typeface="Arial"/>
+        <a:buFont typeface="Arial" panose="020B0604020202090204"/>
         <a:buChar char="•"/>
-        <a:tabLst/>
-        <a:defRPr b="0" baseline="0" cap="none" i="0" spc="0" strike="noStrike" sz="2800" u="none">
+        <a:defRPr sz="2800" b="0" i="0" u="none" strike="noStrike" cap="none" spc="0" baseline="0">
           <a:ln>
             <a:noFill/>
           </a:ln>
@@ -2349,10 +2310,9 @@
         </a:spcAft>
         <a:buClrTx/>
         <a:buSzPct val="100000"/>
-        <a:buFont typeface="Arial"/>
+        <a:buFont typeface="Arial" panose="020B0604020202090204"/>
         <a:buChar char="•"/>
-        <a:tabLst/>
-        <a:defRPr b="0" baseline="0" cap="none" i="0" spc="0" strike="noStrike" sz="2800" u="none">
+        <a:defRPr sz="2800" b="0" i="0" u="none" strike="noStrike" cap="none" spc="0" baseline="0">
           <a:ln>
             <a:noFill/>
           </a:ln>
@@ -2382,8 +2342,7 @@
         <a:buSzTx/>
         <a:buFontTx/>
         <a:buNone/>
-        <a:tabLst/>
-        <a:defRPr b="0" baseline="0" cap="none" i="0" spc="0" strike="noStrike" sz="1200" u="none">
+        <a:defRPr sz="1200" b="0" i="0" u="none" strike="noStrike" cap="none" spc="0" baseline="0">
           <a:ln>
             <a:noFill/>
           </a:ln>
@@ -2411,8 +2370,7 @@
         <a:buSzTx/>
         <a:buFontTx/>
         <a:buNone/>
-        <a:tabLst/>
-        <a:defRPr b="0" baseline="0" cap="none" i="0" spc="0" strike="noStrike" sz="1200" u="none">
+        <a:defRPr sz="1200" b="0" i="0" u="none" strike="noStrike" cap="none" spc="0" baseline="0">
           <a:ln>
             <a:noFill/>
           </a:ln>
@@ -2440,8 +2398,7 @@
         <a:buSzTx/>
         <a:buFontTx/>
         <a:buNone/>
-        <a:tabLst/>
-        <a:defRPr b="0" baseline="0" cap="none" i="0" spc="0" strike="noStrike" sz="1200" u="none">
+        <a:defRPr sz="1200" b="0" i="0" u="none" strike="noStrike" cap="none" spc="0" baseline="0">
           <a:ln>
             <a:noFill/>
           </a:ln>
@@ -2469,8 +2426,7 @@
         <a:buSzTx/>
         <a:buFontTx/>
         <a:buNone/>
-        <a:tabLst/>
-        <a:defRPr b="0" baseline="0" cap="none" i="0" spc="0" strike="noStrike" sz="1200" u="none">
+        <a:defRPr sz="1200" b="0" i="0" u="none" strike="noStrike" cap="none" spc="0" baseline="0">
           <a:ln>
             <a:noFill/>
           </a:ln>
@@ -2498,8 +2454,7 @@
         <a:buSzTx/>
         <a:buFontTx/>
         <a:buNone/>
-        <a:tabLst/>
-        <a:defRPr b="0" baseline="0" cap="none" i="0" spc="0" strike="noStrike" sz="1200" u="none">
+        <a:defRPr sz="1200" b="0" i="0" u="none" strike="noStrike" cap="none" spc="0" baseline="0">
           <a:ln>
             <a:noFill/>
           </a:ln>
@@ -2527,8 +2482,7 @@
         <a:buSzTx/>
         <a:buFontTx/>
         <a:buNone/>
-        <a:tabLst/>
-        <a:defRPr b="0" baseline="0" cap="none" i="0" spc="0" strike="noStrike" sz="1200" u="none">
+        <a:defRPr sz="1200" b="0" i="0" u="none" strike="noStrike" cap="none" spc="0" baseline="0">
           <a:ln>
             <a:noFill/>
           </a:ln>
@@ -2556,8 +2510,7 @@
         <a:buSzTx/>
         <a:buFontTx/>
         <a:buNone/>
-        <a:tabLst/>
-        <a:defRPr b="0" baseline="0" cap="none" i="0" spc="0" strike="noStrike" sz="1200" u="none">
+        <a:defRPr sz="1200" b="0" i="0" u="none" strike="noStrike" cap="none" spc="0" baseline="0">
           <a:ln>
             <a:noFill/>
           </a:ln>
@@ -2585,8 +2538,7 @@
         <a:buSzTx/>
         <a:buFontTx/>
         <a:buNone/>
-        <a:tabLst/>
-        <a:defRPr b="0" baseline="0" cap="none" i="0" spc="0" strike="noStrike" sz="1200" u="none">
+        <a:defRPr sz="1200" b="0" i="0" u="none" strike="noStrike" cap="none" spc="0" baseline="0">
           <a:ln>
             <a:noFill/>
           </a:ln>
@@ -2614,8 +2566,7 @@
         <a:buSzTx/>
         <a:buFontTx/>
         <a:buNone/>
-        <a:tabLst/>
-        <a:defRPr b="0" baseline="0" cap="none" i="0" spc="0" strike="noStrike" sz="1200" u="none">
+        <a:defRPr sz="1200" b="0" i="0" u="none" strike="noStrike" cap="none" spc="0" baseline="0">
           <a:ln>
             <a:noFill/>
           </a:ln>
@@ -2635,13 +2586,14 @@
 </file>
 
 <file path=ppt/slides/slide1.xml><?xml version="1.0" encoding="utf-8"?>
-<p:sld xmlns:a="http://schemas.openxmlformats.org/drawingml/2006/main" xmlns:r="http://schemas.openxmlformats.org/officeDocument/2006/relationships" xmlns:p="http://schemas.openxmlformats.org/presentationml/2006/main" showMasterSp="1" showMasterPhAnim="1">
+<p:sld xmlns:a="http://schemas.openxmlformats.org/drawingml/2006/main" xmlns:r="http://schemas.openxmlformats.org/officeDocument/2006/relationships" xmlns:p="http://schemas.openxmlformats.org/presentationml/2006/main">
   <p:cSld>
     <p:bg>
       <p:bgPr>
         <a:solidFill>
           <a:srgbClr val="000000"/>
         </a:solidFill>
+        <a:effectLst/>
       </p:bgPr>
     </p:bg>
     <p:spTree>
@@ -2667,9 +2619,7 @@
           <p:nvPr/>
         </p:nvPicPr>
         <p:blipFill>
-          <a:blip r:embed="rId2">
-            <a:extLst/>
-          </a:blip>
+          <a:blip r:embed="rId1"/>
           <a:stretch>
             <a:fillRect/>
           </a:stretch>
@@ -2684,6 +2634,8 @@
           </a:prstGeom>
           <a:ln w="12700">
             <a:miter lim="400000"/>
+            <a:headEnd/>
+            <a:tailEnd/>
           </a:ln>
         </p:spPr>
       </p:pic>
@@ -2692,12 +2644,12 @@
   <p:clrMapOvr>
     <a:masterClrMapping/>
   </p:clrMapOvr>
-  <p:transition xmlns:p14="http://schemas.microsoft.com/office/powerpoint/2010/main" spd="med" advClick="1"/>
+  <p:transition spd="med"/>
 </p:sld>
 </file>
 
 <file path=ppt/slides/slide10.xml><?xml version="1.0" encoding="utf-8"?>
-<p:sld xmlns:a="http://schemas.openxmlformats.org/drawingml/2006/main" xmlns:r="http://schemas.openxmlformats.org/officeDocument/2006/relationships" xmlns:p="http://schemas.openxmlformats.org/presentationml/2006/main" showMasterSp="1" showMasterPhAnim="1">
+<p:sld xmlns:a="http://schemas.openxmlformats.org/drawingml/2006/main" xmlns:r="http://schemas.openxmlformats.org/officeDocument/2006/relationships" xmlns:p="http://schemas.openxmlformats.org/presentationml/2006/main">
   <p:cSld>
     <p:spTree>
       <p:nvGrpSpPr>
@@ -2715,17 +2667,15 @@
       </p:grpSpPr>
       <p:pic>
         <p:nvPicPr>
-          <p:cNvPr id="195" name="etf-investment-guide-theme-ethereum.jpeg" descr="etf-investment-guide-theme-ethereum.jpeg"/>
+          <p:cNvPr id="170" name="etf-investment-guide-theme-ethereum.jpeg" descr="etf-investment-guide-theme-ethereum.jpeg"/>
           <p:cNvPicPr>
             <a:picLocks noChangeAspect="1"/>
           </p:cNvPicPr>
           <p:nvPr/>
         </p:nvPicPr>
         <p:blipFill>
-          <a:blip r:embed="rId2">
-            <a:extLst/>
-          </a:blip>
-          <a:srcRect l="0" t="35605" r="0" b="0"/>
+          <a:blip r:embed="rId1"/>
+          <a:srcRect t="35605"/>
           <a:stretch>
             <a:fillRect/>
           </a:stretch>
@@ -2740,12 +2690,14 @@
           </a:prstGeom>
           <a:ln w="12700">
             <a:miter lim="400000"/>
+            <a:headEnd/>
+            <a:tailEnd/>
           </a:ln>
         </p:spPr>
       </p:pic>
       <p:sp>
         <p:nvSpPr>
-          <p:cNvPr id="196" name="矩形"/>
+          <p:cNvPr id="171" name="矩形"/>
           <p:cNvSpPr/>
           <p:nvPr/>
         </p:nvSpPr>
@@ -2769,14 +2721,12 @@
         <p:txBody>
           <a:bodyPr lIns="0" tIns="0" rIns="0" bIns="0"/>
           <a:lstStyle/>
-          <a:p>
-            <a:pPr/>
-          </a:p>
+          <a:p/>
         </p:txBody>
       </p:sp>
       <p:sp>
         <p:nvSpPr>
-          <p:cNvPr id="197" name="Hertz Index"/>
+          <p:cNvPr id="172" name="Hertz Index"/>
           <p:cNvSpPr txBox="1"/>
           <p:nvPr/>
         </p:nvSpPr>
@@ -2791,11 +2741,6 @@
           <a:ln w="12700">
             <a:miter lim="400000"/>
           </a:ln>
-          <a:extLst>
-            <a:ext uri="{C572A759-6A51-4108-AA02-DFA0A04FC94B}">
-              <ma14:wrappingTextBoxFlag xmlns:ma14="http://schemas.microsoft.com/office/mac/drawingml/2011/main" val="1"/>
-            </a:ext>
-          </a:extLst>
         </p:spPr>
         <p:txBody>
           <a:bodyPr lIns="0" tIns="0" rIns="0" bIns="0">
@@ -2806,11 +2751,10 @@
               <a:lnSpc>
                 <a:spcPct val="90000"/>
               </a:lnSpc>
-              <a:defRPr b="1" sz="1900"/>
+              <a:defRPr sz="1900" b="1"/>
             </a:lvl1pPr>
           </a:lstStyle>
           <a:p>
-            <a:pPr/>
             <a:r>
               <a:t>Hertz Index</a:t>
             </a:r>
@@ -2819,7 +2763,7 @@
       </p:sp>
       <p:sp>
         <p:nvSpPr>
-          <p:cNvPr id="198" name="Hertz"/>
+          <p:cNvPr id="173" name="Hertz"/>
           <p:cNvSpPr txBox="1"/>
           <p:nvPr/>
         </p:nvSpPr>
@@ -2834,11 +2778,6 @@
           <a:ln w="12700">
             <a:miter lim="400000"/>
           </a:ln>
-          <a:extLst>
-            <a:ext uri="{C572A759-6A51-4108-AA02-DFA0A04FC94B}">
-              <ma14:wrappingTextBoxFlag xmlns:ma14="http://schemas.microsoft.com/office/mac/drawingml/2011/main" val="1"/>
-            </a:ext>
-          </a:extLst>
         </p:spPr>
         <p:txBody>
           <a:bodyPr lIns="0" tIns="0" rIns="0" bIns="0">
@@ -2853,8 +2792,8 @@
               <a:defRPr sz="1400">
                 <a:solidFill>
                   <a:schemeClr val="accent2">
-                    <a:satOff val="-18194"/>
-                    <a:lumOff val="-11215"/>
+                    <a:satOff val="-18193"/>
+                    <a:lumOff val="-11214"/>
                   </a:schemeClr>
                 </a:solidFill>
                 <a:latin typeface="Clinton Bold"/>
@@ -2887,7 +2826,7 @@
       </p:sp>
       <p:sp>
         <p:nvSpPr>
-          <p:cNvPr id="199" name="The Hertz Index is an active ETF which will track the best-performing investment manager on the platform to generate more profits for investors."/>
+          <p:cNvPr id="174" name="The Hertz Index is an active ETF which will track the best-performing investment manager on the platform to generate more profits for investors."/>
           <p:cNvSpPr txBox="1"/>
           <p:nvPr/>
         </p:nvSpPr>
@@ -2902,11 +2841,6 @@
           <a:ln w="12700">
             <a:miter lim="400000"/>
           </a:ln>
-          <a:extLst>
-            <a:ext uri="{C572A759-6A51-4108-AA02-DFA0A04FC94B}">
-              <ma14:wrappingTextBoxFlag xmlns:ma14="http://schemas.microsoft.com/office/mac/drawingml/2011/main" val="1"/>
-            </a:ext>
-          </a:extLst>
         </p:spPr>
         <p:txBody>
           <a:bodyPr lIns="0" tIns="0" rIns="0" bIns="0">
@@ -2914,11 +2848,10 @@
           </a:bodyPr>
           <a:lstStyle>
             <a:lvl1pPr>
-              <a:defRPr b="1" sz="2000"/>
+              <a:defRPr sz="2000" b="1"/>
             </a:lvl1pPr>
           </a:lstStyle>
           <a:p>
-            <a:pPr/>
             <a:r>
               <a:t>The Hertz Index is an active ETF which will track the best-performing investment manager on the platform to generate more profits for investors.</a:t>
             </a:r>
@@ -2927,7 +2860,7 @@
       </p:sp>
       <p:sp>
         <p:nvSpPr>
-          <p:cNvPr id="200" name="The Hertz Index is a collection of the top 20 profitable portfolios on the Hertz platform…"/>
+          <p:cNvPr id="175" name="The Hertz Index is a collection of the top 20 profitable portfolios on the Hertz platform…"/>
           <p:cNvSpPr txBox="1"/>
           <p:nvPr/>
         </p:nvSpPr>
@@ -2942,11 +2875,6 @@
           <a:ln w="12700">
             <a:miter lim="400000"/>
           </a:ln>
-          <a:extLst>
-            <a:ext uri="{C572A759-6A51-4108-AA02-DFA0A04FC94B}">
-              <ma14:wrappingTextBoxFlag xmlns:ma14="http://schemas.microsoft.com/office/mac/drawingml/2011/main" val="1"/>
-            </a:ext>
-          </a:extLst>
         </p:spPr>
         <p:txBody>
           <a:bodyPr lIns="0" tIns="0" rIns="0" bIns="0">
@@ -2954,34 +2882,24 @@
           </a:bodyPr>
           <a:lstStyle/>
           <a:p>
-            <a:pPr/>
             <a:r>
               <a:t>The Hertz Index is a collection of the top 20 profitable portfolios on the Hertz platform</a:t>
             </a:r>
           </a:p>
-          <a:p>
-            <a:pPr/>
-          </a:p>
-          <a:p>
-            <a:pPr/>
+          <a:p/>
+          <a:p>
             <a:r>
               <a:t>The Hertz Index snapshot of the underlying portfolio will be taken every Sunday</a:t>
             </a:r>
           </a:p>
-          <a:p>
-            <a:pPr/>
-          </a:p>
-          <a:p>
-            <a:pPr/>
+          <a:p/>
+          <a:p>
             <a:r>
               <a:t>The Hertz Index is managed by a robot which will track all the portfolios on the platform automatically </a:t>
             </a:r>
           </a:p>
-          <a:p>
-            <a:pPr/>
-          </a:p>
-          <a:p>
-            <a:pPr/>
+          <a:p/>
+          <a:p>
             <a:r>
               <a:t>Score = Sortino Ratio * SQRT (7-day average pool value)</a:t>
             </a:r>
@@ -2993,12 +2911,12 @@
   <p:clrMapOvr>
     <a:masterClrMapping/>
   </p:clrMapOvr>
-  <p:transition xmlns:p14="http://schemas.microsoft.com/office/powerpoint/2010/main" spd="med" advClick="1"/>
+  <p:transition spd="med"/>
 </p:sld>
 </file>
 
 <file path=ppt/slides/slide11.xml><?xml version="1.0" encoding="utf-8"?>
-<p:sld xmlns:a="http://schemas.openxmlformats.org/drawingml/2006/main" xmlns:r="http://schemas.openxmlformats.org/officeDocument/2006/relationships" xmlns:p="http://schemas.openxmlformats.org/presentationml/2006/main" showMasterSp="1" showMasterPhAnim="1">
+<p:sld xmlns:a="http://schemas.openxmlformats.org/drawingml/2006/main" xmlns:r="http://schemas.openxmlformats.org/officeDocument/2006/relationships" xmlns:p="http://schemas.openxmlformats.org/presentationml/2006/main">
   <p:cSld>
     <p:spTree>
       <p:nvGrpSpPr>
@@ -3016,149 +2934,7 @@
       </p:grpSpPr>
       <p:sp>
         <p:nvSpPr>
-          <p:cNvPr id="202" name="矩形"/>
-          <p:cNvSpPr/>
-          <p:nvPr/>
-        </p:nvSpPr>
-        <p:spPr>
-          <a:xfrm>
-            <a:off x="9536151" y="-6991679"/>
-            <a:ext cx="9152949" cy="4791071"/>
-          </a:xfrm>
-          <a:prstGeom prst="rect">
-            <a:avLst/>
-          </a:prstGeom>
-          <a:gradFill>
-            <a:gsLst>
-              <a:gs pos="0">
-                <a:srgbClr val="7277D7">
-                  <a:alpha val="43803"/>
-                </a:srgbClr>
-              </a:gs>
-              <a:gs pos="100000">
-                <a:srgbClr val="33FFEC">
-                  <a:alpha val="43803"/>
-                </a:srgbClr>
-              </a:gs>
-            </a:gsLst>
-            <a:lin ang="16200000"/>
-          </a:gradFill>
-          <a:ln>
-            <a:solidFill>
-              <a:srgbClr val="3F6EC3">
-                <a:alpha val="43803"/>
-              </a:srgbClr>
-            </a:solidFill>
-          </a:ln>
-          <a:extLst>
-            <a:ext uri="{C572A759-6A51-4108-AA02-DFA0A04FC94B}">
-              <ma14:wrappingTextBoxFlag xmlns:ma14="http://schemas.microsoft.com/office/mac/drawingml/2011/main" val="1"/>
-            </a:ext>
-          </a:extLst>
-        </p:spPr>
-        <p:txBody>
-          <a:bodyPr lIns="0" tIns="0" rIns="0" bIns="0"/>
-          <a:lstStyle/>
-          <a:p>
-            <a:pPr>
-              <a:defRPr>
-                <a:solidFill>
-                  <a:srgbClr val="FFFFFF"/>
-                </a:solidFill>
-              </a:defRPr>
-            </a:pPr>
-          </a:p>
-          <a:p>
-            <a:pPr>
-              <a:defRPr>
-                <a:solidFill>
-                  <a:srgbClr val="FFFFFF"/>
-                </a:solidFill>
-              </a:defRPr>
-            </a:pPr>
-          </a:p>
-        </p:txBody>
-      </p:sp>
-      <p:sp>
-        <p:nvSpPr>
-          <p:cNvPr id="203" name="内容占位符 2"/>
-          <p:cNvSpPr txBox="1"/>
-          <p:nvPr>
-            <p:ph type="body" idx="1"/>
-          </p:nvPr>
-        </p:nvSpPr>
-        <p:spPr>
-          <a:xfrm>
-            <a:off x="4649164" y="-4858734"/>
-            <a:ext cx="10515601" cy="4351339"/>
-          </a:xfrm>
-          <a:prstGeom prst="rect">
-            <a:avLst/>
-          </a:prstGeom>
-        </p:spPr>
-        <p:txBody>
-          <a:bodyPr/>
-          <a:lstStyle/>
-          <a:p>
-            <a:pPr>
-              <a:defRPr>
-                <a:latin typeface="+mj-lt"/>
-                <a:ea typeface="+mj-ea"/>
-                <a:cs typeface="+mj-cs"/>
-                <a:sym typeface="Helvetica"/>
-              </a:defRPr>
-            </a:pPr>
-            <a:r>
-              <a:t>Robust low-risk portfolios published on the Hertz platform</a:t>
-            </a:r>
-          </a:p>
-          <a:p>
-            <a:pPr>
-              <a:defRPr>
-                <a:solidFill>
-                  <a:srgbClr val="FF0000"/>
-                </a:solidFill>
-                <a:latin typeface="+mj-lt"/>
-                <a:ea typeface="+mj-ea"/>
-                <a:cs typeface="+mj-cs"/>
-                <a:sym typeface="Helvetica"/>
-              </a:defRPr>
-            </a:pPr>
-            <a:r>
-              <a:t>Using the Hertz smart contract sdk, the algorithm was developed by the Hertz development team</a:t>
-            </a:r>
-          </a:p>
-          <a:p>
-            <a:pPr>
-              <a:defRPr>
-                <a:latin typeface="+mj-lt"/>
-                <a:ea typeface="+mj-ea"/>
-                <a:cs typeface="+mj-cs"/>
-                <a:sym typeface="Helvetica"/>
-              </a:defRPr>
-            </a:pPr>
-            <a:r>
-              <a:t>Invest by seeking external investment portfolios which are break-even</a:t>
-            </a:r>
-          </a:p>
-          <a:p>
-            <a:pPr>
-              <a:defRPr>
-                <a:latin typeface="+mj-lt"/>
-                <a:ea typeface="+mj-ea"/>
-                <a:cs typeface="+mj-cs"/>
-                <a:sym typeface="Helvetica"/>
-              </a:defRPr>
-            </a:pPr>
-            <a:r>
-              <a:t>Operated by robots, looking for arbitrage opportunities in the chain</a:t>
-            </a:r>
-          </a:p>
-        </p:txBody>
-      </p:sp>
-      <p:sp>
-        <p:nvSpPr>
-          <p:cNvPr id="204" name="Hertz Fixed Income Portfolio"/>
+          <p:cNvPr id="177" name="Hertz Fixed Income Portfolio"/>
           <p:cNvSpPr txBox="1"/>
           <p:nvPr/>
         </p:nvSpPr>
@@ -3173,11 +2949,6 @@
           <a:ln w="12700">
             <a:miter lim="400000"/>
           </a:ln>
-          <a:extLst>
-            <a:ext uri="{C572A759-6A51-4108-AA02-DFA0A04FC94B}">
-              <ma14:wrappingTextBoxFlag xmlns:ma14="http://schemas.microsoft.com/office/mac/drawingml/2011/main" val="1"/>
-            </a:ext>
-          </a:extLst>
         </p:spPr>
         <p:txBody>
           <a:bodyPr lIns="0" tIns="0" rIns="0" bIns="0">
@@ -3188,11 +2959,10 @@
               <a:lnSpc>
                 <a:spcPct val="90000"/>
               </a:lnSpc>
-              <a:defRPr b="1" sz="1900"/>
+              <a:defRPr sz="1900" b="1"/>
             </a:lvl1pPr>
           </a:lstStyle>
           <a:p>
-            <a:pPr/>
             <a:r>
               <a:t>Hertz Fixed Income Portfolio</a:t>
             </a:r>
@@ -3201,7 +2971,7 @@
       </p:sp>
       <p:sp>
         <p:nvSpPr>
-          <p:cNvPr id="205" name="Hertz"/>
+          <p:cNvPr id="178" name="Hertz"/>
           <p:cNvSpPr txBox="1"/>
           <p:nvPr/>
         </p:nvSpPr>
@@ -3216,11 +2986,6 @@
           <a:ln w="12700">
             <a:miter lim="400000"/>
           </a:ln>
-          <a:extLst>
-            <a:ext uri="{C572A759-6A51-4108-AA02-DFA0A04FC94B}">
-              <ma14:wrappingTextBoxFlag xmlns:ma14="http://schemas.microsoft.com/office/mac/drawingml/2011/main" val="1"/>
-            </a:ext>
-          </a:extLst>
         </p:spPr>
         <p:txBody>
           <a:bodyPr lIns="0" tIns="0" rIns="0" bIns="0">
@@ -3235,8 +3000,8 @@
               <a:defRPr sz="1400">
                 <a:solidFill>
                   <a:schemeClr val="accent2">
-                    <a:satOff val="-18194"/>
-                    <a:lumOff val="-11215"/>
+                    <a:satOff val="-18193"/>
+                    <a:lumOff val="-11214"/>
                   </a:schemeClr>
                 </a:solidFill>
                 <a:latin typeface="Clinton Bold"/>
@@ -3266,7 +3031,7 @@
       </p:sp>
       <p:sp>
         <p:nvSpPr>
-          <p:cNvPr id="206" name="Robust low-risk portfolios published on the Hertz platform"/>
+          <p:cNvPr id="179" name="Robust low-risk portfolios published on the Hertz platform"/>
           <p:cNvSpPr txBox="1"/>
           <p:nvPr/>
         </p:nvSpPr>
@@ -3281,11 +3046,6 @@
           <a:ln w="12700">
             <a:miter lim="400000"/>
           </a:ln>
-          <a:extLst>
-            <a:ext uri="{C572A759-6A51-4108-AA02-DFA0A04FC94B}">
-              <ma14:wrappingTextBoxFlag xmlns:ma14="http://schemas.microsoft.com/office/mac/drawingml/2011/main" val="1"/>
-            </a:ext>
-          </a:extLst>
         </p:spPr>
         <p:txBody>
           <a:bodyPr lIns="0" tIns="0" rIns="0" bIns="0">
@@ -3300,13 +3060,12 @@
                 <a:spcPts val="1000"/>
               </a:spcBef>
               <a:buSzPct val="100000"/>
-              <a:buFont typeface="Arial"/>
+              <a:buFont typeface="Arial" panose="020B0604020202090204"/>
               <a:buChar char="•"/>
-              <a:defRPr b="1" sz="2400"/>
+              <a:defRPr sz="2400" b="1"/>
             </a:lvl1pPr>
           </a:lstStyle>
           <a:p>
-            <a:pPr/>
             <a:r>
               <a:t>Robust low-risk portfolios published on the Hertz platform</a:t>
             </a:r>
@@ -3315,7 +3074,7 @@
       </p:sp>
       <p:sp>
         <p:nvSpPr>
-          <p:cNvPr id="207" name="Using the Hertz smart contract sdk, the algorithm was developed by the Hertz development team"/>
+          <p:cNvPr id="180" name="Using the Hertz smart contract sdk, the algorithm was developed by the Hertz development team"/>
           <p:cNvSpPr txBox="1"/>
           <p:nvPr/>
         </p:nvSpPr>
@@ -3330,11 +3089,6 @@
           <a:ln w="12700">
             <a:miter lim="400000"/>
           </a:ln>
-          <a:extLst>
-            <a:ext uri="{C572A759-6A51-4108-AA02-DFA0A04FC94B}">
-              <ma14:wrappingTextBoxFlag xmlns:ma14="http://schemas.microsoft.com/office/mac/drawingml/2011/main" val="1"/>
-            </a:ext>
-          </a:extLst>
         </p:spPr>
         <p:txBody>
           <a:bodyPr lIns="0" tIns="0" rIns="0" bIns="0">
@@ -3349,13 +3103,12 @@
                 <a:spcPts val="1000"/>
               </a:spcBef>
               <a:buSzPct val="100000"/>
-              <a:buFont typeface="Arial"/>
+              <a:buFont typeface="Arial" panose="020B0604020202090204"/>
               <a:buChar char="•"/>
-              <a:defRPr b="1" sz="2400"/>
+              <a:defRPr sz="2400" b="1"/>
             </a:lvl1pPr>
           </a:lstStyle>
           <a:p>
-            <a:pPr/>
             <a:r>
               <a:t>Using the Hertz smart contract sdk, the algorithm was developed by the Hertz development team</a:t>
             </a:r>
@@ -3364,7 +3117,7 @@
       </p:sp>
       <p:sp>
         <p:nvSpPr>
-          <p:cNvPr id="208" name="Invest by seeking external investment portfolios which are break-even"/>
+          <p:cNvPr id="181" name="Invest by seeking external investment portfolios which are break-even"/>
           <p:cNvSpPr txBox="1"/>
           <p:nvPr/>
         </p:nvSpPr>
@@ -3379,11 +3132,6 @@
           <a:ln w="12700">
             <a:miter lim="400000"/>
           </a:ln>
-          <a:extLst>
-            <a:ext uri="{C572A759-6A51-4108-AA02-DFA0A04FC94B}">
-              <ma14:wrappingTextBoxFlag xmlns:ma14="http://schemas.microsoft.com/office/mac/drawingml/2011/main" val="1"/>
-            </a:ext>
-          </a:extLst>
         </p:spPr>
         <p:txBody>
           <a:bodyPr lIns="0" tIns="0" rIns="0" bIns="0">
@@ -3398,13 +3146,12 @@
                 <a:spcPts val="1000"/>
               </a:spcBef>
               <a:buSzPct val="100000"/>
-              <a:buFont typeface="Arial"/>
+              <a:buFont typeface="Arial" panose="020B0604020202090204"/>
               <a:buChar char="•"/>
-              <a:defRPr b="1" sz="2400"/>
+              <a:defRPr sz="2400" b="1"/>
             </a:lvl1pPr>
           </a:lstStyle>
           <a:p>
-            <a:pPr/>
             <a:r>
               <a:t>Invest by seeking external investment portfolios which are break-even</a:t>
             </a:r>
@@ -3413,7 +3160,7 @@
       </p:sp>
       <p:sp>
         <p:nvSpPr>
-          <p:cNvPr id="209" name="Operated by robots, looking for arbitrage opportunities in the chain"/>
+          <p:cNvPr id="182" name="Operated by robots, looking for arbitrage opportunities in the chain"/>
           <p:cNvSpPr txBox="1"/>
           <p:nvPr/>
         </p:nvSpPr>
@@ -3428,11 +3175,6 @@
           <a:ln w="12700">
             <a:miter lim="400000"/>
           </a:ln>
-          <a:extLst>
-            <a:ext uri="{C572A759-6A51-4108-AA02-DFA0A04FC94B}">
-              <ma14:wrappingTextBoxFlag xmlns:ma14="http://schemas.microsoft.com/office/mac/drawingml/2011/main" val="1"/>
-            </a:ext>
-          </a:extLst>
         </p:spPr>
         <p:txBody>
           <a:bodyPr lIns="0" tIns="0" rIns="0" bIns="0">
@@ -3447,74 +3189,15 @@
                 <a:spcPts val="1000"/>
               </a:spcBef>
               <a:buSzPct val="100000"/>
-              <a:buFont typeface="Arial"/>
+              <a:buFont typeface="Arial" panose="020B0604020202090204"/>
               <a:buChar char="•"/>
-              <a:defRPr b="1" sz="2400"/>
+              <a:defRPr sz="2400" b="1"/>
             </a:lvl1pPr>
           </a:lstStyle>
           <a:p>
-            <a:pPr/>
             <a:r>
               <a:t>Operated by robots, looking for arbitrage opportunities in the chain</a:t>
             </a:r>
-          </a:p>
-        </p:txBody>
-      </p:sp>
-      <p:sp>
-        <p:nvSpPr>
-          <p:cNvPr id="210" name="矩形"/>
-          <p:cNvSpPr/>
-          <p:nvPr/>
-        </p:nvSpPr>
-        <p:spPr>
-          <a:xfrm>
-            <a:off x="9382009" y="-4669435"/>
-            <a:ext cx="9461234" cy="361951"/>
-          </a:xfrm>
-          <a:prstGeom prst="rect">
-            <a:avLst/>
-          </a:prstGeom>
-          <a:solidFill>
-            <a:srgbClr val="FFFFFF"/>
-          </a:solidFill>
-          <a:ln w="12700">
-            <a:miter lim="400000"/>
-          </a:ln>
-        </p:spPr>
-        <p:txBody>
-          <a:bodyPr lIns="0" tIns="0" rIns="0" bIns="0"/>
-          <a:lstStyle/>
-          <a:p>
-            <a:pPr/>
-          </a:p>
-        </p:txBody>
-      </p:sp>
-      <p:sp>
-        <p:nvSpPr>
-          <p:cNvPr id="211" name="矩形"/>
-          <p:cNvSpPr/>
-          <p:nvPr/>
-        </p:nvSpPr>
-        <p:spPr>
-          <a:xfrm>
-            <a:off x="13553790" y="-7385885"/>
-            <a:ext cx="292353" cy="5579483"/>
-          </a:xfrm>
-          <a:prstGeom prst="rect">
-            <a:avLst/>
-          </a:prstGeom>
-          <a:solidFill>
-            <a:srgbClr val="FFFFFF"/>
-          </a:solidFill>
-          <a:ln w="12700">
-            <a:miter lim="400000"/>
-          </a:ln>
-        </p:spPr>
-        <p:txBody>
-          <a:bodyPr lIns="0" tIns="0" rIns="0" bIns="0"/>
-          <a:lstStyle/>
-          <a:p>
-            <a:pPr/>
           </a:p>
         </p:txBody>
       </p:sp>
@@ -3523,12 +3206,12 @@
   <p:clrMapOvr>
     <a:masterClrMapping/>
   </p:clrMapOvr>
-  <p:transition xmlns:p14="http://schemas.microsoft.com/office/powerpoint/2010/main" spd="med" advClick="1"/>
+  <p:transition spd="med"/>
 </p:sld>
 </file>
 
 <file path=ppt/slides/slide12.xml><?xml version="1.0" encoding="utf-8"?>
-<p:sld xmlns:a="http://schemas.openxmlformats.org/drawingml/2006/main" xmlns:r="http://schemas.openxmlformats.org/officeDocument/2006/relationships" xmlns:p="http://schemas.openxmlformats.org/presentationml/2006/main" showMasterSp="1" showMasterPhAnim="1">
+<p:sld xmlns:a="http://schemas.openxmlformats.org/drawingml/2006/main" xmlns:r="http://schemas.openxmlformats.org/officeDocument/2006/relationships" xmlns:p="http://schemas.openxmlformats.org/presentationml/2006/main">
   <p:cSld>
     <p:spTree>
       <p:nvGrpSpPr>
@@ -3546,17 +3229,15 @@
       </p:grpSpPr>
       <p:pic>
         <p:nvPicPr>
-          <p:cNvPr id="213" name="man-76196_1920.jpg" descr="man-76196_1920.jpg"/>
+          <p:cNvPr id="184" name="man-76196_1920.jpg" descr="man-76196_1920.jpg"/>
           <p:cNvPicPr>
             <a:picLocks noChangeAspect="1"/>
           </p:cNvPicPr>
           <p:nvPr/>
         </p:nvPicPr>
         <p:blipFill>
-          <a:blip r:embed="rId2">
-            <a:extLst/>
-          </a:blip>
-          <a:srcRect l="22038" t="0" r="0" b="0"/>
+          <a:blip r:embed="rId1"/>
+          <a:srcRect l="22038"/>
           <a:stretch>
             <a:fillRect/>
           </a:stretch>
@@ -3571,96 +3252,14 @@
           </a:prstGeom>
           <a:ln w="12700">
             <a:miter lim="400000"/>
+            <a:headEnd/>
+            <a:tailEnd/>
           </a:ln>
         </p:spPr>
       </p:pic>
       <p:sp>
         <p:nvSpPr>
-          <p:cNvPr id="214" name="标题 1"/>
-          <p:cNvSpPr txBox="1"/>
-          <p:nvPr>
-            <p:ph type="title"/>
-          </p:nvPr>
-        </p:nvSpPr>
-        <p:spPr>
-          <a:xfrm>
-            <a:off x="2773911" y="-2970521"/>
-            <a:ext cx="10515601" cy="1325564"/>
-          </a:xfrm>
-          <a:prstGeom prst="rect">
-            <a:avLst/>
-          </a:prstGeom>
-        </p:spPr>
-        <p:txBody>
-          <a:bodyPr/>
-          <a:lstStyle>
-            <a:lvl1pPr>
-              <a:defRPr>
-                <a:latin typeface="+mj-lt"/>
-                <a:ea typeface="+mj-ea"/>
-                <a:cs typeface="+mj-cs"/>
-                <a:sym typeface="Helvetica"/>
-              </a:defRPr>
-            </a:lvl1pPr>
-          </a:lstStyle>
-          <a:p>
-            <a:pPr/>
-            <a:r>
-              <a:t>Platform Profit Model</a:t>
-            </a:r>
-          </a:p>
-        </p:txBody>
-      </p:sp>
-      <p:sp>
-        <p:nvSpPr>
-          <p:cNvPr id="215" name="内容占位符 2"/>
-          <p:cNvSpPr txBox="1"/>
-          <p:nvPr>
-            <p:ph type="body" sz="half" idx="1"/>
-          </p:nvPr>
-        </p:nvSpPr>
-        <p:spPr>
-          <a:xfrm>
-            <a:off x="8753877" y="-2927239"/>
-            <a:ext cx="4814798" cy="4351339"/>
-          </a:xfrm>
-          <a:prstGeom prst="rect">
-            <a:avLst/>
-          </a:prstGeom>
-        </p:spPr>
-        <p:txBody>
-          <a:bodyPr/>
-          <a:lstStyle/>
-          <a:p>
-            <a:pPr>
-              <a:defRPr>
-                <a:latin typeface="+mj-lt"/>
-                <a:ea typeface="+mj-ea"/>
-                <a:cs typeface="+mj-cs"/>
-                <a:sym typeface="Helvetica"/>
-              </a:defRPr>
-            </a:pPr>
-            <a:r>
-              <a:t>Various portfolios: 2% commission </a:t>
-            </a:r>
-            <a:r>
-              <a:t>fees</a:t>
-            </a:r>
-            <a:r>
-              <a:t> </a:t>
-            </a:r>
-            <a:r>
-              <a:t>are </a:t>
-            </a:r>
-            <a:r>
-              <a:t>charged by the platform (1% can be deducted for payments with governance tokens)</a:t>
-            </a:r>
-          </a:p>
-        </p:txBody>
-      </p:sp>
-      <p:sp>
-        <p:nvSpPr>
-          <p:cNvPr id="216" name="Platform Profit Model"/>
+          <p:cNvPr id="185" name="Platform Profit Model"/>
           <p:cNvSpPr txBox="1"/>
           <p:nvPr/>
         </p:nvSpPr>
@@ -3675,11 +3274,6 @@
           <a:ln w="12700">
             <a:miter lim="400000"/>
           </a:ln>
-          <a:extLst>
-            <a:ext uri="{C572A759-6A51-4108-AA02-DFA0A04FC94B}">
-              <ma14:wrappingTextBoxFlag xmlns:ma14="http://schemas.microsoft.com/office/mac/drawingml/2011/main" val="1"/>
-            </a:ext>
-          </a:extLst>
         </p:spPr>
         <p:txBody>
           <a:bodyPr lIns="0" tIns="0" rIns="0" bIns="0">
@@ -3690,11 +3284,10 @@
               <a:lnSpc>
                 <a:spcPct val="90000"/>
               </a:lnSpc>
-              <a:defRPr b="1" sz="1900"/>
+              <a:defRPr sz="1900" b="1"/>
             </a:lvl1pPr>
           </a:lstStyle>
           <a:p>
-            <a:pPr/>
             <a:r>
               <a:t>Platform Profit Model</a:t>
             </a:r>
@@ -3703,60 +3296,7 @@
       </p:sp>
       <p:sp>
         <p:nvSpPr>
-          <p:cNvPr id="217" name="Hertz Index: the platform charges a 1% commission fees and 10% profit (5% profit can be deducted for using governance tokens)"/>
-          <p:cNvSpPr txBox="1"/>
-          <p:nvPr/>
-        </p:nvSpPr>
-        <p:spPr>
-          <a:xfrm>
-            <a:off x="6748540" y="-2961176"/>
-            <a:ext cx="4421647" cy="1986280"/>
-          </a:xfrm>
-          <a:prstGeom prst="rect">
-            <a:avLst/>
-          </a:prstGeom>
-          <a:ln w="12700">
-            <a:miter lim="400000"/>
-          </a:ln>
-          <a:extLst>
-            <a:ext uri="{C572A759-6A51-4108-AA02-DFA0A04FC94B}">
-              <ma14:wrappingTextBoxFlag xmlns:ma14="http://schemas.microsoft.com/office/mac/drawingml/2011/main" val="1"/>
-            </a:ext>
-          </a:extLst>
-        </p:spPr>
-        <p:txBody>
-          <a:bodyPr lIns="0" tIns="0" rIns="0" bIns="0">
-            <a:spAutoFit/>
-          </a:bodyPr>
-          <a:lstStyle/>
-          <a:p>
-            <a:pPr marL="228600" indent="-228600">
-              <a:lnSpc>
-                <a:spcPct val="90000"/>
-              </a:lnSpc>
-              <a:spcBef>
-                <a:spcPts val="1000"/>
-              </a:spcBef>
-              <a:buSzPct val="100000"/>
-              <a:buFont typeface="Arial"/>
-              <a:buChar char="•"/>
-              <a:defRPr sz="2800"/>
-            </a:pPr>
-            <a:r>
-              <a:t>Hertz Index: the platform charges a 1% commission </a:t>
-            </a:r>
-            <a:r>
-              <a:t>fees </a:t>
-            </a:r>
-            <a:r>
-              <a:t>and 10% profit (5% profit can be deducted for using governance tokens)</a:t>
-            </a:r>
-          </a:p>
-        </p:txBody>
-      </p:sp>
-      <p:sp>
-        <p:nvSpPr>
-          <p:cNvPr id="218" name="Various portfolios: 2% commission fees are charged by the platform (1% can be deducted for payments with governance tokens)"/>
+          <p:cNvPr id="186" name="Various portfolios: 2% commission fees are charged by the platform (1% can be deducted for payments with governance tokens)"/>
           <p:cNvSpPr txBox="1"/>
           <p:nvPr/>
         </p:nvSpPr>
@@ -3771,11 +3311,6 @@
           <a:ln w="12700">
             <a:miter lim="400000"/>
           </a:ln>
-          <a:extLst>
-            <a:ext uri="{C572A759-6A51-4108-AA02-DFA0A04FC94B}">
-              <ma14:wrappingTextBoxFlag xmlns:ma14="http://schemas.microsoft.com/office/mac/drawingml/2011/main" val="1"/>
-            </a:ext>
-          </a:extLst>
         </p:spPr>
         <p:txBody>
           <a:bodyPr lIns="0" tIns="0" rIns="0" bIns="0">
@@ -3787,7 +3322,6 @@
             </a:lvl1pPr>
           </a:lstStyle>
           <a:p>
-            <a:pPr/>
             <a:r>
               <a:t>Various portfolios: 2% commission fees are charged by the platform (1% can be deducted for payments with governance tokens)</a:t>
             </a:r>
@@ -3796,7 +3330,7 @@
       </p:sp>
       <p:sp>
         <p:nvSpPr>
-          <p:cNvPr id="219" name="Hertz Index: the platform charges a 1% commission fees and 10% profit (5% profit can be deducted for using governance tokens)"/>
+          <p:cNvPr id="187" name="Hertz Index: the platform charges a 1% commission fees and 10% profit (5% profit can be deducted for using governance tokens)"/>
           <p:cNvSpPr txBox="1"/>
           <p:nvPr/>
         </p:nvSpPr>
@@ -3811,11 +3345,6 @@
           <a:ln w="12700">
             <a:miter lim="400000"/>
           </a:ln>
-          <a:extLst>
-            <a:ext uri="{C572A759-6A51-4108-AA02-DFA0A04FC94B}">
-              <ma14:wrappingTextBoxFlag xmlns:ma14="http://schemas.microsoft.com/office/mac/drawingml/2011/main" val="1"/>
-            </a:ext>
-          </a:extLst>
         </p:spPr>
         <p:txBody>
           <a:bodyPr lIns="0" tIns="0" rIns="0" bIns="0">
@@ -3827,7 +3356,6 @@
             </a:lvl1pPr>
           </a:lstStyle>
           <a:p>
-            <a:pPr/>
             <a:r>
               <a:t>Hertz Index: the platform charges a 1% commission fees and 10% profit (5% profit can be deducted for using governance tokens)</a:t>
             </a:r>
@@ -3836,7 +3364,7 @@
       </p:sp>
       <p:sp>
         <p:nvSpPr>
-          <p:cNvPr id="220" name="Hertz"/>
+          <p:cNvPr id="188" name="Hertz"/>
           <p:cNvSpPr txBox="1"/>
           <p:nvPr/>
         </p:nvSpPr>
@@ -3851,11 +3379,6 @@
           <a:ln w="12700">
             <a:miter lim="400000"/>
           </a:ln>
-          <a:extLst>
-            <a:ext uri="{C572A759-6A51-4108-AA02-DFA0A04FC94B}">
-              <ma14:wrappingTextBoxFlag xmlns:ma14="http://schemas.microsoft.com/office/mac/drawingml/2011/main" val="1"/>
-            </a:ext>
-          </a:extLst>
         </p:spPr>
         <p:txBody>
           <a:bodyPr lIns="0" tIns="0" rIns="0" bIns="0">
@@ -3870,8 +3393,8 @@
               <a:defRPr sz="1400">
                 <a:solidFill>
                   <a:schemeClr val="accent2">
-                    <a:satOff val="-18194"/>
-                    <a:lumOff val="-11215"/>
+                    <a:satOff val="-18193"/>
+                    <a:lumOff val="-11214"/>
                   </a:schemeClr>
                 </a:solidFill>
                 <a:latin typeface="Clinton Bold"/>
@@ -3904,12 +3427,12 @@
   <p:clrMapOvr>
     <a:masterClrMapping/>
   </p:clrMapOvr>
-  <p:transition xmlns:p14="http://schemas.microsoft.com/office/powerpoint/2010/main" spd="med" advClick="1"/>
+  <p:transition spd="med"/>
 </p:sld>
 </file>
 
 <file path=ppt/slides/slide13.xml><?xml version="1.0" encoding="utf-8"?>
-<p:sld xmlns:a="http://schemas.openxmlformats.org/drawingml/2006/main" xmlns:r="http://schemas.openxmlformats.org/officeDocument/2006/relationships" xmlns:p="http://schemas.openxmlformats.org/presentationml/2006/main" showMasterSp="1" showMasterPhAnim="1">
+<p:sld xmlns:a="http://schemas.openxmlformats.org/drawingml/2006/main" xmlns:r="http://schemas.openxmlformats.org/officeDocument/2006/relationships" xmlns:p="http://schemas.openxmlformats.org/presentationml/2006/main">
   <p:cSld>
     <p:spTree>
       <p:nvGrpSpPr>
@@ -3925,143 +3448,9 @@
           <a:chExt cx="0" cy="0"/>
         </a:xfrm>
       </p:grpSpPr>
-      <p:sp>
-        <p:nvSpPr>
-          <p:cNvPr id="222" name="标题 1"/>
-          <p:cNvSpPr txBox="1"/>
-          <p:nvPr>
-            <p:ph type="title"/>
-          </p:nvPr>
-        </p:nvSpPr>
-        <p:spPr>
-          <a:xfrm>
-            <a:off x="-256235" y="-1204089"/>
-            <a:ext cx="10515601" cy="1325565"/>
-          </a:xfrm>
-          <a:prstGeom prst="rect">
-            <a:avLst/>
-          </a:prstGeom>
-        </p:spPr>
-        <p:txBody>
-          <a:bodyPr/>
-          <a:lstStyle>
-            <a:lvl1pPr>
-              <a:defRPr>
-                <a:latin typeface="+mj-lt"/>
-                <a:ea typeface="+mj-ea"/>
-                <a:cs typeface="+mj-cs"/>
-                <a:sym typeface="Helvetica"/>
-              </a:defRPr>
-            </a:lvl1pPr>
-          </a:lstStyle>
-          <a:p>
-            <a:pPr/>
-            <a:r>
-              <a:t>Hertz Lottery</a:t>
-            </a:r>
-          </a:p>
-        </p:txBody>
-      </p:sp>
-      <p:sp>
-        <p:nvSpPr>
-          <p:cNvPr id="223" name="内容占位符 2"/>
-          <p:cNvSpPr txBox="1"/>
-          <p:nvPr>
-            <p:ph type="body" idx="1"/>
-          </p:nvPr>
-        </p:nvSpPr>
-        <p:spPr>
-          <a:xfrm>
-            <a:off x="394598" y="-5555696"/>
-            <a:ext cx="10515601" cy="4351339"/>
-          </a:xfrm>
-          <a:prstGeom prst="rect">
-            <a:avLst/>
-          </a:prstGeom>
-        </p:spPr>
-        <p:txBody>
-          <a:bodyPr/>
-          <a:lstStyle/>
-          <a:p>
-            <a:pPr>
-              <a:defRPr>
-                <a:latin typeface="+mj-lt"/>
-                <a:ea typeface="+mj-ea"/>
-                <a:cs typeface="+mj-cs"/>
-                <a:sym typeface="Helvetica"/>
-              </a:defRPr>
-            </a:pPr>
-            <a:r>
-              <a:t>Investment Manager Lottery Pool and Investor Lottery Pool</a:t>
-            </a:r>
-          </a:p>
-          <a:p>
-            <a:pPr>
-              <a:defRPr>
-                <a:latin typeface="+mj-lt"/>
-                <a:ea typeface="+mj-ea"/>
-                <a:cs typeface="+mj-cs"/>
-                <a:sym typeface="Helvetica"/>
-              </a:defRPr>
-            </a:pPr>
-            <a:r>
-              <a:t>Bonus </a:t>
-            </a:r>
-            <a:r>
-              <a:t>from</a:t>
-            </a:r>
-            <a:r>
-              <a:t>: 20% of platform commission income</a:t>
-            </a:r>
-          </a:p>
-        </p:txBody>
-      </p:sp>
-      <p:sp>
-        <p:nvSpPr>
-          <p:cNvPr id="224" name="Hertz Lottery"/>
-          <p:cNvSpPr txBox="1"/>
-          <p:nvPr/>
-        </p:nvSpPr>
-        <p:spPr>
-          <a:xfrm>
-            <a:off x="-3454148" y="-13847"/>
-            <a:ext cx="9936847" cy="292101"/>
-          </a:xfrm>
-          <a:prstGeom prst="rect">
-            <a:avLst/>
-          </a:prstGeom>
-          <a:ln w="12700">
-            <a:miter lim="400000"/>
-          </a:ln>
-          <a:extLst>
-            <a:ext uri="{C572A759-6A51-4108-AA02-DFA0A04FC94B}">
-              <ma14:wrappingTextBoxFlag xmlns:ma14="http://schemas.microsoft.com/office/mac/drawingml/2011/main" val="1"/>
-            </a:ext>
-          </a:extLst>
-        </p:spPr>
-        <p:txBody>
-          <a:bodyPr lIns="0" tIns="0" rIns="0" bIns="0">
-            <a:spAutoFit/>
-          </a:bodyPr>
-          <a:lstStyle>
-            <a:lvl1pPr defTabSz="868680">
-              <a:lnSpc>
-                <a:spcPct val="90000"/>
-              </a:lnSpc>
-              <a:defRPr b="1" sz="1900"/>
-            </a:lvl1pPr>
-          </a:lstStyle>
-          <a:p>
-            <a:pPr/>
-            <a:r>
-              <a:t>Hertz Lottery</a:t>
-            </a:r>
-          </a:p>
-        </p:txBody>
-      </p:sp>
       <p:grpSp>
         <p:nvGrpSpPr>
-          <p:cNvPr id="230" name="成组"/>
+          <p:cNvPr id="195" name="成组"/>
           <p:cNvGrpSpPr/>
           <p:nvPr/>
         </p:nvGrpSpPr>
@@ -4075,7 +3464,7 @@
         </p:grpSpPr>
         <p:sp>
           <p:nvSpPr>
-            <p:cNvPr id="225" name="矩形"/>
+            <p:cNvPr id="190" name="矩形"/>
             <p:cNvSpPr/>
             <p:nvPr/>
           </p:nvSpPr>
@@ -4104,14 +3493,12 @@
               <a:noAutofit/>
             </a:bodyPr>
             <a:lstStyle/>
-            <a:p>
-              <a:pPr/>
-            </a:p>
+            <a:p/>
           </p:txBody>
         </p:sp>
         <p:sp>
           <p:nvSpPr>
-            <p:cNvPr id="226" name="Hertz Lottery"/>
+            <p:cNvPr id="191" name="Hertz Lottery"/>
             <p:cNvSpPr txBox="1"/>
             <p:nvPr/>
           </p:nvSpPr>
@@ -4129,11 +3516,6 @@
               <a:miter lim="400000"/>
             </a:ln>
             <a:effectLst/>
-            <a:extLst>
-              <a:ext uri="{C572A759-6A51-4108-AA02-DFA0A04FC94B}">
-                <ma14:wrappingTextBoxFlag xmlns:ma14="http://schemas.microsoft.com/office/mac/drawingml/2011/main" val="1"/>
-              </a:ext>
-            </a:extLst>
           </p:spPr>
           <p:txBody>
             <a:bodyPr wrap="square" lIns="0" tIns="0" rIns="0" bIns="0" numCol="1" anchor="t">
@@ -4144,11 +3526,10 @@
                 <a:lnSpc>
                   <a:spcPct val="90000"/>
                 </a:lnSpc>
-                <a:defRPr b="1" sz="3200"/>
+                <a:defRPr sz="3200" b="1"/>
               </a:lvl1pPr>
             </a:lstStyle>
             <a:p>
-              <a:pPr/>
               <a:r>
                 <a:t>Hertz Lottery</a:t>
               </a:r>
@@ -4157,7 +3538,7 @@
         </p:sp>
         <p:sp>
           <p:nvSpPr>
-            <p:cNvPr id="227" name="Bonus from: 20% of platform commission income"/>
+            <p:cNvPr id="192" name="Bonus from: 20% of platform commission income"/>
             <p:cNvSpPr txBox="1"/>
             <p:nvPr/>
           </p:nvSpPr>
@@ -4175,11 +3556,6 @@
               <a:miter lim="400000"/>
             </a:ln>
             <a:effectLst/>
-            <a:extLst>
-              <a:ext uri="{C572A759-6A51-4108-AA02-DFA0A04FC94B}">
-                <ma14:wrappingTextBoxFlag xmlns:ma14="http://schemas.microsoft.com/office/mac/drawingml/2011/main" val="1"/>
-              </a:ext>
-            </a:extLst>
           </p:spPr>
           <p:txBody>
             <a:bodyPr wrap="square" lIns="0" tIns="0" rIns="0" bIns="0" numCol="1" anchor="t">
@@ -4191,20 +3567,14 @@
                 <a:defRPr sz="2300"/>
               </a:pPr>
               <a:r>
-                <a:t>Bonus </a:t>
-              </a:r>
-              <a:r>
-                <a:t>from</a:t>
-              </a:r>
-              <a:r>
-                <a:t>: 20% of platform commission income</a:t>
+                <a:t>Bonus from: 20% of platform commission income</a:t>
               </a:r>
             </a:p>
           </p:txBody>
         </p:sp>
         <p:sp>
           <p:nvSpPr>
-            <p:cNvPr id="228" name="Investment Manager Lottery Pool and Investor Lottery Pool"/>
+            <p:cNvPr id="193" name="Investment Manager Lottery Pool and Investor Lottery Pool"/>
             <p:cNvSpPr txBox="1"/>
             <p:nvPr/>
           </p:nvSpPr>
@@ -4222,11 +3592,6 @@
               <a:miter lim="400000"/>
             </a:ln>
             <a:effectLst/>
-            <a:extLst>
-              <a:ext uri="{C572A759-6A51-4108-AA02-DFA0A04FC94B}">
-                <ma14:wrappingTextBoxFlag xmlns:ma14="http://schemas.microsoft.com/office/mac/drawingml/2011/main" val="1"/>
-              </a:ext>
-            </a:extLst>
           </p:spPr>
           <p:txBody>
             <a:bodyPr wrap="square" lIns="0" tIns="0" rIns="0" bIns="0" numCol="1" anchor="t">
@@ -4238,7 +3603,6 @@
               </a:lvl1pPr>
             </a:lstStyle>
             <a:p>
-              <a:pPr/>
               <a:r>
                 <a:t>Investment Manager Lottery Pool and Investor Lottery Pool</a:t>
               </a:r>
@@ -4247,7 +3611,7 @@
         </p:sp>
         <p:sp>
           <p:nvSpPr>
-            <p:cNvPr id="229" name="线条"/>
+            <p:cNvPr id="194" name="线条"/>
             <p:cNvSpPr/>
             <p:nvPr/>
           </p:nvSpPr>
@@ -4274,9 +3638,7 @@
               <a:noAutofit/>
             </a:bodyPr>
             <a:lstStyle/>
-            <a:p>
-              <a:pPr/>
-            </a:p>
+            <a:p/>
           </p:txBody>
         </p:sp>
       </p:grpSp>
@@ -4285,12 +3647,12 @@
   <p:clrMapOvr>
     <a:masterClrMapping/>
   </p:clrMapOvr>
-  <p:transition xmlns:p14="http://schemas.microsoft.com/office/powerpoint/2010/main" spd="med" advClick="1"/>
+  <p:transition spd="med"/>
 </p:sld>
 </file>
 
 <file path=ppt/slides/slide14.xml><?xml version="1.0" encoding="utf-8"?>
-<p:sld xmlns:a="http://schemas.openxmlformats.org/drawingml/2006/main" xmlns:r="http://schemas.openxmlformats.org/officeDocument/2006/relationships" xmlns:p="http://schemas.openxmlformats.org/presentationml/2006/main" showMasterSp="1" showMasterPhAnim="1">
+<p:sld xmlns:a="http://schemas.openxmlformats.org/drawingml/2006/main" xmlns:r="http://schemas.openxmlformats.org/officeDocument/2006/relationships" xmlns:p="http://schemas.openxmlformats.org/presentationml/2006/main">
   <p:cSld>
     <p:spTree>
       <p:nvGrpSpPr>
@@ -4306,372 +3668,9 @@
           <a:chExt cx="0" cy="0"/>
         </a:xfrm>
       </p:grpSpPr>
-      <p:sp>
-        <p:nvSpPr>
-          <p:cNvPr id="232" name="矩形"/>
-          <p:cNvSpPr/>
-          <p:nvPr/>
-        </p:nvSpPr>
-        <p:spPr>
-          <a:xfrm>
-            <a:off x="4474217" y="-5681867"/>
-            <a:ext cx="4313703" cy="4052931"/>
-          </a:xfrm>
-          <a:prstGeom prst="rect">
-            <a:avLst/>
-          </a:prstGeom>
-          <a:solidFill>
-            <a:srgbClr val="FFFFFF"/>
-          </a:solidFill>
-          <a:ln w="25400">
-            <a:solidFill>
-              <a:srgbClr val="000000"/>
-            </a:solidFill>
-          </a:ln>
-        </p:spPr>
-        <p:txBody>
-          <a:bodyPr lIns="0" tIns="0" rIns="0" bIns="0"/>
-          <a:lstStyle/>
-          <a:p>
-            <a:pPr/>
-          </a:p>
-        </p:txBody>
-      </p:sp>
-      <p:sp>
-        <p:nvSpPr>
-          <p:cNvPr id="233" name="标题 1"/>
-          <p:cNvSpPr txBox="1"/>
-          <p:nvPr>
-            <p:ph type="title"/>
-          </p:nvPr>
-        </p:nvSpPr>
-        <p:spPr>
-          <a:xfrm>
-            <a:off x="1563942" y="-3981381"/>
-            <a:ext cx="10515601" cy="1325565"/>
-          </a:xfrm>
-          <a:prstGeom prst="rect">
-            <a:avLst/>
-          </a:prstGeom>
-        </p:spPr>
-        <p:txBody>
-          <a:bodyPr/>
-          <a:lstStyle>
-            <a:lvl1pPr>
-              <a:defRPr>
-                <a:latin typeface="+mj-lt"/>
-                <a:ea typeface="+mj-ea"/>
-                <a:cs typeface="+mj-cs"/>
-                <a:sym typeface="Helvetica"/>
-              </a:defRPr>
-            </a:lvl1pPr>
-          </a:lstStyle>
-          <a:p>
-            <a:pPr/>
-            <a:r>
-              <a:t>Investor Lottery</a:t>
-            </a:r>
-          </a:p>
-        </p:txBody>
-      </p:sp>
-      <p:sp>
-        <p:nvSpPr>
-          <p:cNvPr id="234" name="Weekly run…"/>
-          <p:cNvSpPr txBox="1"/>
-          <p:nvPr/>
-        </p:nvSpPr>
-        <p:spPr>
-          <a:xfrm>
-            <a:off x="1050711" y="-1651037"/>
-            <a:ext cx="4748115" cy="1463041"/>
-          </a:xfrm>
-          <a:prstGeom prst="rect">
-            <a:avLst/>
-          </a:prstGeom>
-          <a:ln w="12700">
-            <a:miter lim="400000"/>
-          </a:ln>
-          <a:extLst>
-            <a:ext uri="{C572A759-6A51-4108-AA02-DFA0A04FC94B}">
-              <ma14:wrappingTextBoxFlag xmlns:ma14="http://schemas.microsoft.com/office/mac/drawingml/2011/main" val="1"/>
-            </a:ext>
-          </a:extLst>
-        </p:spPr>
-        <p:txBody>
-          <a:bodyPr wrap="none" lIns="0" tIns="0" rIns="0" bIns="0">
-            <a:spAutoFit/>
-          </a:bodyPr>
-          <a:lstStyle/>
-          <a:p>
-            <a:pPr marL="228600" indent="-228600">
-              <a:lnSpc>
-                <a:spcPct val="90000"/>
-              </a:lnSpc>
-              <a:spcBef>
-                <a:spcPts val="1000"/>
-              </a:spcBef>
-              <a:buSzPct val="100000"/>
-              <a:buFont typeface="Arial"/>
-              <a:buChar char="•"/>
-              <a:defRPr sz="2800"/>
-            </a:pPr>
-            <a:r>
-              <a:t>Weekly </a:t>
-            </a:r>
-            <a:r>
-              <a:t>run</a:t>
-            </a:r>
-          </a:p>
-          <a:p>
-            <a:pPr marL="228600" indent="-228600">
-              <a:lnSpc>
-                <a:spcPct val="90000"/>
-              </a:lnSpc>
-              <a:spcBef>
-                <a:spcPts val="1000"/>
-              </a:spcBef>
-              <a:buSzPct val="100000"/>
-              <a:buFont typeface="Arial"/>
-              <a:buChar char="•"/>
-              <a:defRPr sz="2800"/>
-            </a:pPr>
-            <a:r>
-              <a:t>The </a:t>
-            </a:r>
-            <a:r>
-              <a:t>price</a:t>
-            </a:r>
-            <a:r>
-              <a:t> is 25% of the pool</a:t>
-            </a:r>
-          </a:p>
-          <a:p>
-            <a:pPr marL="228600" indent="-228600">
-              <a:lnSpc>
-                <a:spcPct val="90000"/>
-              </a:lnSpc>
-              <a:spcBef>
-                <a:spcPts val="1000"/>
-              </a:spcBef>
-              <a:buSzPct val="100000"/>
-              <a:buFont typeface="Arial"/>
-              <a:buChar char="•"/>
-              <a:defRPr sz="2800"/>
-            </a:pPr>
-            <a:r>
-              <a:t>Specific awards</a:t>
-            </a:r>
-          </a:p>
-        </p:txBody>
-      </p:sp>
-      <p:sp>
-        <p:nvSpPr>
-          <p:cNvPr id="235" name="Investor Lottery"/>
-          <p:cNvSpPr txBox="1"/>
-          <p:nvPr/>
-        </p:nvSpPr>
-        <p:spPr>
-          <a:xfrm>
-            <a:off x="12251992" y="-3277169"/>
-            <a:ext cx="2090567" cy="820421"/>
-          </a:xfrm>
-          <a:prstGeom prst="rect">
-            <a:avLst/>
-          </a:prstGeom>
-          <a:ln w="12700">
-            <a:miter lim="400000"/>
-          </a:ln>
-          <a:extLst>
-            <a:ext uri="{C572A759-6A51-4108-AA02-DFA0A04FC94B}">
-              <ma14:wrappingTextBoxFlag xmlns:ma14="http://schemas.microsoft.com/office/mac/drawingml/2011/main" val="1"/>
-            </a:ext>
-          </a:extLst>
-        </p:spPr>
-        <p:txBody>
-          <a:bodyPr lIns="0" tIns="0" rIns="0" bIns="0">
-            <a:spAutoFit/>
-          </a:bodyPr>
-          <a:lstStyle>
-            <a:lvl1pPr defTabSz="868680">
-              <a:lnSpc>
-                <a:spcPct val="90000"/>
-              </a:lnSpc>
-              <a:defRPr b="1" sz="2800"/>
-            </a:lvl1pPr>
-          </a:lstStyle>
-          <a:p>
-            <a:pPr/>
-            <a:r>
-              <a:t>Investor Lottery</a:t>
-            </a:r>
-          </a:p>
-        </p:txBody>
-      </p:sp>
-      <p:sp>
-        <p:nvSpPr>
-          <p:cNvPr id="236" name="Weekly run"/>
-          <p:cNvSpPr txBox="1"/>
-          <p:nvPr/>
-        </p:nvSpPr>
-        <p:spPr>
-          <a:xfrm>
-            <a:off x="12234896" y="-1237512"/>
-            <a:ext cx="1152017" cy="279401"/>
-          </a:xfrm>
-          <a:prstGeom prst="rect">
-            <a:avLst/>
-          </a:prstGeom>
-          <a:ln w="12700">
-            <a:miter lim="400000"/>
-          </a:ln>
-          <a:extLst>
-            <a:ext uri="{C572A759-6A51-4108-AA02-DFA0A04FC94B}">
-              <ma14:wrappingTextBoxFlag xmlns:ma14="http://schemas.microsoft.com/office/mac/drawingml/2011/main" val="1"/>
-            </a:ext>
-          </a:extLst>
-        </p:spPr>
-        <p:txBody>
-          <a:bodyPr wrap="none" lIns="0" tIns="0" rIns="0" bIns="0">
-            <a:spAutoFit/>
-          </a:bodyPr>
-          <a:lstStyle/>
-          <a:p>
-            <a:pPr/>
-            <a:r>
-              <a:t>Weekly run</a:t>
-            </a:r>
-          </a:p>
-        </p:txBody>
-      </p:sp>
-      <p:sp>
-        <p:nvSpPr>
-          <p:cNvPr id="237" name="The price is 75% of the pool"/>
-          <p:cNvSpPr txBox="1"/>
-          <p:nvPr/>
-        </p:nvSpPr>
-        <p:spPr>
-          <a:xfrm>
-            <a:off x="12234896" y="-2016249"/>
-            <a:ext cx="3151448" cy="457201"/>
-          </a:xfrm>
-          <a:prstGeom prst="rect">
-            <a:avLst/>
-          </a:prstGeom>
-          <a:ln w="12700">
-            <a:miter lim="400000"/>
-          </a:ln>
-          <a:extLst>
-            <a:ext uri="{C572A759-6A51-4108-AA02-DFA0A04FC94B}">
-              <ma14:wrappingTextBoxFlag xmlns:ma14="http://schemas.microsoft.com/office/mac/drawingml/2011/main" val="1"/>
-            </a:ext>
-          </a:extLst>
-        </p:spPr>
-        <p:txBody>
-          <a:bodyPr wrap="none" lIns="0" tIns="0" rIns="0" bIns="0">
-            <a:spAutoFit/>
-          </a:bodyPr>
-          <a:lstStyle/>
-          <a:p>
-            <a:pPr/>
-            <a:r>
-              <a:t>The price is </a:t>
-            </a:r>
-            <a:r>
-              <a:rPr sz="3000"/>
-              <a:t>75%</a:t>
-            </a:r>
-            <a:r>
-              <a:t> of the pool</a:t>
-            </a:r>
-          </a:p>
-        </p:txBody>
-      </p:sp>
-      <p:sp>
-        <p:nvSpPr>
-          <p:cNvPr id="238" name="Specific awards"/>
-          <p:cNvSpPr txBox="1"/>
-          <p:nvPr/>
-        </p:nvSpPr>
-        <p:spPr>
-          <a:xfrm>
-            <a:off x="12234896" y="-794983"/>
-            <a:ext cx="1613570" cy="279401"/>
-          </a:xfrm>
-          <a:prstGeom prst="rect">
-            <a:avLst/>
-          </a:prstGeom>
-          <a:ln w="12700">
-            <a:miter lim="400000"/>
-          </a:ln>
-          <a:extLst>
-            <a:ext uri="{C572A759-6A51-4108-AA02-DFA0A04FC94B}">
-              <ma14:wrappingTextBoxFlag xmlns:ma14="http://schemas.microsoft.com/office/mac/drawingml/2011/main" val="1"/>
-            </a:ext>
-          </a:extLst>
-        </p:spPr>
-        <p:txBody>
-          <a:bodyPr wrap="none" lIns="0" tIns="0" rIns="0" bIns="0">
-            <a:spAutoFit/>
-          </a:bodyPr>
-          <a:lstStyle/>
-          <a:p>
-            <a:pPr/>
-            <a:r>
-              <a:t>Specific awards</a:t>
-            </a:r>
-          </a:p>
-        </p:txBody>
-      </p:sp>
-      <p:sp>
-        <p:nvSpPr>
-          <p:cNvPr id="239" name="The l2 asset management platform deployed on MATIC"/>
-          <p:cNvSpPr/>
-          <p:nvPr/>
-        </p:nvSpPr>
-        <p:spPr>
-          <a:xfrm>
-            <a:off x="6137616" y="-3017704"/>
-            <a:ext cx="2617416" cy="2242656"/>
-          </a:xfrm>
-          <a:prstGeom prst="rect">
-            <a:avLst/>
-          </a:prstGeom>
-          <a:solidFill>
-            <a:srgbClr val="7B84FC"/>
-          </a:solidFill>
-          <a:ln w="12700">
-            <a:miter lim="400000"/>
-          </a:ln>
-          <a:extLst>
-            <a:ext uri="{C572A759-6A51-4108-AA02-DFA0A04FC94B}">
-              <ma14:wrappingTextBoxFlag xmlns:ma14="http://schemas.microsoft.com/office/mac/drawingml/2011/main" val="1"/>
-            </a:ext>
-          </a:extLst>
-        </p:spPr>
-        <p:txBody>
-          <a:bodyPr lIns="0" tIns="0" rIns="0" bIns="0"/>
-          <a:lstStyle/>
-          <a:p>
-            <a:pPr algn="ctr"/>
-          </a:p>
-          <a:p>
-            <a:pPr algn="ctr">
-              <a:defRPr b="1"/>
-            </a:pPr>
-          </a:p>
-          <a:p>
-            <a:pPr algn="ctr">
-              <a:defRPr b="1"/>
-            </a:pPr>
-            <a:r>
-              <a:t>The l2 asset management platform deployed on MATIC</a:t>
-            </a:r>
-          </a:p>
-        </p:txBody>
-      </p:sp>
       <p:grpSp>
         <p:nvGrpSpPr>
-          <p:cNvPr id="252" name="成组"/>
+          <p:cNvPr id="209" name="成组"/>
           <p:cNvGrpSpPr/>
           <p:nvPr/>
         </p:nvGrpSpPr>
@@ -4685,7 +3684,7 @@
         </p:grpSpPr>
         <p:sp>
           <p:nvSpPr>
-            <p:cNvPr id="240" name="矩形"/>
+            <p:cNvPr id="197" name="矩形"/>
             <p:cNvSpPr/>
             <p:nvPr/>
           </p:nvSpPr>
@@ -4714,14 +3713,12 @@
               <a:noAutofit/>
             </a:bodyPr>
             <a:lstStyle/>
-            <a:p>
-              <a:pPr/>
-            </a:p>
+            <a:p/>
           </p:txBody>
         </p:sp>
         <p:sp>
           <p:nvSpPr>
-            <p:cNvPr id="241" name="Investment Manager Lottery Pool"/>
+            <p:cNvPr id="198" name="Investment Manager Lottery Pool"/>
             <p:cNvSpPr txBox="1"/>
             <p:nvPr/>
           </p:nvSpPr>
@@ -4739,11 +3736,6 @@
               <a:miter lim="400000"/>
             </a:ln>
             <a:effectLst/>
-            <a:extLst>
-              <a:ext uri="{C572A759-6A51-4108-AA02-DFA0A04FC94B}">
-                <ma14:wrappingTextBoxFlag xmlns:ma14="http://schemas.microsoft.com/office/mac/drawingml/2011/main" val="1"/>
-              </a:ext>
-            </a:extLst>
           </p:spPr>
           <p:txBody>
             <a:bodyPr wrap="square" lIns="0" tIns="0" rIns="0" bIns="0" numCol="1" anchor="t">
@@ -4754,11 +3746,10 @@
                 <a:lnSpc>
                   <a:spcPct val="90000"/>
                 </a:lnSpc>
-                <a:defRPr b="1" sz="2800"/>
+                <a:defRPr sz="2800" b="1"/>
               </a:lvl1pPr>
             </a:lstStyle>
             <a:p>
-              <a:pPr/>
               <a:r>
                 <a:t>Investment Manager Lottery Pool</a:t>
               </a:r>
@@ -4767,7 +3758,7 @@
         </p:sp>
         <p:sp>
           <p:nvSpPr>
-            <p:cNvPr id="242" name="Weekly run"/>
+            <p:cNvPr id="199" name="Weekly run"/>
             <p:cNvSpPr txBox="1"/>
             <p:nvPr/>
           </p:nvSpPr>
@@ -4785,11 +3776,6 @@
               <a:miter lim="400000"/>
             </a:ln>
             <a:effectLst/>
-            <a:extLst>
-              <a:ext uri="{C572A759-6A51-4108-AA02-DFA0A04FC94B}">
-                <ma14:wrappingTextBoxFlag xmlns:ma14="http://schemas.microsoft.com/office/mac/drawingml/2011/main" val="1"/>
-              </a:ext>
-            </a:extLst>
           </p:spPr>
           <p:txBody>
             <a:bodyPr wrap="none" lIns="0" tIns="0" rIns="0" bIns="0" numCol="1" anchor="t">
@@ -4801,7 +3787,6 @@
               </a:lvl1pPr>
             </a:lstStyle>
             <a:p>
-              <a:pPr/>
               <a:r>
                 <a:t>Weekly run</a:t>
               </a:r>
@@ -4810,7 +3795,7 @@
         </p:sp>
         <p:sp>
           <p:nvSpPr>
-            <p:cNvPr id="243" name="The price is 25% of the pool"/>
+            <p:cNvPr id="200" name="The price is 25% of the pool"/>
             <p:cNvSpPr txBox="1"/>
             <p:nvPr/>
           </p:nvSpPr>
@@ -4828,11 +3813,6 @@
               <a:miter lim="400000"/>
             </a:ln>
             <a:effectLst/>
-            <a:extLst>
-              <a:ext uri="{C572A759-6A51-4108-AA02-DFA0A04FC94B}">
-                <ma14:wrappingTextBoxFlag xmlns:ma14="http://schemas.microsoft.com/office/mac/drawingml/2011/main" val="1"/>
-              </a:ext>
-            </a:extLst>
           </p:spPr>
           <p:txBody>
             <a:bodyPr wrap="none" lIns="0" tIns="0" rIns="0" bIns="0" numCol="1" anchor="t">
@@ -4858,7 +3838,7 @@
         </p:sp>
         <p:sp>
           <p:nvSpPr>
-            <p:cNvPr id="244" name="Specific awards"/>
+            <p:cNvPr id="201" name="Specific awards"/>
             <p:cNvSpPr txBox="1"/>
             <p:nvPr/>
           </p:nvSpPr>
@@ -4876,11 +3856,6 @@
               <a:miter lim="400000"/>
             </a:ln>
             <a:effectLst/>
-            <a:extLst>
-              <a:ext uri="{C572A759-6A51-4108-AA02-DFA0A04FC94B}">
-                <ma14:wrappingTextBoxFlag xmlns:ma14="http://schemas.microsoft.com/office/mac/drawingml/2011/main" val="1"/>
-              </a:ext>
-            </a:extLst>
           </p:spPr>
           <p:txBody>
             <a:bodyPr wrap="none" lIns="0" tIns="0" rIns="0" bIns="0" numCol="1" anchor="t">
@@ -4892,7 +3867,6 @@
               </a:lvl1pPr>
             </a:lstStyle>
             <a:p>
-              <a:pPr/>
               <a:r>
                 <a:t>Specific awards</a:t>
               </a:r>
@@ -4901,7 +3875,7 @@
         </p:sp>
         <p:sp>
           <p:nvSpPr>
-            <p:cNvPr id="245" name="线条"/>
+            <p:cNvPr id="202" name="线条"/>
             <p:cNvSpPr/>
             <p:nvPr/>
           </p:nvSpPr>
@@ -4928,14 +3902,12 @@
               <a:noAutofit/>
             </a:bodyPr>
             <a:lstStyle/>
-            <a:p>
-              <a:pPr/>
-            </a:p>
+            <a:p/>
           </p:txBody>
         </p:sp>
         <p:sp>
           <p:nvSpPr>
-            <p:cNvPr id="246" name="矩形"/>
+            <p:cNvPr id="203" name="矩形"/>
             <p:cNvSpPr/>
             <p:nvPr/>
           </p:nvSpPr>
@@ -4964,14 +3936,12 @@
               <a:noAutofit/>
             </a:bodyPr>
             <a:lstStyle/>
-            <a:p>
-              <a:pPr/>
-            </a:p>
+            <a:p/>
           </p:txBody>
         </p:sp>
         <p:sp>
           <p:nvSpPr>
-            <p:cNvPr id="247" name="Investor Lottery"/>
+            <p:cNvPr id="204" name="Investor Lottery"/>
             <p:cNvSpPr txBox="1"/>
             <p:nvPr/>
           </p:nvSpPr>
@@ -4989,11 +3959,6 @@
               <a:miter lim="400000"/>
             </a:ln>
             <a:effectLst/>
-            <a:extLst>
-              <a:ext uri="{C572A759-6A51-4108-AA02-DFA0A04FC94B}">
-                <ma14:wrappingTextBoxFlag xmlns:ma14="http://schemas.microsoft.com/office/mac/drawingml/2011/main" val="1"/>
-              </a:ext>
-            </a:extLst>
           </p:spPr>
           <p:txBody>
             <a:bodyPr wrap="square" lIns="0" tIns="0" rIns="0" bIns="0" numCol="1" anchor="t">
@@ -5004,11 +3969,10 @@
                 <a:lnSpc>
                   <a:spcPct val="90000"/>
                 </a:lnSpc>
-                <a:defRPr b="1" sz="2800"/>
+                <a:defRPr sz="2800" b="1"/>
               </a:lvl1pPr>
             </a:lstStyle>
             <a:p>
-              <a:pPr/>
               <a:r>
                 <a:t>Investor Lottery</a:t>
               </a:r>
@@ -5017,7 +3981,7 @@
         </p:sp>
         <p:sp>
           <p:nvSpPr>
-            <p:cNvPr id="248" name="Weekly run"/>
+            <p:cNvPr id="205" name="Weekly run"/>
             <p:cNvSpPr txBox="1"/>
             <p:nvPr/>
           </p:nvSpPr>
@@ -5035,11 +3999,6 @@
               <a:miter lim="400000"/>
             </a:ln>
             <a:effectLst/>
-            <a:extLst>
-              <a:ext uri="{C572A759-6A51-4108-AA02-DFA0A04FC94B}">
-                <ma14:wrappingTextBoxFlag xmlns:ma14="http://schemas.microsoft.com/office/mac/drawingml/2011/main" val="1"/>
-              </a:ext>
-            </a:extLst>
           </p:spPr>
           <p:txBody>
             <a:bodyPr wrap="none" lIns="0" tIns="0" rIns="0" bIns="0" numCol="1" anchor="t">
@@ -5051,7 +4010,6 @@
               </a:lvl1pPr>
             </a:lstStyle>
             <a:p>
-              <a:pPr/>
               <a:r>
                 <a:t>Weekly run</a:t>
               </a:r>
@@ -5060,7 +4018,7 @@
         </p:sp>
         <p:sp>
           <p:nvSpPr>
-            <p:cNvPr id="249" name="The price is 75% of the pool"/>
+            <p:cNvPr id="206" name="The price is 75% of the pool"/>
             <p:cNvSpPr txBox="1"/>
             <p:nvPr/>
           </p:nvSpPr>
@@ -5078,11 +4036,6 @@
               <a:miter lim="400000"/>
             </a:ln>
             <a:effectLst/>
-            <a:extLst>
-              <a:ext uri="{C572A759-6A51-4108-AA02-DFA0A04FC94B}">
-                <ma14:wrappingTextBoxFlag xmlns:ma14="http://schemas.microsoft.com/office/mac/drawingml/2011/main" val="1"/>
-              </a:ext>
-            </a:extLst>
           </p:spPr>
           <p:txBody>
             <a:bodyPr wrap="none" lIns="0" tIns="0" rIns="0" bIns="0" numCol="1" anchor="t">
@@ -5108,7 +4061,7 @@
         </p:sp>
         <p:sp>
           <p:nvSpPr>
-            <p:cNvPr id="250" name="Specific awards"/>
+            <p:cNvPr id="207" name="Specific awards"/>
             <p:cNvSpPr txBox="1"/>
             <p:nvPr/>
           </p:nvSpPr>
@@ -5126,11 +4079,6 @@
               <a:miter lim="400000"/>
             </a:ln>
             <a:effectLst/>
-            <a:extLst>
-              <a:ext uri="{C572A759-6A51-4108-AA02-DFA0A04FC94B}">
-                <ma14:wrappingTextBoxFlag xmlns:ma14="http://schemas.microsoft.com/office/mac/drawingml/2011/main" val="1"/>
-              </a:ext>
-            </a:extLst>
           </p:spPr>
           <p:txBody>
             <a:bodyPr wrap="none" lIns="0" tIns="0" rIns="0" bIns="0" numCol="1" anchor="t">
@@ -5142,7 +4090,6 @@
               </a:lvl1pPr>
             </a:lstStyle>
             <a:p>
-              <a:pPr/>
               <a:r>
                 <a:t>Specific awards</a:t>
               </a:r>
@@ -5151,7 +4098,7 @@
         </p:sp>
         <p:sp>
           <p:nvSpPr>
-            <p:cNvPr id="251" name="线条"/>
+            <p:cNvPr id="208" name="线条"/>
             <p:cNvSpPr/>
             <p:nvPr/>
           </p:nvSpPr>
@@ -5178,9 +4125,7 @@
               <a:noAutofit/>
             </a:bodyPr>
             <a:lstStyle/>
-            <a:p>
-              <a:pPr/>
-            </a:p>
+            <a:p/>
           </p:txBody>
         </p:sp>
       </p:grpSp>
@@ -5189,12 +4134,12 @@
   <p:clrMapOvr>
     <a:masterClrMapping/>
   </p:clrMapOvr>
-  <p:transition xmlns:p14="http://schemas.microsoft.com/office/powerpoint/2010/main" spd="med" advClick="1"/>
+  <p:transition spd="med"/>
 </p:sld>
 </file>
 
 <file path=ppt/slides/slide15.xml><?xml version="1.0" encoding="utf-8"?>
-<p:sld xmlns:a="http://schemas.openxmlformats.org/drawingml/2006/main" xmlns:r="http://schemas.openxmlformats.org/officeDocument/2006/relationships" xmlns:p="http://schemas.openxmlformats.org/presentationml/2006/main" showMasterSp="1" showMasterPhAnim="1">
+<p:sld xmlns:a="http://schemas.openxmlformats.org/drawingml/2006/main" xmlns:r="http://schemas.openxmlformats.org/officeDocument/2006/relationships" xmlns:p="http://schemas.openxmlformats.org/presentationml/2006/main">
   <p:cSld>
     <p:spTree>
       <p:nvGrpSpPr>
@@ -5212,7 +4157,7 @@
       </p:grpSpPr>
       <p:sp>
         <p:nvSpPr>
-          <p:cNvPr id="254" name="IDO"/>
+          <p:cNvPr id="211" name="IDO"/>
           <p:cNvSpPr txBox="1"/>
           <p:nvPr/>
         </p:nvSpPr>
@@ -5227,11 +4172,6 @@
           <a:ln w="12700">
             <a:miter lim="400000"/>
           </a:ln>
-          <a:extLst>
-            <a:ext uri="{C572A759-6A51-4108-AA02-DFA0A04FC94B}">
-              <ma14:wrappingTextBoxFlag xmlns:ma14="http://schemas.microsoft.com/office/mac/drawingml/2011/main" val="1"/>
-            </a:ext>
-          </a:extLst>
         </p:spPr>
         <p:txBody>
           <a:bodyPr lIns="0" tIns="0" rIns="0" bIns="0">
@@ -5242,11 +4182,10 @@
               <a:lnSpc>
                 <a:spcPct val="90000"/>
               </a:lnSpc>
-              <a:defRPr b="1" sz="1900"/>
+              <a:defRPr sz="1900" b="1"/>
             </a:lvl1pPr>
           </a:lstStyle>
           <a:p>
-            <a:pPr/>
             <a:r>
               <a:t>IDO</a:t>
             </a:r>
@@ -5255,7 +4194,7 @@
       </p:sp>
       <p:sp>
         <p:nvSpPr>
-          <p:cNvPr id="255" name="Hertz"/>
+          <p:cNvPr id="212" name="Hertz"/>
           <p:cNvSpPr txBox="1"/>
           <p:nvPr/>
         </p:nvSpPr>
@@ -5270,11 +4209,6 @@
           <a:ln w="12700">
             <a:miter lim="400000"/>
           </a:ln>
-          <a:extLst>
-            <a:ext uri="{C572A759-6A51-4108-AA02-DFA0A04FC94B}">
-              <ma14:wrappingTextBoxFlag xmlns:ma14="http://schemas.microsoft.com/office/mac/drawingml/2011/main" val="1"/>
-            </a:ext>
-          </a:extLst>
         </p:spPr>
         <p:txBody>
           <a:bodyPr lIns="0" tIns="0" rIns="0" bIns="0">
@@ -5289,8 +4223,8 @@
               <a:defRPr sz="1400">
                 <a:solidFill>
                   <a:schemeClr val="accent2">
-                    <a:satOff val="-18194"/>
-                    <a:lumOff val="-11215"/>
+                    <a:satOff val="-18193"/>
+                    <a:lumOff val="-11214"/>
                   </a:schemeClr>
                 </a:solidFill>
                 <a:latin typeface="Clinton Bold"/>
@@ -5320,7 +4254,7 @@
       </p:sp>
       <p:sp>
         <p:nvSpPr>
-          <p:cNvPr id="256" name="Based upon the traffic and users on the Hertz platform"/>
+          <p:cNvPr id="213" name="Based upon the traffic and users on the Hertz platform"/>
           <p:cNvSpPr txBox="1"/>
           <p:nvPr/>
         </p:nvSpPr>
@@ -5335,11 +4269,6 @@
           <a:ln w="12700">
             <a:miter lim="400000"/>
           </a:ln>
-          <a:extLst>
-            <a:ext uri="{C572A759-6A51-4108-AA02-DFA0A04FC94B}">
-              <ma14:wrappingTextBoxFlag xmlns:ma14="http://schemas.microsoft.com/office/mac/drawingml/2011/main" val="1"/>
-            </a:ext>
-          </a:extLst>
         </p:spPr>
         <p:txBody>
           <a:bodyPr lIns="0" tIns="0" rIns="0" bIns="0">
@@ -5347,11 +4276,10 @@
           </a:bodyPr>
           <a:lstStyle>
             <a:lvl1pPr>
-              <a:defRPr b="1" sz="3200"/>
+              <a:defRPr sz="3200" b="1"/>
             </a:lvl1pPr>
           </a:lstStyle>
           <a:p>
-            <a:pPr/>
             <a:r>
               <a:t>Based upon the traffic and users on the Hertz platform</a:t>
             </a:r>
@@ -5360,7 +4288,7 @@
       </p:sp>
       <p:sp>
         <p:nvSpPr>
-          <p:cNvPr id="257" name="Provide high-quality project research, market analysis, and the opportunity to invest in early-stage private sales."/>
+          <p:cNvPr id="214" name="Provide high-quality project research, market analysis, and the opportunity to invest in early-stage private sales."/>
           <p:cNvSpPr txBox="1"/>
           <p:nvPr/>
         </p:nvSpPr>
@@ -5375,11 +4303,6 @@
           <a:ln w="12700">
             <a:miter lim="400000"/>
           </a:ln>
-          <a:extLst>
-            <a:ext uri="{C572A759-6A51-4108-AA02-DFA0A04FC94B}">
-              <ma14:wrappingTextBoxFlag xmlns:ma14="http://schemas.microsoft.com/office/mac/drawingml/2011/main" val="1"/>
-            </a:ext>
-          </a:extLst>
         </p:spPr>
         <p:txBody>
           <a:bodyPr lIns="0" tIns="0" rIns="0" bIns="0">
@@ -5387,7 +4310,6 @@
           </a:bodyPr>
           <a:lstStyle/>
           <a:p>
-            <a:pPr/>
             <a:r>
               <a:t>Provide high-quality project research, market analysis, and the opportunity to invest in early-stage private sales.</a:t>
             </a:r>
@@ -5396,7 +4318,7 @@
       </p:sp>
       <p:sp>
         <p:nvSpPr>
-          <p:cNvPr id="258" name="Title 1"/>
+          <p:cNvPr id="215" name="Title 1"/>
           <p:cNvSpPr txBox="1"/>
           <p:nvPr/>
         </p:nvSpPr>
@@ -5411,22 +4333,17 @@
           <a:ln w="12700">
             <a:miter lim="400000"/>
           </a:ln>
-          <a:extLst>
-            <a:ext uri="{C572A759-6A51-4108-AA02-DFA0A04FC94B}">
-              <ma14:wrappingTextBoxFlag xmlns:ma14="http://schemas.microsoft.com/office/mac/drawingml/2011/main" val="1"/>
-            </a:ext>
-          </a:extLst>
         </p:spPr>
         <p:txBody>
           <a:bodyPr lIns="45719" rIns="45719">
-            <a:normAutofit fontScale="100000" lnSpcReduction="0"/>
+            <a:normAutofit/>
           </a:bodyPr>
           <a:lstStyle>
-            <a:lvl1pPr defTabSz="795527">
+            <a:lvl1pPr defTabSz="795020">
               <a:lnSpc>
                 <a:spcPct val="81000"/>
               </a:lnSpc>
-              <a:defRPr b="1" sz="10266">
+              <a:defRPr sz="10265" b="1">
                 <a:latin typeface="Pier Sans"/>
                 <a:ea typeface="Pier Sans"/>
                 <a:cs typeface="Pier Sans"/>
@@ -5435,7 +4352,6 @@
             </a:lvl1pPr>
           </a:lstStyle>
           <a:p>
-            <a:pPr/>
             <a:r>
               <a:t>“</a:t>
             </a:r>
@@ -5447,12 +4363,12 @@
   <p:clrMapOvr>
     <a:masterClrMapping/>
   </p:clrMapOvr>
-  <p:transition xmlns:p14="http://schemas.microsoft.com/office/powerpoint/2010/main" spd="med" advClick="1"/>
+  <p:transition spd="med"/>
 </p:sld>
 </file>
 
 <file path=ppt/slides/slide16.xml><?xml version="1.0" encoding="utf-8"?>
-<p:sld xmlns:a="http://schemas.openxmlformats.org/drawingml/2006/main" xmlns:r="http://schemas.openxmlformats.org/officeDocument/2006/relationships" xmlns:p="http://schemas.openxmlformats.org/presentationml/2006/main" showMasterSp="1" showMasterPhAnim="1">
+<p:sld xmlns:a="http://schemas.openxmlformats.org/drawingml/2006/main" xmlns:r="http://schemas.openxmlformats.org/officeDocument/2006/relationships" xmlns:p="http://schemas.openxmlformats.org/presentationml/2006/main">
   <p:cSld>
     <p:spTree>
       <p:nvGrpSpPr>
@@ -5470,14 +4386,14 @@
       </p:grpSpPr>
       <p:sp>
         <p:nvSpPr>
-          <p:cNvPr id="260" name="THANK YOU"/>
+          <p:cNvPr id="217" name="THANK YOU"/>
           <p:cNvSpPr txBox="1"/>
           <p:nvPr/>
         </p:nvSpPr>
         <p:spPr>
           <a:xfrm>
             <a:off x="1301839" y="2826400"/>
-            <a:ext cx="2893567" cy="596901"/>
+            <a:ext cx="2948224" cy="596901"/>
           </a:xfrm>
           <a:prstGeom prst="rect">
             <a:avLst/>
@@ -5485,11 +4401,6 @@
           <a:ln w="12700">
             <a:miter lim="400000"/>
           </a:ln>
-          <a:extLst>
-            <a:ext uri="{C572A759-6A51-4108-AA02-DFA0A04FC94B}">
-              <ma14:wrappingTextBoxFlag xmlns:ma14="http://schemas.microsoft.com/office/mac/drawingml/2011/main" val="1"/>
-            </a:ext>
-          </a:extLst>
         </p:spPr>
         <p:txBody>
           <a:bodyPr wrap="none" lIns="0" tIns="0" rIns="0" bIns="0">
@@ -5497,170 +4408,56 @@
           </a:bodyPr>
           <a:lstStyle>
             <a:lvl1pPr>
-              <a:defRPr sz="3900"/>
+              <a:defRPr sz="3900" b="1"/>
             </a:lvl1pPr>
           </a:lstStyle>
           <a:p>
-            <a:pPr/>
             <a:r>
               <a:t>THANK YOU</a:t>
             </a:r>
           </a:p>
         </p:txBody>
       </p:sp>
-      <p:sp>
-        <p:nvSpPr>
-          <p:cNvPr id="261" name="Team member…"/>
-          <p:cNvSpPr txBox="1"/>
+      <p:pic>
+        <p:nvPicPr>
+          <p:cNvPr id="218" name="IMG_2183.JPG" descr="IMG_2183.JPG"/>
+          <p:cNvPicPr>
+            <a:picLocks noChangeAspect="1"/>
+          </p:cNvPicPr>
           <p:nvPr/>
-        </p:nvSpPr>
+        </p:nvPicPr>
+        <p:blipFill>
+          <a:blip r:embed="rId1"/>
+          <a:stretch>
+            <a:fillRect/>
+          </a:stretch>
+        </p:blipFill>
         <p:spPr>
           <a:xfrm>
-            <a:off x="6624381" y="1993900"/>
-            <a:ext cx="4140806" cy="2870201"/>
+            <a:off x="7194136" y="1982216"/>
+            <a:ext cx="2893567" cy="2893568"/>
           </a:xfrm>
           <a:prstGeom prst="rect">
             <a:avLst/>
           </a:prstGeom>
           <a:ln w="12700">
             <a:miter lim="400000"/>
-          </a:ln>
-          <a:extLst>
-            <a:ext uri="{C572A759-6A51-4108-AA02-DFA0A04FC94B}">
-              <ma14:wrappingTextBoxFlag xmlns:ma14="http://schemas.microsoft.com/office/mac/drawingml/2011/main" val="1"/>
-            </a:ext>
-          </a:extLst>
-        </p:spPr>
-        <p:txBody>
-          <a:bodyPr lIns="101600" tIns="101600" rIns="101600" bIns="101600">
-            <a:spAutoFit/>
-          </a:bodyPr>
-          <a:lstStyle/>
-          <a:p>
-            <a:pPr/>
-            <a:r>
-              <a:t>Team member</a:t>
-            </a:r>
-          </a:p>
-          <a:p>
-            <a:pPr/>
-          </a:p>
-          <a:p>
-            <a:pPr defTabSz="457200">
-              <a:defRPr sz="1400">
-                <a:solidFill>
-                  <a:srgbClr val="24292E"/>
-                </a:solidFill>
-                <a:latin typeface="Helvetica Neue"/>
-                <a:ea typeface="Helvetica Neue"/>
-                <a:cs typeface="Helvetica Neue"/>
-                <a:sym typeface="Helvetica Neue"/>
-              </a:defRPr>
-            </a:pPr>
-            <a:r>
-              <a:t>[ Seabook ] Product Designer, Solution architecht and Smart Contract Developer.</a:t>
-            </a:r>
-          </a:p>
-          <a:p>
-            <a:pPr defTabSz="457200">
-              <a:defRPr sz="1400">
-                <a:solidFill>
-                  <a:srgbClr val="24292E"/>
-                </a:solidFill>
-                <a:latin typeface="Helvetica Neue"/>
-                <a:ea typeface="Helvetica Neue"/>
-                <a:cs typeface="Helvetica Neue"/>
-                <a:sym typeface="Helvetica Neue"/>
-              </a:defRPr>
-            </a:pPr>
-          </a:p>
-          <a:p>
-            <a:pPr defTabSz="457200">
-              <a:defRPr sz="1400">
-                <a:solidFill>
-                  <a:srgbClr val="24292E"/>
-                </a:solidFill>
-                <a:latin typeface="Helvetica Neue"/>
-                <a:ea typeface="Helvetica Neue"/>
-                <a:cs typeface="Helvetica Neue"/>
-                <a:sym typeface="Helvetica Neue"/>
-              </a:defRPr>
-            </a:pPr>
-            <a:r>
-              <a:t>[ Victor] Product Manager, Designer and Owner. Will be responsible for the pitch.</a:t>
-            </a:r>
-          </a:p>
-          <a:p>
-            <a:pPr defTabSz="457200">
-              <a:defRPr sz="1400">
-                <a:solidFill>
-                  <a:srgbClr val="24292E"/>
-                </a:solidFill>
-                <a:latin typeface="Helvetica Neue"/>
-                <a:ea typeface="Helvetica Neue"/>
-                <a:cs typeface="Helvetica Neue"/>
-                <a:sym typeface="Helvetica Neue"/>
-              </a:defRPr>
-            </a:pPr>
-          </a:p>
-          <a:p>
-            <a:pPr defTabSz="457200">
-              <a:defRPr sz="1400">
-                <a:solidFill>
-                  <a:srgbClr val="24292E"/>
-                </a:solidFill>
-                <a:latin typeface="Helvetica Neue"/>
-                <a:ea typeface="Helvetica Neue"/>
-                <a:cs typeface="Helvetica Neue"/>
-                <a:sym typeface="Helvetica Neue"/>
-              </a:defRPr>
-            </a:pPr>
-            <a:r>
-              <a:t>[ Michael ] ReactJS, Web3JS + UI developer</a:t>
-            </a:r>
-          </a:p>
-          <a:p>
-            <a:pPr defTabSz="457200">
-              <a:defRPr sz="1400">
-                <a:solidFill>
-                  <a:srgbClr val="24292E"/>
-                </a:solidFill>
-                <a:latin typeface="Helvetica Neue"/>
-                <a:ea typeface="Helvetica Neue"/>
-                <a:cs typeface="Helvetica Neue"/>
-                <a:sym typeface="Helvetica Neue"/>
-              </a:defRPr>
-            </a:pPr>
-          </a:p>
-          <a:p>
-            <a:pPr defTabSz="457200">
-              <a:defRPr sz="1400">
-                <a:solidFill>
-                  <a:srgbClr val="24292E"/>
-                </a:solidFill>
-                <a:latin typeface="Helvetica Neue"/>
-                <a:ea typeface="Helvetica Neue"/>
-                <a:cs typeface="Helvetica Neue"/>
-                <a:sym typeface="Helvetica Neue"/>
-              </a:defRPr>
-            </a:pPr>
-            <a:r>
-              <a:t>[Nami] UI and UX Designer </a:t>
-            </a:r>
-          </a:p>
-        </p:txBody>
-      </p:sp>
+            <a:headEnd/>
+            <a:tailEnd/>
+          </a:ln>
+        </p:spPr>
+      </p:pic>
     </p:spTree>
   </p:cSld>
   <p:clrMapOvr>
     <a:masterClrMapping/>
   </p:clrMapOvr>
-  <p:transition xmlns:p14="http://schemas.microsoft.com/office/powerpoint/2010/main" spd="med" advClick="1"/>
+  <p:transition spd="med"/>
 </p:sld>
 </file>
 
 <file path=ppt/slides/slide2.xml><?xml version="1.0" encoding="utf-8"?>
-<p:sld xmlns:a="http://schemas.openxmlformats.org/drawingml/2006/main" xmlns:r="http://schemas.openxmlformats.org/officeDocument/2006/relationships" xmlns:p="http://schemas.openxmlformats.org/presentationml/2006/main" showMasterSp="1" showMasterPhAnim="1">
+<p:sld xmlns:a="http://schemas.openxmlformats.org/drawingml/2006/main" xmlns:r="http://schemas.openxmlformats.org/officeDocument/2006/relationships" xmlns:p="http://schemas.openxmlformats.org/presentationml/2006/main">
   <p:cSld>
     <p:spTree>
       <p:nvGrpSpPr>
@@ -5685,9 +4482,8 @@
           <p:nvPr/>
         </p:nvPicPr>
         <p:blipFill>
-          <a:blip r:embed="rId2">
+          <a:blip r:embed="rId1">
             <a:alphaModFix amt="34261"/>
-            <a:extLst/>
           </a:blip>
           <a:stretch>
             <a:fillRect/>
@@ -5703,6 +4499,8 @@
           </a:prstGeom>
           <a:ln w="12700">
             <a:miter lim="400000"/>
+            <a:headEnd/>
+            <a:tailEnd/>
           </a:ln>
         </p:spPr>
       </p:pic>
@@ -5728,21 +4526,15 @@
           <a:lstStyle/>
           <a:p>
             <a:pPr>
-              <a:defRPr b="1" sz="2800"/>
+              <a:defRPr sz="2800" b="1"/>
             </a:pPr>
             <a:r>
-              <a:t>Everyone</a:t>
-            </a:r>
-            <a:r>
-              <a:t> can be </a:t>
-            </a:r>
-            <a:r>
-              <a:t>a fund manager </a:t>
+              <a:t>Everyone can be a fund manager </a:t>
             </a:r>
           </a:p>
           <a:p>
             <a:pPr>
-              <a:defRPr b="1" sz="2800"/>
+              <a:defRPr sz="2800" b="1"/>
             </a:pPr>
             <a:r>
               <a:t>Invest with same-class of investors</a:t>
@@ -5767,11 +4559,6 @@
           <a:ln w="12700">
             <a:miter lim="400000"/>
           </a:ln>
-          <a:extLst>
-            <a:ext uri="{C572A759-6A51-4108-AA02-DFA0A04FC94B}">
-              <ma14:wrappingTextBoxFlag xmlns:ma14="http://schemas.microsoft.com/office/mac/drawingml/2011/main" val="1"/>
-            </a:ext>
-          </a:extLst>
         </p:spPr>
         <p:txBody>
           <a:bodyPr lIns="0" tIns="0" rIns="0" bIns="0">
@@ -5786,8 +4573,8 @@
               <a:defRPr sz="2000">
                 <a:solidFill>
                   <a:schemeClr val="accent2">
-                    <a:satOff val="-18194"/>
-                    <a:lumOff val="-11215"/>
+                    <a:satOff val="-18193"/>
+                    <a:lumOff val="-11214"/>
                   </a:schemeClr>
                 </a:solidFill>
                 <a:latin typeface="Clinton Bold"/>
@@ -5820,12 +4607,12 @@
   <p:clrMapOvr>
     <a:masterClrMapping/>
   </p:clrMapOvr>
-  <p:transition xmlns:p14="http://schemas.microsoft.com/office/powerpoint/2010/main" spd="med" advClick="1"/>
+  <p:transition spd="med"/>
 </p:sld>
 </file>
 
 <file path=ppt/slides/slide3.xml><?xml version="1.0" encoding="utf-8"?>
-<p:sld xmlns:a="http://schemas.openxmlformats.org/drawingml/2006/main" xmlns:r="http://schemas.openxmlformats.org/officeDocument/2006/relationships" xmlns:p="http://schemas.openxmlformats.org/presentationml/2006/main" showMasterSp="1" showMasterPhAnim="1">
+<p:sld xmlns:a="http://schemas.openxmlformats.org/drawingml/2006/main" xmlns:r="http://schemas.openxmlformats.org/officeDocument/2006/relationships" xmlns:p="http://schemas.openxmlformats.org/presentationml/2006/main">
   <p:cSld>
     <p:spTree>
       <p:nvGrpSpPr>
@@ -5843,171 +4630,7 @@
       </p:grpSpPr>
       <p:sp>
         <p:nvSpPr>
-          <p:cNvPr id="98" name="内容占位符 2"/>
-          <p:cNvSpPr txBox="1"/>
-          <p:nvPr>
-            <p:ph type="body" idx="1"/>
-          </p:nvPr>
-        </p:nvSpPr>
-        <p:spPr>
-          <a:xfrm>
-            <a:off x="4726849" y="-2627397"/>
-            <a:ext cx="9124006" cy="3772271"/>
-          </a:xfrm>
-          <a:prstGeom prst="rect">
-            <a:avLst/>
-          </a:prstGeom>
-        </p:spPr>
-        <p:txBody>
-          <a:bodyPr/>
-          <a:lstStyle/>
-          <a:p>
-            <a:pPr>
-              <a:defRPr>
-                <a:latin typeface="+mj-lt"/>
-                <a:ea typeface="+mj-ea"/>
-                <a:cs typeface="+mj-cs"/>
-                <a:sym typeface="Helvetica"/>
-              </a:defRPr>
-            </a:pPr>
-            <a:r>
-              <a:t>1.</a:t>
-            </a:r>
-            <a:r>
-              <a:t> </a:t>
-            </a:r>
-            <a:r>
-              <a:t>High </a:t>
-            </a:r>
-            <a:r>
-              <a:t>standard</a:t>
-            </a:r>
-            <a:r>
-              <a:t> </a:t>
-            </a:r>
-            <a:r>
-              <a:t>of being </a:t>
-            </a:r>
-            <a:r>
-              <a:t>an investment manager</a:t>
-            </a:r>
-          </a:p>
-          <a:p>
-            <a:pPr>
-              <a:defRPr>
-                <a:latin typeface="+mj-lt"/>
-                <a:ea typeface="+mj-ea"/>
-                <a:cs typeface="+mj-cs"/>
-                <a:sym typeface="Helvetica"/>
-              </a:defRPr>
-            </a:pPr>
-            <a:r>
-              <a:t>2.</a:t>
-            </a:r>
-            <a:r>
-              <a:t> C</a:t>
-            </a:r>
-            <a:r>
-              <a:t>ompl</a:t>
-            </a:r>
-            <a:r>
-              <a:t>icated </a:t>
-            </a:r>
-            <a:r>
-              <a:t>vetting </a:t>
-            </a:r>
-            <a:r>
-              <a:t>is needed for investors</a:t>
-            </a:r>
-          </a:p>
-          <a:p>
-            <a:pPr>
-              <a:defRPr>
-                <a:latin typeface="+mj-lt"/>
-                <a:ea typeface="+mj-ea"/>
-                <a:cs typeface="+mj-cs"/>
-                <a:sym typeface="Helvetica"/>
-              </a:defRPr>
-            </a:pPr>
-            <a:r>
-              <a:t>3.</a:t>
-            </a:r>
-            <a:r>
-              <a:t> </a:t>
-            </a:r>
-            <a:r>
-              <a:t>Investors' money is in the hands of the investment company</a:t>
-            </a:r>
-            <a:r>
-              <a:t>, so </a:t>
-            </a:r>
-            <a:r>
-              <a:t>the</a:t>
-            </a:r>
-            <a:r>
-              <a:t>re</a:t>
-            </a:r>
-            <a:r>
-              <a:t> is risk involved</a:t>
-            </a:r>
-          </a:p>
-          <a:p>
-            <a:pPr>
-              <a:defRPr>
-                <a:latin typeface="+mj-lt"/>
-                <a:ea typeface="+mj-ea"/>
-                <a:cs typeface="+mj-cs"/>
-                <a:sym typeface="Helvetica"/>
-              </a:defRPr>
-            </a:pPr>
-            <a:r>
-              <a:t>4.</a:t>
-            </a:r>
-            <a:r>
-              <a:t> </a:t>
-            </a:r>
-            <a:r>
-              <a:t>The </a:t>
-            </a:r>
-            <a:r>
-              <a:t>products</a:t>
-            </a:r>
-            <a:r>
-              <a:t> </a:t>
-            </a:r>
-            <a:r>
-              <a:t>in</a:t>
-            </a:r>
-            <a:r>
-              <a:t> </a:t>
-            </a:r>
-            <a:r>
-              <a:t>the</a:t>
-            </a:r>
-            <a:r>
-              <a:t> </a:t>
-            </a:r>
-            <a:r>
-              <a:t>portfolio</a:t>
-            </a:r>
-            <a:r>
-              <a:t> </a:t>
-            </a:r>
-            <a:r>
-              <a:t>are </a:t>
-            </a:r>
-            <a:r>
-              <a:t>unknown </a:t>
-            </a:r>
-            <a:r>
-              <a:t> </a:t>
-            </a:r>
-          </a:p>
-        </p:txBody>
-      </p:sp>
-      <p:sp>
-        <p:nvSpPr>
-          <p:cNvPr id="99" name="Traditional Asset Management Platforms"/>
+          <p:cNvPr id="98" name="Traditional Asset Management Platforms"/>
           <p:cNvSpPr txBox="1"/>
           <p:nvPr/>
         </p:nvSpPr>
@@ -6022,11 +4645,6 @@
           <a:ln w="12700">
             <a:miter lim="400000"/>
           </a:ln>
-          <a:extLst>
-            <a:ext uri="{C572A759-6A51-4108-AA02-DFA0A04FC94B}">
-              <ma14:wrappingTextBoxFlag xmlns:ma14="http://schemas.microsoft.com/office/mac/drawingml/2011/main" val="1"/>
-            </a:ext>
-          </a:extLst>
         </p:spPr>
         <p:txBody>
           <a:bodyPr lIns="0" tIns="0" rIns="0" bIns="0">
@@ -6038,35 +4656,17 @@
               <a:lnSpc>
                 <a:spcPct val="90000"/>
               </a:lnSpc>
-              <a:defRPr b="1" sz="1900"/>
+              <a:defRPr sz="1900" b="1"/>
             </a:pPr>
             <a:r>
-              <a:t>Traditional </a:t>
-            </a:r>
-            <a:r>
-              <a:t>Asset</a:t>
-            </a:r>
-            <a:r>
-              <a:t> </a:t>
-            </a:r>
-            <a:r>
-              <a:t>M</a:t>
-            </a:r>
-            <a:r>
-              <a:t>anagement </a:t>
-            </a:r>
-            <a:r>
-              <a:t>P</a:t>
-            </a:r>
-            <a:r>
-              <a:t>latforms</a:t>
+              <a:t>Traditional Asset Management Platforms</a:t>
             </a:r>
           </a:p>
         </p:txBody>
       </p:sp>
       <p:sp>
         <p:nvSpPr>
-          <p:cNvPr id="100" name="Hertz"/>
+          <p:cNvPr id="99" name="Hertz"/>
           <p:cNvSpPr txBox="1"/>
           <p:nvPr/>
         </p:nvSpPr>
@@ -6081,11 +4681,6 @@
           <a:ln w="12700">
             <a:miter lim="400000"/>
           </a:ln>
-          <a:extLst>
-            <a:ext uri="{C572A759-6A51-4108-AA02-DFA0A04FC94B}">
-              <ma14:wrappingTextBoxFlag xmlns:ma14="http://schemas.microsoft.com/office/mac/drawingml/2011/main" val="1"/>
-            </a:ext>
-          </a:extLst>
         </p:spPr>
         <p:txBody>
           <a:bodyPr lIns="0" tIns="0" rIns="0" bIns="0">
@@ -6100,8 +4695,8 @@
               <a:defRPr sz="1400">
                 <a:solidFill>
                   <a:schemeClr val="accent2">
-                    <a:satOff val="-18194"/>
-                    <a:lumOff val="-11215"/>
+                    <a:satOff val="-18193"/>
+                    <a:lumOff val="-11214"/>
                   </a:schemeClr>
                 </a:solidFill>
                 <a:latin typeface="Clinton Bold"/>
@@ -6131,13 +4726,13 @@
       </p:sp>
       <p:sp>
         <p:nvSpPr>
-          <p:cNvPr id="101" name="Rectangle 27"/>
+          <p:cNvPr id="100" name="Rectangle 31"/>
           <p:cNvSpPr txBox="1"/>
           <p:nvPr/>
         </p:nvSpPr>
         <p:spPr>
           <a:xfrm>
-            <a:off x="7529844" y="7242325"/>
+            <a:off x="11248468" y="13981233"/>
             <a:ext cx="3740728" cy="574041"/>
           </a:xfrm>
           <a:prstGeom prst="rect">
@@ -6146,11 +4741,6 @@
           <a:ln w="12700">
             <a:miter lim="400000"/>
           </a:ln>
-          <a:extLst>
-            <a:ext uri="{C572A759-6A51-4108-AA02-DFA0A04FC94B}">
-              <ma14:wrappingTextBoxFlag xmlns:ma14="http://schemas.microsoft.com/office/mac/drawingml/2011/main" val="1"/>
-            </a:ext>
-          </a:extLst>
         </p:spPr>
         <p:txBody>
           <a:bodyPr lIns="45719" rIns="45719">
@@ -6158,7 +4748,7 @@
           </a:bodyPr>
           <a:lstStyle>
             <a:lvl1pPr defTabSz="457200">
-              <a:defRPr b="1" sz="3200">
+              <a:defRPr sz="3200" b="1">
                 <a:latin typeface="Pier Sans"/>
                 <a:ea typeface="Pier Sans"/>
                 <a:cs typeface="Pier Sans"/>
@@ -6167,7 +4757,6 @@
             </a:lvl1pPr>
           </a:lstStyle>
           <a:p>
-            <a:pPr/>
             <a:r>
               <a:t>Hazima nail</a:t>
             </a:r>
@@ -6176,14 +4765,14 @@
       </p:sp>
       <p:sp>
         <p:nvSpPr>
-          <p:cNvPr id="102" name="Rectangle 28"/>
+          <p:cNvPr id="101" name="Rectangle 32"/>
           <p:cNvSpPr txBox="1"/>
           <p:nvPr/>
         </p:nvSpPr>
         <p:spPr>
           <a:xfrm>
-            <a:off x="7565345" y="7892226"/>
-            <a:ext cx="4163260" cy="375232"/>
+            <a:off x="11283969" y="14631135"/>
+            <a:ext cx="4163261" cy="375231"/>
           </a:xfrm>
           <a:prstGeom prst="rect">
             <a:avLst/>
@@ -6191,11 +4780,6 @@
           <a:ln w="12700">
             <a:miter lim="400000"/>
           </a:ln>
-          <a:extLst>
-            <a:ext uri="{C572A759-6A51-4108-AA02-DFA0A04FC94B}">
-              <ma14:wrappingTextBoxFlag xmlns:ma14="http://schemas.microsoft.com/office/mac/drawingml/2011/main" val="1"/>
-            </a:ext>
-          </a:extLst>
         </p:spPr>
         <p:txBody>
           <a:bodyPr lIns="45719" rIns="45719">
@@ -6204,15 +4788,14 @@
           <a:lstStyle>
             <a:lvl1pPr defTabSz="457200">
               <a:defRPr sz="2000">
-                <a:latin typeface="Arial"/>
-                <a:ea typeface="Arial"/>
-                <a:cs typeface="Arial"/>
-                <a:sym typeface="Arial"/>
+                <a:latin typeface="Arial" panose="020B0604020202090204"/>
+                <a:ea typeface="Arial" panose="020B0604020202090204"/>
+                <a:cs typeface="Arial" panose="020B0604020202090204"/>
+                <a:sym typeface="Arial" panose="020B0604020202090204"/>
               </a:defRPr>
             </a:lvl1pPr>
           </a:lstStyle>
           <a:p>
-            <a:pPr/>
             <a:r>
               <a:t>Designer.</a:t>
             </a:r>
@@ -6221,14 +4804,14 @@
       </p:sp>
       <p:sp>
         <p:nvSpPr>
-          <p:cNvPr id="103" name="Rectangle 29"/>
+          <p:cNvPr id="102" name="Rectangle 33"/>
           <p:cNvSpPr txBox="1"/>
           <p:nvPr/>
         </p:nvSpPr>
         <p:spPr>
           <a:xfrm>
-            <a:off x="7565345" y="8614672"/>
-            <a:ext cx="3740730" cy="746973"/>
+            <a:off x="7712179" y="12983211"/>
+            <a:ext cx="3740730" cy="746974"/>
           </a:xfrm>
           <a:prstGeom prst="rect">
             <a:avLst/>
@@ -6236,11 +4819,6 @@
           <a:ln w="12700">
             <a:miter lim="400000"/>
           </a:ln>
-          <a:extLst>
-            <a:ext uri="{C572A759-6A51-4108-AA02-DFA0A04FC94B}">
-              <ma14:wrappingTextBoxFlag xmlns:ma14="http://schemas.microsoft.com/office/mac/drawingml/2011/main" val="1"/>
-            </a:ext>
-          </a:extLst>
         </p:spPr>
         <p:txBody>
           <a:bodyPr lIns="45719" rIns="45719">
@@ -6252,15 +4830,14 @@
                 <a:spcPct val="150000"/>
               </a:lnSpc>
               <a:defRPr>
-                <a:latin typeface="Arial"/>
-                <a:ea typeface="Arial"/>
-                <a:cs typeface="Arial"/>
-                <a:sym typeface="Arial"/>
+                <a:latin typeface="Arial" panose="020B0604020202090204"/>
+                <a:ea typeface="Arial" panose="020B0604020202090204"/>
+                <a:cs typeface="Arial" panose="020B0604020202090204"/>
+                <a:sym typeface="Arial" panose="020B0604020202090204"/>
               </a:defRPr>
             </a:lvl1pPr>
           </a:lstStyle>
           <a:p>
-            <a:pPr/>
             <a:r>
               <a:t>The project encompasses every design interior</a:t>
             </a:r>
@@ -6269,13 +4846,49 @@
       </p:sp>
       <p:sp>
         <p:nvSpPr>
-          <p:cNvPr id="104" name="Rectangle 31"/>
+          <p:cNvPr id="103" name="Straight Connector 34"/>
+          <p:cNvSpPr/>
+          <p:nvPr/>
+        </p:nvSpPr>
+        <p:spPr>
+          <a:xfrm flipH="1">
+            <a:off x="7798941" y="12837847"/>
+            <a:ext cx="921796" cy="1"/>
+          </a:xfrm>
+          <a:prstGeom prst="line">
+            <a:avLst/>
+          </a:prstGeom>
+          <a:ln w="6350">
+            <a:solidFill>
+              <a:srgbClr val="000000"/>
+            </a:solidFill>
+            <a:miter/>
+          </a:ln>
+        </p:spPr>
+        <p:txBody>
+          <a:bodyPr lIns="45719" rIns="45719"/>
+          <a:lstStyle/>
+          <a:p>
+            <a:pPr defTabSz="457200">
+              <a:defRPr>
+                <a:latin typeface="+mn-lt"/>
+                <a:ea typeface="+mn-ea"/>
+                <a:cs typeface="+mn-cs"/>
+                <a:sym typeface="Calibri"/>
+              </a:defRPr>
+            </a:pPr>
+          </a:p>
+        </p:txBody>
+      </p:sp>
+      <p:sp>
+        <p:nvSpPr>
+          <p:cNvPr id="104" name="Rectangle 35"/>
           <p:cNvSpPr txBox="1"/>
           <p:nvPr/>
         </p:nvSpPr>
         <p:spPr>
           <a:xfrm>
-            <a:off x="11248468" y="13981233"/>
+            <a:off x="15701737" y="7242325"/>
             <a:ext cx="3740728" cy="574041"/>
           </a:xfrm>
           <a:prstGeom prst="rect">
@@ -6284,11 +4897,6 @@
           <a:ln w="12700">
             <a:miter lim="400000"/>
           </a:ln>
-          <a:extLst>
-            <a:ext uri="{C572A759-6A51-4108-AA02-DFA0A04FC94B}">
-              <ma14:wrappingTextBoxFlag xmlns:ma14="http://schemas.microsoft.com/office/mac/drawingml/2011/main" val="1"/>
-            </a:ext>
-          </a:extLst>
         </p:spPr>
         <p:txBody>
           <a:bodyPr lIns="45719" rIns="45719">
@@ -6296,7 +4904,7 @@
           </a:bodyPr>
           <a:lstStyle>
             <a:lvl1pPr defTabSz="457200">
-              <a:defRPr b="1" sz="3200">
+              <a:defRPr sz="3200" b="1">
                 <a:latin typeface="Pier Sans"/>
                 <a:ea typeface="Pier Sans"/>
                 <a:cs typeface="Pier Sans"/>
@@ -6305,7 +4913,6 @@
             </a:lvl1pPr>
           </a:lstStyle>
           <a:p>
-            <a:pPr/>
             <a:r>
               <a:t>Hazima nail</a:t>
             </a:r>
@@ -6314,14 +4921,14 @@
       </p:sp>
       <p:sp>
         <p:nvSpPr>
-          <p:cNvPr id="105" name="Rectangle 32"/>
+          <p:cNvPr id="105" name="Rectangle 36"/>
           <p:cNvSpPr txBox="1"/>
           <p:nvPr/>
         </p:nvSpPr>
         <p:spPr>
           <a:xfrm>
-            <a:off x="11283969" y="14631135"/>
-            <a:ext cx="4163261" cy="375231"/>
+            <a:off x="15737239" y="7892226"/>
+            <a:ext cx="4163260" cy="375232"/>
           </a:xfrm>
           <a:prstGeom prst="rect">
             <a:avLst/>
@@ -6329,11 +4936,6 @@
           <a:ln w="12700">
             <a:miter lim="400000"/>
           </a:ln>
-          <a:extLst>
-            <a:ext uri="{C572A759-6A51-4108-AA02-DFA0A04FC94B}">
-              <ma14:wrappingTextBoxFlag xmlns:ma14="http://schemas.microsoft.com/office/mac/drawingml/2011/main" val="1"/>
-            </a:ext>
-          </a:extLst>
         </p:spPr>
         <p:txBody>
           <a:bodyPr lIns="45719" rIns="45719">
@@ -6342,15 +4944,14 @@
           <a:lstStyle>
             <a:lvl1pPr defTabSz="457200">
               <a:defRPr sz="2000">
-                <a:latin typeface="Arial"/>
-                <a:ea typeface="Arial"/>
-                <a:cs typeface="Arial"/>
-                <a:sym typeface="Arial"/>
+                <a:latin typeface="Arial" panose="020B0604020202090204"/>
+                <a:ea typeface="Arial" panose="020B0604020202090204"/>
+                <a:cs typeface="Arial" panose="020B0604020202090204"/>
+                <a:sym typeface="Arial" panose="020B0604020202090204"/>
               </a:defRPr>
             </a:lvl1pPr>
           </a:lstStyle>
           <a:p>
-            <a:pPr/>
             <a:r>
               <a:t>Designer.</a:t>
             </a:r>
@@ -6359,14 +4960,14 @@
       </p:sp>
       <p:sp>
         <p:nvSpPr>
-          <p:cNvPr id="106" name="Rectangle 33"/>
+          <p:cNvPr id="106" name="Rectangle 37"/>
           <p:cNvSpPr txBox="1"/>
           <p:nvPr/>
         </p:nvSpPr>
         <p:spPr>
           <a:xfrm>
-            <a:off x="7712179" y="12983211"/>
-            <a:ext cx="3740730" cy="746974"/>
+            <a:off x="15618609" y="12569033"/>
+            <a:ext cx="3740730" cy="746973"/>
           </a:xfrm>
           <a:prstGeom prst="rect">
             <a:avLst/>
@@ -6374,11 +4975,6 @@
           <a:ln w="12700">
             <a:miter lim="400000"/>
           </a:ln>
-          <a:extLst>
-            <a:ext uri="{C572A759-6A51-4108-AA02-DFA0A04FC94B}">
-              <ma14:wrappingTextBoxFlag xmlns:ma14="http://schemas.microsoft.com/office/mac/drawingml/2011/main" val="1"/>
-            </a:ext>
-          </a:extLst>
         </p:spPr>
         <p:txBody>
           <a:bodyPr lIns="45719" rIns="45719">
@@ -6390,15 +4986,14 @@
                 <a:spcPct val="150000"/>
               </a:lnSpc>
               <a:defRPr>
-                <a:latin typeface="Arial"/>
-                <a:ea typeface="Arial"/>
-                <a:cs typeface="Arial"/>
-                <a:sym typeface="Arial"/>
+                <a:latin typeface="Arial" panose="020B0604020202090204"/>
+                <a:ea typeface="Arial" panose="020B0604020202090204"/>
+                <a:cs typeface="Arial" panose="020B0604020202090204"/>
+                <a:sym typeface="Arial" panose="020B0604020202090204"/>
               </a:defRPr>
             </a:lvl1pPr>
           </a:lstStyle>
           <a:p>
-            <a:pPr/>
             <a:r>
               <a:t>The project encompasses every design interior</a:t>
             </a:r>
@@ -6407,13 +5002,13 @@
       </p:sp>
       <p:sp>
         <p:nvSpPr>
-          <p:cNvPr id="107" name="Straight Connector 34"/>
+          <p:cNvPr id="107" name="Straight Connector 38"/>
           <p:cNvSpPr/>
           <p:nvPr/>
         </p:nvSpPr>
         <p:spPr>
           <a:xfrm flipH="1">
-            <a:off x="7798941" y="12837847"/>
+            <a:off x="15737239" y="12464656"/>
             <a:ext cx="921796" cy="1"/>
           </a:xfrm>
           <a:prstGeom prst="line">
@@ -6441,193 +5036,17 @@
           </a:p>
         </p:txBody>
       </p:sp>
-      <p:sp>
-        <p:nvSpPr>
-          <p:cNvPr id="108" name="Rectangle 35"/>
-          <p:cNvSpPr txBox="1"/>
-          <p:nvPr/>
-        </p:nvSpPr>
-        <p:spPr>
-          <a:xfrm>
-            <a:off x="15701737" y="7242325"/>
-            <a:ext cx="3740728" cy="574041"/>
-          </a:xfrm>
-          <a:prstGeom prst="rect">
-            <a:avLst/>
-          </a:prstGeom>
-          <a:ln w="12700">
-            <a:miter lim="400000"/>
-          </a:ln>
-          <a:extLst>
-            <a:ext uri="{C572A759-6A51-4108-AA02-DFA0A04FC94B}">
-              <ma14:wrappingTextBoxFlag xmlns:ma14="http://schemas.microsoft.com/office/mac/drawingml/2011/main" val="1"/>
-            </a:ext>
-          </a:extLst>
-        </p:spPr>
-        <p:txBody>
-          <a:bodyPr lIns="45719" rIns="45719">
-            <a:spAutoFit/>
-          </a:bodyPr>
-          <a:lstStyle>
-            <a:lvl1pPr defTabSz="457200">
-              <a:defRPr b="1" sz="3200">
-                <a:latin typeface="Pier Sans"/>
-                <a:ea typeface="Pier Sans"/>
-                <a:cs typeface="Pier Sans"/>
-                <a:sym typeface="Pier Sans"/>
-              </a:defRPr>
-            </a:lvl1pPr>
-          </a:lstStyle>
-          <a:p>
-            <a:pPr/>
-            <a:r>
-              <a:t>Hazima nail</a:t>
-            </a:r>
-          </a:p>
-        </p:txBody>
-      </p:sp>
-      <p:sp>
-        <p:nvSpPr>
-          <p:cNvPr id="109" name="Rectangle 36"/>
-          <p:cNvSpPr txBox="1"/>
-          <p:nvPr/>
-        </p:nvSpPr>
-        <p:spPr>
-          <a:xfrm>
-            <a:off x="15737239" y="7892226"/>
-            <a:ext cx="4163260" cy="375232"/>
-          </a:xfrm>
-          <a:prstGeom prst="rect">
-            <a:avLst/>
-          </a:prstGeom>
-          <a:ln w="12700">
-            <a:miter lim="400000"/>
-          </a:ln>
-          <a:extLst>
-            <a:ext uri="{C572A759-6A51-4108-AA02-DFA0A04FC94B}">
-              <ma14:wrappingTextBoxFlag xmlns:ma14="http://schemas.microsoft.com/office/mac/drawingml/2011/main" val="1"/>
-            </a:ext>
-          </a:extLst>
-        </p:spPr>
-        <p:txBody>
-          <a:bodyPr lIns="45719" rIns="45719">
-            <a:spAutoFit/>
-          </a:bodyPr>
-          <a:lstStyle>
-            <a:lvl1pPr defTabSz="457200">
-              <a:defRPr sz="2000">
-                <a:latin typeface="Arial"/>
-                <a:ea typeface="Arial"/>
-                <a:cs typeface="Arial"/>
-                <a:sym typeface="Arial"/>
-              </a:defRPr>
-            </a:lvl1pPr>
-          </a:lstStyle>
-          <a:p>
-            <a:pPr/>
-            <a:r>
-              <a:t>Designer.</a:t>
-            </a:r>
-          </a:p>
-        </p:txBody>
-      </p:sp>
-      <p:sp>
-        <p:nvSpPr>
-          <p:cNvPr id="110" name="Rectangle 37"/>
-          <p:cNvSpPr txBox="1"/>
-          <p:nvPr/>
-        </p:nvSpPr>
-        <p:spPr>
-          <a:xfrm>
-            <a:off x="15618609" y="12569033"/>
-            <a:ext cx="3740730" cy="746973"/>
-          </a:xfrm>
-          <a:prstGeom prst="rect">
-            <a:avLst/>
-          </a:prstGeom>
-          <a:ln w="12700">
-            <a:miter lim="400000"/>
-          </a:ln>
-          <a:extLst>
-            <a:ext uri="{C572A759-6A51-4108-AA02-DFA0A04FC94B}">
-              <ma14:wrappingTextBoxFlag xmlns:ma14="http://schemas.microsoft.com/office/mac/drawingml/2011/main" val="1"/>
-            </a:ext>
-          </a:extLst>
-        </p:spPr>
-        <p:txBody>
-          <a:bodyPr lIns="45719" rIns="45719">
-            <a:spAutoFit/>
-          </a:bodyPr>
-          <a:lstStyle>
-            <a:lvl1pPr defTabSz="457200">
-              <a:lnSpc>
-                <a:spcPct val="150000"/>
-              </a:lnSpc>
-              <a:defRPr>
-                <a:latin typeface="Arial"/>
-                <a:ea typeface="Arial"/>
-                <a:cs typeface="Arial"/>
-                <a:sym typeface="Arial"/>
-              </a:defRPr>
-            </a:lvl1pPr>
-          </a:lstStyle>
-          <a:p>
-            <a:pPr/>
-            <a:r>
-              <a:t>The project encompasses every design interior</a:t>
-            </a:r>
-          </a:p>
-        </p:txBody>
-      </p:sp>
-      <p:sp>
-        <p:nvSpPr>
-          <p:cNvPr id="111" name="Straight Connector 38"/>
-          <p:cNvSpPr/>
-          <p:nvPr/>
-        </p:nvSpPr>
-        <p:spPr>
-          <a:xfrm flipH="1">
-            <a:off x="15737239" y="12464656"/>
-            <a:ext cx="921796" cy="1"/>
-          </a:xfrm>
-          <a:prstGeom prst="line">
-            <a:avLst/>
-          </a:prstGeom>
-          <a:ln w="6350">
-            <a:solidFill>
-              <a:srgbClr val="000000"/>
-            </a:solidFill>
-            <a:miter/>
-          </a:ln>
-        </p:spPr>
-        <p:txBody>
-          <a:bodyPr lIns="45719" rIns="45719"/>
-          <a:lstStyle/>
-          <a:p>
-            <a:pPr defTabSz="457200">
-              <a:defRPr>
-                <a:latin typeface="+mn-lt"/>
-                <a:ea typeface="+mn-ea"/>
-                <a:cs typeface="+mn-cs"/>
-                <a:sym typeface="Calibri"/>
-              </a:defRPr>
-            </a:pPr>
-          </a:p>
-        </p:txBody>
-      </p:sp>
       <p:pic>
         <p:nvPicPr>
-          <p:cNvPr id="112" name="图片占位符 9" descr="图片占位符 9"/>
+          <p:cNvPr id="108" name="图片占位符 9" descr="图片占位符 9"/>
           <p:cNvPicPr>
             <a:picLocks noChangeAspect="1"/>
           </p:cNvPicPr>
           <p:nvPr/>
         </p:nvPicPr>
         <p:blipFill>
-          <a:blip r:embed="rId2">
-            <a:extLst/>
-          </a:blip>
-          <a:srcRect l="0" t="24239" r="0" b="24239"/>
+          <a:blip r:embed="rId1"/>
+          <a:srcRect t="24239" b="24239"/>
           <a:stretch>
             <a:fillRect/>
           </a:stretch>
@@ -6642,148 +5061,118 @@
           </a:prstGeom>
           <a:ln w="12700">
             <a:miter lim="400000"/>
+            <a:headEnd/>
+            <a:tailEnd/>
           </a:ln>
         </p:spPr>
       </p:pic>
       <p:pic>
         <p:nvPicPr>
-          <p:cNvPr id="113" name="图片占位符 14" descr="图片占位符 14"/>
+          <p:cNvPr id="109" name="Is-Your-Investment-Manager-.jpeg" descr="Is-Your-Investment-Manager-.jpeg"/>
           <p:cNvPicPr>
             <a:picLocks noChangeAspect="1"/>
           </p:cNvPicPr>
           <p:nvPr/>
         </p:nvPicPr>
         <p:blipFill>
-          <a:blip r:embed="rId3">
-            <a:extLst/>
-          </a:blip>
-          <a:srcRect l="4447" t="0" r="4447" b="0"/>
+          <a:blip r:embed="rId2"/>
+          <a:srcRect l="15953" r="15953"/>
           <a:stretch>
             <a:fillRect/>
           </a:stretch>
         </p:blipFill>
         <p:spPr>
           <a:xfrm>
-            <a:off x="11283967" y="7285806"/>
-            <a:ext cx="3870410" cy="6373092"/>
+            <a:off x="583700" y="2043384"/>
+            <a:ext cx="2470186" cy="2208807"/>
           </a:xfrm>
           <a:prstGeom prst="rect">
             <a:avLst/>
           </a:prstGeom>
           <a:ln w="12700">
             <a:miter lim="400000"/>
+            <a:headEnd/>
+            <a:tailEnd/>
           </a:ln>
         </p:spPr>
       </p:pic>
       <p:pic>
         <p:nvPicPr>
-          <p:cNvPr id="114" name="Is-Your-Investment-Manager-.jpeg" descr="Is-Your-Investment-Manager-.jpeg"/>
+          <p:cNvPr id="110" name="屏幕快照 2021-07-30 下午10.32.33.png" descr="屏幕快照 2021-07-30 下午10.32.33.png"/>
           <p:cNvPicPr>
             <a:picLocks noChangeAspect="1"/>
           </p:cNvPicPr>
           <p:nvPr/>
         </p:nvPicPr>
         <p:blipFill>
-          <a:blip r:embed="rId4">
-            <a:extLst/>
-          </a:blip>
-          <a:srcRect l="15953" t="0" r="15953" b="0"/>
+          <a:blip r:embed="rId3"/>
+          <a:srcRect l="8993" r="16389"/>
           <a:stretch>
             <a:fillRect/>
           </a:stretch>
         </p:blipFill>
         <p:spPr>
           <a:xfrm>
-            <a:off x="583700" y="2043384"/>
-            <a:ext cx="2470186" cy="2208807"/>
+            <a:off x="3357975" y="2042987"/>
+            <a:ext cx="2455075" cy="2208900"/>
           </a:xfrm>
           <a:prstGeom prst="rect">
             <a:avLst/>
           </a:prstGeom>
           <a:ln w="12700">
             <a:miter lim="400000"/>
+            <a:headEnd/>
+            <a:tailEnd/>
           </a:ln>
         </p:spPr>
       </p:pic>
       <p:pic>
         <p:nvPicPr>
-          <p:cNvPr id="115" name="屏幕快照 2021-07-30 下午10.32.33.png" descr="屏幕快照 2021-07-30 下午10.32.33.png"/>
+          <p:cNvPr id="111" name="屏幕快照 2021-07-30 下午10.30.50.png" descr="屏幕快照 2021-07-30 下午10.30.50.png"/>
           <p:cNvPicPr>
             <a:picLocks noChangeAspect="1"/>
           </p:cNvPicPr>
           <p:nvPr/>
         </p:nvPicPr>
         <p:blipFill>
-          <a:blip r:embed="rId5">
-            <a:extLst/>
-          </a:blip>
-          <a:srcRect l="8993" t="0" r="16389" b="0"/>
+          <a:blip r:embed="rId4"/>
+          <a:srcRect r="33042"/>
           <a:stretch>
             <a:fillRect/>
           </a:stretch>
         </p:blipFill>
         <p:spPr>
           <a:xfrm>
-            <a:off x="3357975" y="2042987"/>
-            <a:ext cx="2455075" cy="2208900"/>
+            <a:off x="6137806" y="2278334"/>
+            <a:ext cx="2428962" cy="1973850"/>
           </a:xfrm>
           <a:prstGeom prst="rect">
             <a:avLst/>
           </a:prstGeom>
           <a:ln w="12700">
             <a:miter lim="400000"/>
+            <a:headEnd/>
+            <a:tailEnd/>
           </a:ln>
         </p:spPr>
       </p:pic>
       <p:pic>
         <p:nvPicPr>
-          <p:cNvPr id="116" name="屏幕快照 2021-07-30 下午10.30.50.png" descr="屏幕快照 2021-07-30 下午10.30.50.png"/>
+          <p:cNvPr id="112" name="屏幕快照 2021-07-30 下午10.31.35.png" descr="屏幕快照 2021-07-30 下午10.31.35.png"/>
           <p:cNvPicPr>
             <a:picLocks noChangeAspect="1"/>
           </p:cNvPicPr>
           <p:nvPr/>
         </p:nvPicPr>
         <p:blipFill>
-          <a:blip r:embed="rId6">
-            <a:extLst/>
-          </a:blip>
-          <a:srcRect l="0" t="0" r="33042" b="0"/>
+          <a:blip r:embed="rId5"/>
+          <a:srcRect l="16692" r="9329"/>
           <a:stretch>
             <a:fillRect/>
           </a:stretch>
         </p:blipFill>
         <p:spPr>
           <a:xfrm>
-            <a:off x="6137806" y="2278334"/>
-            <a:ext cx="2428962" cy="1973850"/>
-          </a:xfrm>
-          <a:prstGeom prst="rect">
-            <a:avLst/>
-          </a:prstGeom>
-          <a:ln w="12700">
-            <a:miter lim="400000"/>
-          </a:ln>
-        </p:spPr>
-      </p:pic>
-      <p:pic>
-        <p:nvPicPr>
-          <p:cNvPr id="117" name="屏幕快照 2021-07-30 下午10.31.35.png" descr="屏幕快照 2021-07-30 下午10.31.35.png"/>
-          <p:cNvPicPr>
-            <a:picLocks noChangeAspect="1"/>
-          </p:cNvPicPr>
-          <p:nvPr/>
-        </p:nvPicPr>
-        <p:blipFill>
-          <a:blip r:embed="rId7">
-            <a:extLst/>
-          </a:blip>
-          <a:srcRect l="16692" t="0" r="9329" b="0"/>
-          <a:stretch>
-            <a:fillRect/>
-          </a:stretch>
-        </p:blipFill>
-        <p:spPr>
-          <a:xfrm>
             <a:off x="8845208" y="2052909"/>
             <a:ext cx="2547623" cy="2199104"/>
           </a:xfrm>
@@ -6792,19 +5181,21 @@
           </a:prstGeom>
           <a:ln w="12700">
             <a:miter lim="400000"/>
+            <a:headEnd/>
+            <a:tailEnd/>
           </a:ln>
         </p:spPr>
       </p:pic>
       <p:sp>
         <p:nvSpPr>
-          <p:cNvPr id="118" name="High standard of being an investment manager"/>
+          <p:cNvPr id="113" name="High standard of being an investment manager"/>
           <p:cNvSpPr txBox="1"/>
           <p:nvPr/>
         </p:nvSpPr>
         <p:spPr>
           <a:xfrm>
             <a:off x="440943" y="4459705"/>
-            <a:ext cx="2470151" cy="355601"/>
+            <a:ext cx="2612908" cy="533401"/>
           </a:xfrm>
           <a:prstGeom prst="rect">
             <a:avLst/>
@@ -6812,11 +5203,6 @@
           <a:ln w="12700">
             <a:miter lim="400000"/>
           </a:ln>
-          <a:extLst>
-            <a:ext uri="{C572A759-6A51-4108-AA02-DFA0A04FC94B}">
-              <ma14:wrappingTextBoxFlag xmlns:ma14="http://schemas.microsoft.com/office/mac/drawingml/2011/main" val="1"/>
-            </a:ext>
-          </a:extLst>
         </p:spPr>
         <p:txBody>
           <a:bodyPr lIns="0" tIns="0" rIns="0" bIns="0">
@@ -6824,11 +5210,11 @@
           </a:bodyPr>
           <a:lstStyle/>
           <a:p>
-            <a:pPr marL="195942" indent="-195942">
+            <a:pPr marL="196215" indent="-196215">
               <a:buSzPct val="100000"/>
-              <a:buFont typeface="Arial"/>
+              <a:buFont typeface="Arial" panose="020B0604020202090204"/>
               <a:buChar char="•"/>
-              <a:defRPr sz="1200">
+              <a:defRPr>
                 <a:solidFill>
                   <a:srgbClr val="535353"/>
                 </a:solidFill>
@@ -6839,33 +5225,21 @@
               </a:defRPr>
             </a:pPr>
             <a:r>
-              <a:t>High </a:t>
-            </a:r>
-            <a:r>
-              <a:t>standard</a:t>
-            </a:r>
-            <a:r>
-              <a:t> </a:t>
-            </a:r>
-            <a:r>
-              <a:t>of being </a:t>
-            </a:r>
-            <a:r>
-              <a:t>an investment manager</a:t>
+              <a:t>High standard of being an investment manager</a:t>
             </a:r>
           </a:p>
         </p:txBody>
       </p:sp>
       <p:sp>
         <p:nvSpPr>
-          <p:cNvPr id="119" name="Complicated vetting is needed for investors"/>
+          <p:cNvPr id="114" name="Complicated vetting is needed for investors"/>
           <p:cNvSpPr txBox="1"/>
           <p:nvPr/>
         </p:nvSpPr>
         <p:spPr>
           <a:xfrm>
-            <a:off x="3441826" y="4459705"/>
-            <a:ext cx="2300321" cy="355601"/>
+            <a:off x="3322058" y="4459705"/>
+            <a:ext cx="2547542" cy="533401"/>
           </a:xfrm>
           <a:prstGeom prst="rect">
             <a:avLst/>
@@ -6873,11 +5247,6 @@
           <a:ln w="12700">
             <a:miter lim="400000"/>
           </a:ln>
-          <a:extLst>
-            <a:ext uri="{C572A759-6A51-4108-AA02-DFA0A04FC94B}">
-              <ma14:wrappingTextBoxFlag xmlns:ma14="http://schemas.microsoft.com/office/mac/drawingml/2011/main" val="1"/>
-            </a:ext>
-          </a:extLst>
         </p:spPr>
         <p:txBody>
           <a:bodyPr lIns="0" tIns="0" rIns="0" bIns="0">
@@ -6885,11 +5254,11 @@
           </a:bodyPr>
           <a:lstStyle/>
           <a:p>
-            <a:pPr marL="195942" indent="-195942">
+            <a:pPr marL="196215" indent="-196215">
               <a:buSzPct val="100000"/>
-              <a:buFont typeface="Arial"/>
+              <a:buFont typeface="Arial" panose="020B0604020202090204"/>
               <a:buChar char="•"/>
-              <a:defRPr sz="1200">
+              <a:defRPr>
                 <a:solidFill>
                   <a:srgbClr val="535353"/>
                 </a:solidFill>
@@ -6900,33 +5269,21 @@
               </a:defRPr>
             </a:pPr>
             <a:r>
-              <a:t>C</a:t>
-            </a:r>
-            <a:r>
-              <a:t>ompl</a:t>
-            </a:r>
-            <a:r>
-              <a:t>icated </a:t>
-            </a:r>
-            <a:r>
-              <a:t>vetting </a:t>
-            </a:r>
-            <a:r>
-              <a:t>is needed for investors</a:t>
+              <a:t>Complicated vetting is needed for investors</a:t>
             </a:r>
           </a:p>
         </p:txBody>
       </p:sp>
       <p:sp>
         <p:nvSpPr>
-          <p:cNvPr id="120" name="Investors' money is in the hands of the investment company, so there is risk involved"/>
+          <p:cNvPr id="115" name="Investors' money is in the hands of the investment company, so there is risk involved"/>
           <p:cNvSpPr txBox="1"/>
           <p:nvPr/>
         </p:nvSpPr>
         <p:spPr>
           <a:xfrm>
-            <a:off x="6130122" y="4459705"/>
-            <a:ext cx="2470151" cy="533401"/>
+            <a:off x="6060664" y="4459705"/>
+            <a:ext cx="2612908" cy="1333501"/>
           </a:xfrm>
           <a:prstGeom prst="rect">
             <a:avLst/>
@@ -6934,11 +5291,6 @@
           <a:ln w="12700">
             <a:miter lim="400000"/>
           </a:ln>
-          <a:extLst>
-            <a:ext uri="{C572A759-6A51-4108-AA02-DFA0A04FC94B}">
-              <ma14:wrappingTextBoxFlag xmlns:ma14="http://schemas.microsoft.com/office/mac/drawingml/2011/main" val="1"/>
-            </a:ext>
-          </a:extLst>
         </p:spPr>
         <p:txBody>
           <a:bodyPr lIns="0" tIns="0" rIns="0" bIns="0">
@@ -6946,11 +5298,11 @@
           </a:bodyPr>
           <a:lstStyle/>
           <a:p>
-            <a:pPr marL="195942" indent="-195942">
+            <a:pPr marL="196215" indent="-196215">
               <a:buSzPct val="100000"/>
-              <a:buFont typeface="Arial"/>
+              <a:buFont typeface="Arial" panose="020B0604020202090204"/>
               <a:buChar char="•"/>
-              <a:defRPr sz="1200">
+              <a:defRPr>
                 <a:solidFill>
                   <a:srgbClr val="535353"/>
                 </a:solidFill>
@@ -6961,33 +5313,21 @@
               </a:defRPr>
             </a:pPr>
             <a:r>
-              <a:t>Investors' money is in the hands of the investment company</a:t>
-            </a:r>
-            <a:r>
-              <a:t>, so </a:t>
-            </a:r>
-            <a:r>
-              <a:t>the</a:t>
-            </a:r>
-            <a:r>
-              <a:t>re</a:t>
-            </a:r>
-            <a:r>
-              <a:t> is risk involved</a:t>
+              <a:t>Investors' money is in the hands of the investment company, so there is risk involved</a:t>
             </a:r>
           </a:p>
         </p:txBody>
       </p:sp>
       <p:sp>
         <p:nvSpPr>
-          <p:cNvPr id="121" name="The products in the portfolio are unknown"/>
+          <p:cNvPr id="116" name="The products in the portfolio are unknown"/>
           <p:cNvSpPr txBox="1"/>
           <p:nvPr/>
         </p:nvSpPr>
         <p:spPr>
           <a:xfrm>
             <a:off x="8864637" y="4459705"/>
-            <a:ext cx="2547541" cy="355601"/>
+            <a:ext cx="2547541" cy="533401"/>
           </a:xfrm>
           <a:prstGeom prst="rect">
             <a:avLst/>
@@ -6995,11 +5335,6 @@
           <a:ln w="12700">
             <a:miter lim="400000"/>
           </a:ln>
-          <a:extLst>
-            <a:ext uri="{C572A759-6A51-4108-AA02-DFA0A04FC94B}">
-              <ma14:wrappingTextBoxFlag xmlns:ma14="http://schemas.microsoft.com/office/mac/drawingml/2011/main" val="1"/>
-            </a:ext>
-          </a:extLst>
         </p:spPr>
         <p:txBody>
           <a:bodyPr lIns="0" tIns="0" rIns="0" bIns="0">
@@ -7007,11 +5342,11 @@
           </a:bodyPr>
           <a:lstStyle/>
           <a:p>
-            <a:pPr marL="195942" indent="-195942">
+            <a:pPr marL="196215" indent="-196215">
               <a:buSzPct val="100000"/>
-              <a:buFont typeface="Arial"/>
+              <a:buFont typeface="Arial" panose="020B0604020202090204"/>
               <a:buChar char="•"/>
-              <a:defRPr sz="1200">
+              <a:defRPr>
                 <a:solidFill>
                   <a:srgbClr val="535353"/>
                 </a:solidFill>
@@ -7022,40 +5357,7 @@
               </a:defRPr>
             </a:pPr>
             <a:r>
-              <a:t> </a:t>
-            </a:r>
-            <a:r>
-              <a:t>The </a:t>
-            </a:r>
-            <a:r>
-              <a:t>products</a:t>
-            </a:r>
-            <a:r>
-              <a:t> </a:t>
-            </a:r>
-            <a:r>
-              <a:t>in</a:t>
-            </a:r>
-            <a:r>
-              <a:t> </a:t>
-            </a:r>
-            <a:r>
-              <a:t>the</a:t>
-            </a:r>
-            <a:r>
-              <a:t> </a:t>
-            </a:r>
-            <a:r>
-              <a:t>portfolio</a:t>
-            </a:r>
-            <a:r>
-              <a:t> </a:t>
-            </a:r>
-            <a:r>
-              <a:t>are </a:t>
-            </a:r>
-            <a:r>
-              <a:t>unknown</a:t>
+              <a:t> The products in the portfolio are unknown</a:t>
             </a:r>
           </a:p>
         </p:txBody>
@@ -7065,12 +5367,12 @@
   <p:clrMapOvr>
     <a:masterClrMapping/>
   </p:clrMapOvr>
-  <p:transition xmlns:p14="http://schemas.microsoft.com/office/powerpoint/2010/main" spd="med" advClick="1"/>
+  <p:transition spd="med"/>
 </p:sld>
 </file>
 
 <file path=ppt/slides/slide4.xml><?xml version="1.0" encoding="utf-8"?>
-<p:sld xmlns:a="http://schemas.openxmlformats.org/drawingml/2006/main" xmlns:r="http://schemas.openxmlformats.org/officeDocument/2006/relationships" xmlns:p="http://schemas.openxmlformats.org/presentationml/2006/main" showMasterSp="1" showMasterPhAnim="1">
+<p:sld xmlns:a="http://schemas.openxmlformats.org/drawingml/2006/main" xmlns:r="http://schemas.openxmlformats.org/officeDocument/2006/relationships" xmlns:p="http://schemas.openxmlformats.org/presentationml/2006/main">
   <p:cSld>
     <p:spTree>
       <p:nvGrpSpPr>
@@ -7088,130 +5390,7 @@
       </p:grpSpPr>
       <p:sp>
         <p:nvSpPr>
-          <p:cNvPr id="123" name="内容占位符 2"/>
-          <p:cNvSpPr txBox="1"/>
-          <p:nvPr>
-            <p:ph type="body" idx="1"/>
-          </p:nvPr>
-        </p:nvSpPr>
-        <p:spPr>
-          <a:xfrm>
-            <a:off x="4588202" y="-4571249"/>
-            <a:ext cx="10515601" cy="4351339"/>
-          </a:xfrm>
-          <a:prstGeom prst="rect">
-            <a:avLst/>
-          </a:prstGeom>
-        </p:spPr>
-        <p:txBody>
-          <a:bodyPr/>
-          <a:lstStyle/>
-          <a:p>
-            <a:pPr>
-              <a:defRPr>
-                <a:latin typeface="+mj-lt"/>
-                <a:ea typeface="+mj-ea"/>
-                <a:cs typeface="+mj-cs"/>
-                <a:sym typeface="Helvetica"/>
-              </a:defRPr>
-            </a:pPr>
-            <a:r>
-              <a:t>1.Enzyme、Dhedge、TokenSets</a:t>
-            </a:r>
-          </a:p>
-          <a:p>
-            <a:pPr>
-              <a:defRPr>
-                <a:latin typeface="+mj-lt"/>
-                <a:ea typeface="+mj-ea"/>
-                <a:cs typeface="+mj-cs"/>
-                <a:sym typeface="Helvetica"/>
-              </a:defRPr>
-            </a:pPr>
-            <a:r>
-              <a:t>2.Extremely high gas costs </a:t>
-            </a:r>
-            <a:r>
-              <a:t>with</a:t>
-            </a:r>
-            <a:r>
-              <a:t> poor </a:t>
-            </a:r>
-            <a:r>
-              <a:t>using </a:t>
-            </a:r>
-            <a:r>
-              <a:t>experience</a:t>
-            </a:r>
-          </a:p>
-          <a:p>
-            <a:pPr>
-              <a:defRPr>
-                <a:latin typeface="+mj-lt"/>
-                <a:ea typeface="+mj-ea"/>
-                <a:cs typeface="+mj-cs"/>
-                <a:sym typeface="Helvetica"/>
-              </a:defRPr>
-            </a:pPr>
-            <a:r>
-              <a:t>3.</a:t>
-            </a:r>
-            <a:r>
-              <a:t>H</a:t>
-            </a:r>
-            <a:r>
-              <a:t>omogeneous </a:t>
-            </a:r>
-            <a:r>
-              <a:t>kinds</a:t>
-            </a:r>
-            <a:r>
-              <a:t> of investment</a:t>
-            </a:r>
-            <a:r>
-              <a:t>s </a:t>
-            </a:r>
-          </a:p>
-          <a:p>
-            <a:pPr>
-              <a:defRPr>
-                <a:latin typeface="+mj-lt"/>
-                <a:ea typeface="+mj-ea"/>
-                <a:cs typeface="+mj-cs"/>
-                <a:sym typeface="Helvetica"/>
-              </a:defRPr>
-            </a:pPr>
-            <a:r>
-              <a:t>4.Lack of interaction </a:t>
-            </a:r>
-            <a:r>
-              <a:t>and social intercourse </a:t>
-            </a:r>
-            <a:r>
-              <a:t>between</a:t>
-            </a:r>
-            <a:r>
-              <a:t> users</a:t>
-            </a:r>
-          </a:p>
-          <a:p>
-            <a:pPr>
-              <a:defRPr>
-                <a:latin typeface="+mj-lt"/>
-                <a:ea typeface="+mj-ea"/>
-                <a:cs typeface="+mj-cs"/>
-                <a:sym typeface="Helvetica"/>
-              </a:defRPr>
-            </a:pPr>
-            <a:r>
-              <a:t>5.Low Total Value Locked</a:t>
-            </a:r>
-          </a:p>
-        </p:txBody>
-      </p:sp>
-      <p:sp>
-        <p:nvSpPr>
-          <p:cNvPr id="124" name="Hertz"/>
+          <p:cNvPr id="118" name="Hertz"/>
           <p:cNvSpPr txBox="1"/>
           <p:nvPr/>
         </p:nvSpPr>
@@ -7226,11 +5405,6 @@
           <a:ln w="12700">
             <a:miter lim="400000"/>
           </a:ln>
-          <a:extLst>
-            <a:ext uri="{C572A759-6A51-4108-AA02-DFA0A04FC94B}">
-              <ma14:wrappingTextBoxFlag xmlns:ma14="http://schemas.microsoft.com/office/mac/drawingml/2011/main" val="1"/>
-            </a:ext>
-          </a:extLst>
         </p:spPr>
         <p:txBody>
           <a:bodyPr lIns="0" tIns="0" rIns="0" bIns="0">
@@ -7245,8 +5419,8 @@
               <a:defRPr sz="1400">
                 <a:solidFill>
                   <a:schemeClr val="accent2">
-                    <a:satOff val="-18194"/>
-                    <a:lumOff val="-11215"/>
+                    <a:satOff val="-18193"/>
+                    <a:lumOff val="-11214"/>
                   </a:schemeClr>
                 </a:solidFill>
                 <a:latin typeface="Clinton Bold"/>
@@ -7276,7 +5450,7 @@
       </p:sp>
       <p:sp>
         <p:nvSpPr>
-          <p:cNvPr id="125" name="Asset Management Platforms in Blockchain"/>
+          <p:cNvPr id="119" name="Asset Management Platforms in Blockchain"/>
           <p:cNvSpPr txBox="1"/>
           <p:nvPr/>
         </p:nvSpPr>
@@ -7291,11 +5465,6 @@
           <a:ln w="12700">
             <a:miter lim="400000"/>
           </a:ln>
-          <a:extLst>
-            <a:ext uri="{C572A759-6A51-4108-AA02-DFA0A04FC94B}">
-              <ma14:wrappingTextBoxFlag xmlns:ma14="http://schemas.microsoft.com/office/mac/drawingml/2011/main" val="1"/>
-            </a:ext>
-          </a:extLst>
         </p:spPr>
         <p:txBody>
           <a:bodyPr lIns="0" tIns="0" rIns="0" bIns="0">
@@ -7306,247 +5475,91 @@
               <a:lnSpc>
                 <a:spcPct val="90000"/>
               </a:lnSpc>
-              <a:defRPr b="1" sz="1900"/>
+              <a:defRPr sz="1900" b="1"/>
             </a:lvl1pPr>
           </a:lstStyle>
           <a:p>
-            <a:pPr/>
             <a:r>
               <a:t>Asset Management Platforms in Blockchain</a:t>
             </a:r>
-          </a:p>
-        </p:txBody>
-      </p:sp>
-      <p:sp>
-        <p:nvSpPr>
-          <p:cNvPr id="126" name="椭圆形"/>
-          <p:cNvSpPr/>
-          <p:nvPr/>
-        </p:nvSpPr>
-        <p:spPr>
-          <a:xfrm>
-            <a:off x="334281" y="-4016052"/>
-            <a:ext cx="2741097" cy="2628727"/>
-          </a:xfrm>
-          <a:prstGeom prst="ellipse">
-            <a:avLst/>
-          </a:prstGeom>
-          <a:solidFill>
-            <a:srgbClr val="70F5C2"/>
-          </a:solidFill>
-          <a:ln w="25400">
-            <a:solidFill>
-              <a:srgbClr val="70F5C2"/>
-            </a:solidFill>
-          </a:ln>
-        </p:spPr>
-        <p:txBody>
-          <a:bodyPr lIns="0" tIns="0" rIns="0" bIns="0"/>
-          <a:lstStyle/>
-          <a:p>
-            <a:pPr/>
-          </a:p>
-        </p:txBody>
-      </p:sp>
-      <p:sp>
-        <p:nvSpPr>
-          <p:cNvPr id="127" name="圆形"/>
-          <p:cNvSpPr/>
-          <p:nvPr/>
-        </p:nvSpPr>
-        <p:spPr>
-          <a:xfrm>
-            <a:off x="-78436" y="-3956276"/>
-            <a:ext cx="3296746" cy="3296745"/>
-          </a:xfrm>
-          <a:prstGeom prst="ellipse">
-            <a:avLst/>
-          </a:prstGeom>
-          <a:solidFill>
-            <a:srgbClr val="FFFFFF"/>
-          </a:solidFill>
-          <a:ln w="25400">
-            <a:solidFill>
-              <a:srgbClr val="A7A7A7"/>
-            </a:solidFill>
-          </a:ln>
-        </p:spPr>
-        <p:txBody>
-          <a:bodyPr lIns="0" tIns="0" rIns="0" bIns="0"/>
-          <a:lstStyle/>
-          <a:p>
-            <a:pPr/>
-          </a:p>
-        </p:txBody>
-      </p:sp>
-      <p:sp>
-        <p:nvSpPr>
-          <p:cNvPr id="128" name="椭圆形"/>
-          <p:cNvSpPr/>
-          <p:nvPr/>
-        </p:nvSpPr>
-        <p:spPr>
-          <a:xfrm>
-            <a:off x="-1109374" y="-3160978"/>
-            <a:ext cx="2741097" cy="2910730"/>
-          </a:xfrm>
-          <a:prstGeom prst="ellipse">
-            <a:avLst/>
-          </a:prstGeom>
-          <a:solidFill>
-            <a:srgbClr val="7A81FF"/>
-          </a:solidFill>
-          <a:ln w="25400">
-            <a:solidFill>
-              <a:srgbClr val="A7A7A7"/>
-            </a:solidFill>
-          </a:ln>
-        </p:spPr>
-        <p:txBody>
-          <a:bodyPr lIns="0" tIns="0" rIns="0" bIns="0"/>
-          <a:lstStyle/>
-          <a:p>
-            <a:pPr/>
           </a:p>
         </p:txBody>
       </p:sp>
       <p:pic>
         <p:nvPicPr>
-          <p:cNvPr id="129" name="coin-03.png" descr="coin-03.png"/>
+          <p:cNvPr id="120" name="图像" descr="图像"/>
           <p:cNvPicPr>
             <a:picLocks noChangeAspect="1"/>
           </p:cNvPicPr>
           <p:nvPr/>
         </p:nvPicPr>
         <p:blipFill>
-          <a:blip r:embed="rId2">
-            <a:extLst/>
-          </a:blip>
+          <a:blip r:embed="rId1"/>
           <a:stretch>
             <a:fillRect/>
           </a:stretch>
         </p:blipFill>
         <p:spPr>
           <a:xfrm>
-            <a:off x="4576294" y="6943277"/>
-            <a:ext cx="5880988" cy="1848016"/>
+            <a:off x="2662522" y="1563240"/>
+            <a:ext cx="2766498" cy="2766498"/>
           </a:xfrm>
           <a:prstGeom prst="rect">
             <a:avLst/>
           </a:prstGeom>
           <a:ln w="12700">
             <a:miter lim="400000"/>
+            <a:headEnd/>
+            <a:tailEnd/>
           </a:ln>
         </p:spPr>
       </p:pic>
-      <p:sp>
-        <p:nvSpPr>
-          <p:cNvPr id="130" name="圆形"/>
-          <p:cNvSpPr/>
-          <p:nvPr/>
-        </p:nvSpPr>
-        <p:spPr>
-          <a:xfrm>
-            <a:off x="-252308" y="-4678141"/>
-            <a:ext cx="3296745" cy="3296745"/>
-          </a:xfrm>
-          <a:prstGeom prst="ellipse">
-            <a:avLst/>
-          </a:prstGeom>
-          <a:solidFill>
-            <a:srgbClr val="FFFFFF"/>
-          </a:solidFill>
-          <a:ln w="25400">
-            <a:solidFill>
-              <a:srgbClr val="A7A7A7"/>
-            </a:solidFill>
-          </a:ln>
-        </p:spPr>
-        <p:txBody>
-          <a:bodyPr lIns="0" tIns="0" rIns="0" bIns="0"/>
-          <a:lstStyle/>
-          <a:p>
-            <a:pPr/>
-          </a:p>
-        </p:txBody>
-      </p:sp>
       <p:pic>
         <p:nvPicPr>
-          <p:cNvPr id="131" name="图像" descr="图像"/>
+          <p:cNvPr id="121" name="图像" descr="图像"/>
           <p:cNvPicPr>
             <a:picLocks noChangeAspect="1"/>
           </p:cNvPicPr>
           <p:nvPr/>
         </p:nvPicPr>
         <p:blipFill>
-          <a:blip r:embed="rId3">
-            <a:extLst/>
-          </a:blip>
+          <a:blip r:embed="rId2"/>
+          <a:srcRect r="81872"/>
           <a:stretch>
             <a:fillRect/>
           </a:stretch>
         </p:blipFill>
         <p:spPr>
           <a:xfrm>
-            <a:off x="2662522" y="1563240"/>
-            <a:ext cx="2766498" cy="2766498"/>
+            <a:off x="2024213" y="2186242"/>
+            <a:ext cx="1309351" cy="1445356"/>
           </a:xfrm>
           <a:prstGeom prst="rect">
             <a:avLst/>
           </a:prstGeom>
           <a:ln w="12700">
             <a:miter lim="400000"/>
+            <a:headEnd/>
+            <a:tailEnd/>
           </a:ln>
         </p:spPr>
       </p:pic>
       <p:pic>
         <p:nvPicPr>
-          <p:cNvPr id="132" name="图像" descr="图像"/>
+          <p:cNvPr id="122" name="图像" descr="图像"/>
           <p:cNvPicPr>
             <a:picLocks noChangeAspect="1"/>
           </p:cNvPicPr>
           <p:nvPr/>
         </p:nvPicPr>
         <p:blipFill>
-          <a:blip r:embed="rId4">
-            <a:extLst/>
-          </a:blip>
-          <a:srcRect l="0" t="0" r="81872" b="0"/>
+          <a:blip r:embed="rId3"/>
           <a:stretch>
             <a:fillRect/>
           </a:stretch>
         </p:blipFill>
         <p:spPr>
           <a:xfrm>
-            <a:off x="2024213" y="2186242"/>
-            <a:ext cx="1309351" cy="1445356"/>
-          </a:xfrm>
-          <a:prstGeom prst="rect">
-            <a:avLst/>
-          </a:prstGeom>
-          <a:ln w="12700">
-            <a:miter lim="400000"/>
-          </a:ln>
-        </p:spPr>
-      </p:pic>
-      <p:pic>
-        <p:nvPicPr>
-          <p:cNvPr id="133" name="图像" descr="图像"/>
-          <p:cNvPicPr>
-            <a:picLocks noChangeAspect="1"/>
-          </p:cNvPicPr>
-          <p:nvPr/>
-        </p:nvPicPr>
-        <p:blipFill>
-          <a:blip r:embed="rId5">
-            <a:extLst/>
-          </a:blip>
-          <a:stretch>
-            <a:fillRect/>
-          </a:stretch>
-        </p:blipFill>
-        <p:spPr>
-          <a:xfrm>
             <a:off x="511762" y="2291896"/>
             <a:ext cx="1309186" cy="1309186"/>
           </a:xfrm>
@@ -7555,12 +5568,14 @@
           </a:prstGeom>
           <a:ln w="12700">
             <a:miter lim="400000"/>
+            <a:headEnd/>
+            <a:tailEnd/>
           </a:ln>
         </p:spPr>
       </p:pic>
       <p:sp>
         <p:nvSpPr>
-          <p:cNvPr id="134" name="[Enzyme、Dhedge、TokenSets]"/>
+          <p:cNvPr id="123" name="[Enzyme、Dhedge、TokenSets]"/>
           <p:cNvSpPr txBox="1"/>
           <p:nvPr/>
         </p:nvSpPr>
@@ -7575,11 +5590,6 @@
           <a:ln w="12700">
             <a:miter lim="400000"/>
           </a:ln>
-          <a:extLst>
-            <a:ext uri="{C572A759-6A51-4108-AA02-DFA0A04FC94B}">
-              <ma14:wrappingTextBoxFlag xmlns:ma14="http://schemas.microsoft.com/office/mac/drawingml/2011/main" val="1"/>
-            </a:ext>
-          </a:extLst>
         </p:spPr>
         <p:txBody>
           <a:bodyPr wrap="none" lIns="0" tIns="0" rIns="0" bIns="0">
@@ -7591,7 +5601,6 @@
             </a:lvl1pPr>
           </a:lstStyle>
           <a:p>
-            <a:pPr/>
             <a:r>
               <a:t>[Enzyme、Dhedge、TokenSets]</a:t>
             </a:r>
@@ -7600,7 +5609,7 @@
       </p:sp>
       <p:sp>
         <p:nvSpPr>
-          <p:cNvPr id="135" name="Straight Connector 9"/>
+          <p:cNvPr id="124" name="Straight Connector 9"/>
           <p:cNvSpPr/>
           <p:nvPr/>
         </p:nvSpPr>
@@ -7636,7 +5645,7 @@
       </p:sp>
       <p:sp>
         <p:nvSpPr>
-          <p:cNvPr id="136" name="Homogeneous kinds of investments"/>
+          <p:cNvPr id="125" name="Homogeneous kinds of investments"/>
           <p:cNvSpPr txBox="1"/>
           <p:nvPr/>
         </p:nvSpPr>
@@ -7651,11 +5660,6 @@
           <a:ln w="12700">
             <a:miter lim="400000"/>
           </a:ln>
-          <a:extLst>
-            <a:ext uri="{C572A759-6A51-4108-AA02-DFA0A04FC94B}">
-              <ma14:wrappingTextBoxFlag xmlns:ma14="http://schemas.microsoft.com/office/mac/drawingml/2011/main" val="1"/>
-            </a:ext>
-          </a:extLst>
         </p:spPr>
         <p:txBody>
           <a:bodyPr wrap="none" lIns="0" tIns="0" rIns="0" bIns="0">
@@ -7667,15 +5671,14 @@
                 <a:spcPct val="150000"/>
               </a:lnSpc>
               <a:defRPr sz="2000">
-                <a:latin typeface="Arial"/>
-                <a:ea typeface="Arial"/>
-                <a:cs typeface="Arial"/>
-                <a:sym typeface="Arial"/>
+                <a:latin typeface="Arial" panose="020B0604020202090204"/>
+                <a:ea typeface="Arial" panose="020B0604020202090204"/>
+                <a:cs typeface="Arial" panose="020B0604020202090204"/>
+                <a:sym typeface="Arial" panose="020B0604020202090204"/>
               </a:defRPr>
             </a:lvl1pPr>
           </a:lstStyle>
           <a:p>
-            <a:pPr/>
             <a:r>
               <a:t>Homogeneous kinds of investments</a:t>
             </a:r>
@@ -7684,7 +5687,7 @@
       </p:sp>
       <p:sp>
         <p:nvSpPr>
-          <p:cNvPr id="137" name="Lack of interaction and social intercourse between users"/>
+          <p:cNvPr id="126" name="Lack of interaction and social intercourse between users"/>
           <p:cNvSpPr txBox="1"/>
           <p:nvPr/>
         </p:nvSpPr>
@@ -7699,11 +5702,6 @@
           <a:ln w="12700">
             <a:miter lim="400000"/>
           </a:ln>
-          <a:extLst>
-            <a:ext uri="{C572A759-6A51-4108-AA02-DFA0A04FC94B}">
-              <ma14:wrappingTextBoxFlag xmlns:ma14="http://schemas.microsoft.com/office/mac/drawingml/2011/main" val="1"/>
-            </a:ext>
-          </a:extLst>
         </p:spPr>
         <p:txBody>
           <a:bodyPr wrap="none" lIns="0" tIns="0" rIns="0" bIns="0">
@@ -7716,27 +5714,21 @@
                 <a:spcPct val="150000"/>
               </a:lnSpc>
               <a:defRPr sz="2000">
-                <a:latin typeface="Arial"/>
-                <a:ea typeface="Arial"/>
-                <a:cs typeface="Arial"/>
-                <a:sym typeface="Arial"/>
+                <a:latin typeface="Arial" panose="020B0604020202090204"/>
+                <a:ea typeface="Arial" panose="020B0604020202090204"/>
+                <a:cs typeface="Arial" panose="020B0604020202090204"/>
+                <a:sym typeface="Arial" panose="020B0604020202090204"/>
               </a:defRPr>
             </a:pPr>
             <a:r>
-              <a:t>Lack of interaction </a:t>
-            </a:r>
-            <a:r>
-              <a:t>and social intercourse </a:t>
-            </a:r>
-            <a:r>
-              <a:t>between users</a:t>
+              <a:t>Lack of interaction and social intercourse between users</a:t>
             </a:r>
           </a:p>
         </p:txBody>
       </p:sp>
       <p:sp>
         <p:nvSpPr>
-          <p:cNvPr id="138" name="Low Total Value Locked"/>
+          <p:cNvPr id="127" name="Low Total Value Locked"/>
           <p:cNvSpPr txBox="1"/>
           <p:nvPr/>
         </p:nvSpPr>
@@ -7751,11 +5743,6 @@
           <a:ln w="12700">
             <a:miter lim="400000"/>
           </a:ln>
-          <a:extLst>
-            <a:ext uri="{C572A759-6A51-4108-AA02-DFA0A04FC94B}">
-              <ma14:wrappingTextBoxFlag xmlns:ma14="http://schemas.microsoft.com/office/mac/drawingml/2011/main" val="1"/>
-            </a:ext>
-          </a:extLst>
         </p:spPr>
         <p:txBody>
           <a:bodyPr wrap="none" lIns="0" tIns="0" rIns="0" bIns="0">
@@ -7767,15 +5754,14 @@
                 <a:spcPct val="150000"/>
               </a:lnSpc>
               <a:defRPr sz="2000">
-                <a:latin typeface="Arial"/>
-                <a:ea typeface="Arial"/>
-                <a:cs typeface="Arial"/>
-                <a:sym typeface="Arial"/>
+                <a:latin typeface="Arial" panose="020B0604020202090204"/>
+                <a:ea typeface="Arial" panose="020B0604020202090204"/>
+                <a:cs typeface="Arial" panose="020B0604020202090204"/>
+                <a:sym typeface="Arial" panose="020B0604020202090204"/>
               </a:defRPr>
             </a:lvl1pPr>
           </a:lstStyle>
           <a:p>
-            <a:pPr/>
             <a:r>
               <a:t>Low Total Value Locked</a:t>
             </a:r>
@@ -7784,14 +5770,14 @@
       </p:sp>
       <p:sp>
         <p:nvSpPr>
-          <p:cNvPr id="139" name="Extremely high gas costs with poor using experience"/>
+          <p:cNvPr id="128" name="Extremely high gas costs with poor using experience"/>
           <p:cNvSpPr txBox="1"/>
           <p:nvPr/>
         </p:nvSpPr>
         <p:spPr>
           <a:xfrm>
             <a:off x="5187321" y="1977760"/>
-            <a:ext cx="5998816" cy="283792"/>
+            <a:ext cx="5739130" cy="461645"/>
           </a:xfrm>
           <a:prstGeom prst="rect">
             <a:avLst/>
@@ -7799,11 +5785,6 @@
           <a:ln w="12700">
             <a:miter lim="400000"/>
           </a:ln>
-          <a:extLst>
-            <a:ext uri="{C572A759-6A51-4108-AA02-DFA0A04FC94B}">
-              <ma14:wrappingTextBoxFlag xmlns:ma14="http://schemas.microsoft.com/office/mac/drawingml/2011/main" val="1"/>
-            </a:ext>
-          </a:extLst>
         </p:spPr>
         <p:txBody>
           <a:bodyPr wrap="none" lIns="0" tIns="0" rIns="0" bIns="0">
@@ -7816,20 +5797,21 @@
                 <a:spcPct val="150000"/>
               </a:lnSpc>
               <a:defRPr sz="2000">
-                <a:latin typeface="Arial"/>
-                <a:ea typeface="Arial"/>
-                <a:cs typeface="Arial"/>
-                <a:sym typeface="Arial"/>
+                <a:latin typeface="Arial" panose="020B0604020202090204"/>
+                <a:ea typeface="Arial" panose="020B0604020202090204"/>
+                <a:cs typeface="Arial" panose="020B0604020202090204"/>
+                <a:sym typeface="Arial" panose="020B0604020202090204"/>
               </a:defRPr>
             </a:pPr>
             <a:r>
-              <a:t>Extremely high gas costs </a:t>
-            </a:r>
-            <a:r>
-              <a:t>with</a:t>
-            </a:r>
-            <a:r>
-              <a:t> poor using experience </a:t>
+              <a:t>Extremely high gas </a:t>
+            </a:r>
+            <a:r>
+              <a:rPr lang="en-US"/>
+              <a:t>fee</a:t>
+            </a:r>
+            <a:r>
+              <a:t> with poor using experience </a:t>
             </a:r>
           </a:p>
         </p:txBody>
@@ -7839,12 +5821,12 @@
   <p:clrMapOvr>
     <a:masterClrMapping/>
   </p:clrMapOvr>
-  <p:transition xmlns:p14="http://schemas.microsoft.com/office/powerpoint/2010/main" spd="med" advClick="1"/>
+  <p:transition spd="med"/>
 </p:sld>
 </file>
 
 <file path=ppt/slides/slide5.xml><?xml version="1.0" encoding="utf-8"?>
-<p:sld xmlns:a="http://schemas.openxmlformats.org/drawingml/2006/main" xmlns:r="http://schemas.openxmlformats.org/officeDocument/2006/relationships" xmlns:p="http://schemas.openxmlformats.org/presentationml/2006/main" showMasterSp="1" showMasterPhAnim="1">
+<p:sld xmlns:a="http://schemas.openxmlformats.org/drawingml/2006/main" xmlns:r="http://schemas.openxmlformats.org/officeDocument/2006/relationships" xmlns:p="http://schemas.openxmlformats.org/presentationml/2006/main">
   <p:cSld>
     <p:spTree>
       <p:nvGrpSpPr>
@@ -7862,189 +5844,7 @@
       </p:grpSpPr>
       <p:sp>
         <p:nvSpPr>
-          <p:cNvPr id="141" name="矩形"/>
-          <p:cNvSpPr/>
-          <p:nvPr/>
-        </p:nvSpPr>
-        <p:spPr>
-          <a:xfrm>
-            <a:off x="180264" y="10957950"/>
-            <a:ext cx="10651044" cy="700602"/>
-          </a:xfrm>
-          <a:prstGeom prst="rect">
-            <a:avLst/>
-          </a:prstGeom>
-          <a:solidFill>
-            <a:srgbClr val="6AF6C1"/>
-          </a:solidFill>
-          <a:ln w="12700">
-            <a:miter lim="400000"/>
-          </a:ln>
-        </p:spPr>
-        <p:txBody>
-          <a:bodyPr lIns="0" tIns="0" rIns="0" bIns="0"/>
-          <a:lstStyle/>
-          <a:p>
-            <a:pPr>
-              <a:defRPr>
-                <a:solidFill>
-                  <a:srgbClr val="6AF6C1"/>
-                </a:solidFill>
-              </a:defRPr>
-            </a:pPr>
-          </a:p>
-        </p:txBody>
-      </p:sp>
-      <p:sp>
-        <p:nvSpPr>
-          <p:cNvPr id="142" name="矩形"/>
-          <p:cNvSpPr/>
-          <p:nvPr/>
-        </p:nvSpPr>
-        <p:spPr>
-          <a:xfrm>
-            <a:off x="1738130" y="9592158"/>
-            <a:ext cx="6462971" cy="700603"/>
-          </a:xfrm>
-          <a:prstGeom prst="rect">
-            <a:avLst/>
-          </a:prstGeom>
-          <a:solidFill>
-            <a:srgbClr val="6AF6C1"/>
-          </a:solidFill>
-          <a:ln w="12700">
-            <a:miter lim="400000"/>
-          </a:ln>
-        </p:spPr>
-        <p:txBody>
-          <a:bodyPr lIns="0" tIns="0" rIns="0" bIns="0"/>
-          <a:lstStyle/>
-          <a:p>
-            <a:pPr>
-              <a:defRPr>
-                <a:solidFill>
-                  <a:srgbClr val="6AF6C1"/>
-                </a:solidFill>
-              </a:defRPr>
-            </a:pPr>
-          </a:p>
-        </p:txBody>
-      </p:sp>
-      <p:sp>
-        <p:nvSpPr>
-          <p:cNvPr id="143" name="内容占位符 2"/>
-          <p:cNvSpPr txBox="1"/>
-          <p:nvPr>
-            <p:ph type="body" sz="half" idx="1"/>
-          </p:nvPr>
-        </p:nvSpPr>
-        <p:spPr>
-          <a:xfrm>
-            <a:off x="2484492" y="-2160492"/>
-            <a:ext cx="10515601" cy="2283587"/>
-          </a:xfrm>
-          <a:prstGeom prst="rect">
-            <a:avLst/>
-          </a:prstGeom>
-        </p:spPr>
-        <p:txBody>
-          <a:bodyPr/>
-          <a:lstStyle/>
-          <a:p>
-            <a:pPr>
-              <a:defRPr>
-                <a:latin typeface="+mj-lt"/>
-                <a:ea typeface="+mj-ea"/>
-                <a:cs typeface="+mj-cs"/>
-                <a:sym typeface="Helvetica"/>
-              </a:defRPr>
-            </a:pPr>
-            <a:r>
-              <a:t>1.</a:t>
-            </a:r>
-            <a:r>
-              <a:t> Provide new</a:t>
-            </a:r>
-            <a:r>
-              <a:t> investment </a:t>
-            </a:r>
-            <a:r>
-              <a:t>products</a:t>
-            </a:r>
-          </a:p>
-          <a:p>
-            <a:pPr>
-              <a:defRPr>
-                <a:latin typeface="+mj-lt"/>
-                <a:ea typeface="+mj-ea"/>
-                <a:cs typeface="+mj-cs"/>
-                <a:sym typeface="Helvetica"/>
-              </a:defRPr>
-            </a:pPr>
-            <a:r>
-              <a:t>2.</a:t>
-            </a:r>
-            <a:r>
-              <a:t> </a:t>
-            </a:r>
-            <a:r>
-              <a:t>Reduce gas costs and enhance us</a:t>
-            </a:r>
-            <a:r>
-              <a:t>ing</a:t>
-            </a:r>
-            <a:r>
-              <a:t> experience</a:t>
-            </a:r>
-          </a:p>
-          <a:p>
-            <a:pPr>
-              <a:defRPr>
-                <a:latin typeface="+mj-lt"/>
-                <a:ea typeface="+mj-ea"/>
-                <a:cs typeface="+mj-cs"/>
-                <a:sym typeface="Helvetica"/>
-              </a:defRPr>
-            </a:pPr>
-            <a:r>
-              <a:t>3.</a:t>
-            </a:r>
-            <a:r>
-              <a:t> Found</a:t>
-            </a:r>
-            <a:r>
-              <a:t> more play</a:t>
-            </a:r>
-            <a:r>
-              <a:t>ing methods</a:t>
-            </a:r>
-            <a:r>
-              <a:t>,</a:t>
-            </a:r>
-            <a:r>
-              <a:t> attract more</a:t>
-            </a:r>
-            <a:r>
-              <a:t> users and </a:t>
-            </a:r>
-            <a:r>
-              <a:t>highlight</a:t>
-            </a:r>
-            <a:r>
-              <a:t> </a:t>
-            </a:r>
-            <a:r>
-              <a:t>the </a:t>
-            </a:r>
-            <a:r>
-              <a:t>social intercourse </a:t>
-            </a:r>
-          </a:p>
-        </p:txBody>
-      </p:sp>
-      <p:sp>
-        <p:nvSpPr>
-          <p:cNvPr id="144" name="Hertz"/>
+          <p:cNvPr id="130" name="Hertz"/>
           <p:cNvSpPr txBox="1"/>
           <p:nvPr/>
         </p:nvSpPr>
@@ -8059,11 +5859,6 @@
           <a:ln w="12700">
             <a:miter lim="400000"/>
           </a:ln>
-          <a:extLst>
-            <a:ext uri="{C572A759-6A51-4108-AA02-DFA0A04FC94B}">
-              <ma14:wrappingTextBoxFlag xmlns:ma14="http://schemas.microsoft.com/office/mac/drawingml/2011/main" val="1"/>
-            </a:ext>
-          </a:extLst>
         </p:spPr>
         <p:txBody>
           <a:bodyPr lIns="0" tIns="0" rIns="0" bIns="0">
@@ -8078,8 +5873,8 @@
               <a:defRPr sz="1400">
                 <a:solidFill>
                   <a:schemeClr val="accent2">
-                    <a:satOff val="-18194"/>
-                    <a:lumOff val="-11215"/>
+                    <a:satOff val="-18193"/>
+                    <a:lumOff val="-11214"/>
                   </a:schemeClr>
                 </a:solidFill>
                 <a:latin typeface="Clinton Bold"/>
@@ -8109,14 +5904,14 @@
       </p:sp>
       <p:sp>
         <p:nvSpPr>
-          <p:cNvPr id="145" name="矩形"/>
+          <p:cNvPr id="131" name="矩形"/>
           <p:cNvSpPr/>
           <p:nvPr/>
         </p:nvSpPr>
         <p:spPr>
           <a:xfrm>
-            <a:off x="1488496" y="7987915"/>
-            <a:ext cx="2878551" cy="4121384"/>
+            <a:off x="1998857" y="8226366"/>
+            <a:ext cx="5941517" cy="700603"/>
           </a:xfrm>
           <a:prstGeom prst="rect">
             <a:avLst/>
@@ -8144,42 +5939,7 @@
       </p:sp>
       <p:sp>
         <p:nvSpPr>
-          <p:cNvPr id="146" name="矩形"/>
-          <p:cNvSpPr/>
-          <p:nvPr/>
-        </p:nvSpPr>
-        <p:spPr>
-          <a:xfrm>
-            <a:off x="1998857" y="8226366"/>
-            <a:ext cx="5941517" cy="700603"/>
-          </a:xfrm>
-          <a:prstGeom prst="rect">
-            <a:avLst/>
-          </a:prstGeom>
-          <a:solidFill>
-            <a:srgbClr val="6AF6C1"/>
-          </a:solidFill>
-          <a:ln w="12700">
-            <a:miter lim="400000"/>
-          </a:ln>
-        </p:spPr>
-        <p:txBody>
-          <a:bodyPr lIns="0" tIns="0" rIns="0" bIns="0"/>
-          <a:lstStyle/>
-          <a:p>
-            <a:pPr>
-              <a:defRPr>
-                <a:solidFill>
-                  <a:srgbClr val="6AF6C1"/>
-                </a:solidFill>
-              </a:defRPr>
-            </a:pPr>
-          </a:p>
-        </p:txBody>
-      </p:sp>
-      <p:sp>
-        <p:nvSpPr>
-          <p:cNvPr id="147" name="Issues need to be addressed"/>
+          <p:cNvPr id="132" name="Issues need to be addressed"/>
           <p:cNvSpPr txBox="1"/>
           <p:nvPr/>
         </p:nvSpPr>
@@ -8194,11 +5954,6 @@
           <a:ln w="12700">
             <a:miter lim="400000"/>
           </a:ln>
-          <a:extLst>
-            <a:ext uri="{C572A759-6A51-4108-AA02-DFA0A04FC94B}">
-              <ma14:wrappingTextBoxFlag xmlns:ma14="http://schemas.microsoft.com/office/mac/drawingml/2011/main" val="1"/>
-            </a:ext>
-          </a:extLst>
         </p:spPr>
         <p:txBody>
           <a:bodyPr lIns="0" tIns="0" rIns="0" bIns="0">
@@ -8209,11 +5964,10 @@
               <a:lnSpc>
                 <a:spcPct val="90000"/>
               </a:lnSpc>
-              <a:defRPr b="1" sz="1900"/>
+              <a:defRPr sz="1900" b="1"/>
             </a:lvl1pPr>
           </a:lstStyle>
           <a:p>
-            <a:pPr/>
             <a:r>
               <a:t>Issues need to be addressed</a:t>
             </a:r>
@@ -8222,49 +5976,14 @@
       </p:sp>
       <p:sp>
         <p:nvSpPr>
-          <p:cNvPr id="148" name="矩形"/>
-          <p:cNvSpPr/>
-          <p:nvPr/>
-        </p:nvSpPr>
-        <p:spPr>
-          <a:xfrm>
-            <a:off x="4301396" y="8144867"/>
-            <a:ext cx="2878551" cy="4121384"/>
-          </a:xfrm>
-          <a:prstGeom prst="rect">
-            <a:avLst/>
-          </a:prstGeom>
-          <a:solidFill>
-            <a:srgbClr val="6AF6C1"/>
-          </a:solidFill>
-          <a:ln w="12700">
-            <a:miter lim="400000"/>
-          </a:ln>
-        </p:spPr>
-        <p:txBody>
-          <a:bodyPr lIns="0" tIns="0" rIns="0" bIns="0"/>
-          <a:lstStyle/>
-          <a:p>
-            <a:pPr>
-              <a:defRPr>
-                <a:solidFill>
-                  <a:srgbClr val="6AF6C1"/>
-                </a:solidFill>
-              </a:defRPr>
-            </a:pPr>
-          </a:p>
-        </p:txBody>
-      </p:sp>
-      <p:sp>
-        <p:nvSpPr>
-          <p:cNvPr id="149" name="Reduce gas costs and enhance using experience"/>
+          <p:cNvPr id="133" name="Reduce gas costs and enhance using experience"/>
           <p:cNvSpPr txBox="1"/>
           <p:nvPr/>
         </p:nvSpPr>
         <p:spPr>
           <a:xfrm>
-            <a:off x="4527781" y="9383659"/>
-            <a:ext cx="1596929" cy="1117601"/>
+            <a:off x="3052165" y="2821226"/>
+            <a:ext cx="6898005" cy="400050"/>
           </a:xfrm>
           <a:prstGeom prst="rect">
             <a:avLst/>
@@ -8272,49 +5991,6 @@
           <a:ln w="12700">
             <a:miter lim="400000"/>
           </a:ln>
-          <a:extLst>
-            <a:ext uri="{C572A759-6A51-4108-AA02-DFA0A04FC94B}">
-              <ma14:wrappingTextBoxFlag xmlns:ma14="http://schemas.microsoft.com/office/mac/drawingml/2011/main" val="1"/>
-            </a:ext>
-          </a:extLst>
-        </p:spPr>
-        <p:txBody>
-          <a:bodyPr lIns="0" tIns="0" rIns="0" bIns="0">
-            <a:spAutoFit/>
-          </a:bodyPr>
-          <a:lstStyle>
-            <a:lvl1pPr algn="ctr"/>
-          </a:lstStyle>
-          <a:p>
-            <a:pPr/>
-            <a:r>
-              <a:t>Reduce gas costs and enhance using experience</a:t>
-            </a:r>
-          </a:p>
-        </p:txBody>
-      </p:sp>
-      <p:sp>
-        <p:nvSpPr>
-          <p:cNvPr id="150" name="Reduce gas costs and enhance using experience"/>
-          <p:cNvSpPr txBox="1"/>
-          <p:nvPr/>
-        </p:nvSpPr>
-        <p:spPr>
-          <a:xfrm>
-            <a:off x="2887689" y="2821226"/>
-            <a:ext cx="7226958" cy="393701"/>
-          </a:xfrm>
-          <a:prstGeom prst="rect">
-            <a:avLst/>
-          </a:prstGeom>
-          <a:ln w="12700">
-            <a:miter lim="400000"/>
-          </a:ln>
-          <a:extLst>
-            <a:ext uri="{C572A759-6A51-4108-AA02-DFA0A04FC94B}">
-              <ma14:wrappingTextBoxFlag xmlns:ma14="http://schemas.microsoft.com/office/mac/drawingml/2011/main" val="1"/>
-            </a:ext>
-          </a:extLst>
         </p:spPr>
         <p:txBody>
           <a:bodyPr wrap="none" lIns="0" tIns="0" rIns="0" bIns="0">
@@ -8326,16 +6002,22 @@
             </a:lvl1pPr>
           </a:lstStyle>
           <a:p>
-            <a:pPr/>
-            <a:r>
-              <a:t>Reduce gas costs and enhance using experience</a:t>
+            <a:r>
+              <a:t>Reduce gas </a:t>
+            </a:r>
+            <a:r>
+              <a:rPr lang="en-US"/>
+              <a:t>fee</a:t>
+            </a:r>
+            <a:r>
+              <a:t> and enhance using experience</a:t>
             </a:r>
           </a:p>
         </p:txBody>
       </p:sp>
       <p:sp>
         <p:nvSpPr>
-          <p:cNvPr id="151" name="Found more playing methods, attract more users and highlight the social intercourse"/>
+          <p:cNvPr id="134" name="Found more playing methods, attract more users and highlight the social intercourse"/>
           <p:cNvSpPr txBox="1"/>
           <p:nvPr/>
         </p:nvSpPr>
@@ -8350,11 +6032,6 @@
           <a:ln w="12700">
             <a:miter lim="400000"/>
           </a:ln>
-          <a:extLst>
-            <a:ext uri="{C572A759-6A51-4108-AA02-DFA0A04FC94B}">
-              <ma14:wrappingTextBoxFlag xmlns:ma14="http://schemas.microsoft.com/office/mac/drawingml/2011/main" val="1"/>
-            </a:ext>
-          </a:extLst>
         </p:spPr>
         <p:txBody>
           <a:bodyPr lIns="0" tIns="0" rIns="0" bIns="0">
@@ -8366,7 +6043,6 @@
             </a:lvl1pPr>
           </a:lstStyle>
           <a:p>
-            <a:pPr/>
             <a:r>
               <a:t>Found more playing methods, attract more users and highlight the social intercourse </a:t>
             </a:r>
@@ -8375,7 +6051,7 @@
       </p:sp>
       <p:grpSp>
         <p:nvGrpSpPr>
-          <p:cNvPr id="155" name="Group 39"/>
+          <p:cNvPr id="138" name="Group 39"/>
           <p:cNvGrpSpPr/>
           <p:nvPr/>
         </p:nvGrpSpPr>
@@ -8389,7 +6065,7 @@
         </p:grpSpPr>
         <p:sp>
           <p:nvSpPr>
-            <p:cNvPr id="152" name="Freeform 57"/>
+            <p:cNvPr id="135" name="Freeform 57"/>
             <p:cNvSpPr/>
             <p:nvPr/>
           </p:nvSpPr>
@@ -8418,7 +6094,7 @@
               </a:cxnLst>
               <a:rect l="0" t="0" r="r" b="b"/>
               <a:pathLst>
-                <a:path w="21600" h="21600" fill="norm" stroke="1" extrusionOk="0">
+                <a:path w="21600" h="21600" extrusionOk="0">
                   <a:moveTo>
                     <a:pt x="17280" y="4050"/>
                   </a:moveTo>
@@ -8742,7 +6418,7 @@
         </p:sp>
         <p:sp>
           <p:nvSpPr>
-            <p:cNvPr id="153" name="Freeform 58"/>
+            <p:cNvPr id="136" name="Freeform 58"/>
             <p:cNvSpPr/>
             <p:nvPr/>
           </p:nvSpPr>
@@ -8771,7 +6447,7 @@
               </a:cxnLst>
               <a:rect l="0" t="0" r="r" b="b"/>
               <a:pathLst>
-                <a:path w="21600" h="21600" fill="norm" stroke="1" extrusionOk="0">
+                <a:path w="21600" h="21600" extrusionOk="0">
                   <a:moveTo>
                     <a:pt x="17280" y="4050"/>
                   </a:moveTo>
@@ -9095,7 +6771,7 @@
         </p:sp>
         <p:sp>
           <p:nvSpPr>
-            <p:cNvPr id="154" name="Freeform 59"/>
+            <p:cNvPr id="137" name="Freeform 59"/>
             <p:cNvSpPr/>
             <p:nvPr/>
           </p:nvSpPr>
@@ -9124,7 +6800,7 @@
               </a:cxnLst>
               <a:rect l="0" t="0" r="r" b="b"/>
               <a:pathLst>
-                <a:path w="21600" h="21600" fill="norm" stroke="1" extrusionOk="0">
+                <a:path w="21600" h="21600" extrusionOk="0">
                   <a:moveTo>
                     <a:pt x="17280" y="12150"/>
                   </a:moveTo>
@@ -9449,7 +7125,7 @@
       </p:grpSp>
       <p:grpSp>
         <p:nvGrpSpPr>
-          <p:cNvPr id="158" name="Group 46"/>
+          <p:cNvPr id="141" name="Group 46"/>
           <p:cNvGrpSpPr/>
           <p:nvPr/>
         </p:nvGrpSpPr>
@@ -9463,7 +7139,7 @@
         </p:grpSpPr>
         <p:sp>
           <p:nvSpPr>
-            <p:cNvPr id="156" name="Freeform 31"/>
+            <p:cNvPr id="139" name="Freeform 31"/>
             <p:cNvSpPr/>
             <p:nvPr/>
           </p:nvSpPr>
@@ -9492,7 +7168,7 @@
               </a:cxnLst>
               <a:rect l="0" t="0" r="r" b="b"/>
               <a:pathLst>
-                <a:path w="20659" h="21600" fill="norm" stroke="1" extrusionOk="0">
+                <a:path w="20659" h="21600" extrusionOk="0">
                   <a:moveTo>
                     <a:pt x="15965" y="6075"/>
                   </a:moveTo>
@@ -9617,7 +7293,7 @@
         </p:sp>
         <p:sp>
           <p:nvSpPr>
-            <p:cNvPr id="157" name="Freeform 32"/>
+            <p:cNvPr id="140" name="Freeform 32"/>
             <p:cNvSpPr/>
             <p:nvPr/>
           </p:nvSpPr>
@@ -9646,7 +7322,7 @@
               </a:cxnLst>
               <a:rect l="0" t="0" r="r" b="b"/>
               <a:pathLst>
-                <a:path w="21236" h="21600" fill="norm" stroke="1" extrusionOk="0">
+                <a:path w="21236" h="21600" extrusionOk="0">
                   <a:moveTo>
                     <a:pt x="20842" y="5635"/>
                   </a:moveTo>
@@ -9816,7 +7492,7 @@
       </p:grpSp>
       <p:sp>
         <p:nvSpPr>
-          <p:cNvPr id="159" name="Freeform 60"/>
+          <p:cNvPr id="142" name="Freeform 60"/>
           <p:cNvSpPr/>
           <p:nvPr/>
         </p:nvSpPr>
@@ -9845,7 +7521,7 @@
             </a:cxnLst>
             <a:rect l="0" t="0" r="r" b="b"/>
             <a:pathLst>
-              <a:path w="21600" h="21600" fill="norm" stroke="1" extrusionOk="0">
+              <a:path w="21600" h="21600" extrusionOk="0">
                 <a:moveTo>
                   <a:pt x="21262" y="169"/>
                 </a:moveTo>
@@ -10028,7 +7704,7 @@
       </p:sp>
       <p:sp>
         <p:nvSpPr>
-          <p:cNvPr id="160" name="Provide new investment products"/>
+          <p:cNvPr id="143" name="Provide new investment products"/>
           <p:cNvSpPr txBox="1"/>
           <p:nvPr/>
         </p:nvSpPr>
@@ -10043,11 +7719,6 @@
           <a:ln w="12700">
             <a:miter lim="400000"/>
           </a:ln>
-          <a:extLst>
-            <a:ext uri="{C572A759-6A51-4108-AA02-DFA0A04FC94B}">
-              <ma14:wrappingTextBoxFlag xmlns:ma14="http://schemas.microsoft.com/office/mac/drawingml/2011/main" val="1"/>
-            </a:ext>
-          </a:extLst>
         </p:spPr>
         <p:txBody>
           <a:bodyPr wrap="none" lIns="0" tIns="0" rIns="0" bIns="0">
@@ -10059,7 +7730,6 @@
             </a:lvl1pPr>
           </a:lstStyle>
           <a:p>
-            <a:pPr/>
             <a:r>
               <a:t>Provide new investment products</a:t>
             </a:r>
@@ -10071,12 +7741,12 @@
   <p:clrMapOvr>
     <a:masterClrMapping/>
   </p:clrMapOvr>
-  <p:transition xmlns:p14="http://schemas.microsoft.com/office/powerpoint/2010/main" spd="med" advClick="1"/>
+  <p:transition spd="med"/>
 </p:sld>
 </file>
 
 <file path=ppt/slides/slide6.xml><?xml version="1.0" encoding="utf-8"?>
-<p:sld xmlns:a="http://schemas.openxmlformats.org/drawingml/2006/main" xmlns:r="http://schemas.openxmlformats.org/officeDocument/2006/relationships" xmlns:p="http://schemas.openxmlformats.org/presentationml/2006/main" showMasterSp="1" showMasterPhAnim="1">
+<p:sld xmlns:a="http://schemas.openxmlformats.org/drawingml/2006/main" xmlns:r="http://schemas.openxmlformats.org/officeDocument/2006/relationships" xmlns:p="http://schemas.openxmlformats.org/presentationml/2006/main">
   <p:cSld>
     <p:spTree>
       <p:nvGrpSpPr>
@@ -10094,252 +7764,7 @@
       </p:grpSpPr>
       <p:sp>
         <p:nvSpPr>
-          <p:cNvPr id="162" name="标题 1"/>
-          <p:cNvSpPr txBox="1"/>
-          <p:nvPr>
-            <p:ph type="title"/>
-          </p:nvPr>
-        </p:nvSpPr>
-        <p:spPr>
-          <a:xfrm>
-            <a:off x="653546" y="-2354316"/>
-            <a:ext cx="10515601" cy="1325564"/>
-          </a:xfrm>
-          <a:prstGeom prst="rect">
-            <a:avLst/>
-          </a:prstGeom>
-        </p:spPr>
-        <p:txBody>
-          <a:bodyPr/>
-          <a:lstStyle>
-            <a:lvl1pPr>
-              <a:defRPr>
-                <a:latin typeface="+mj-lt"/>
-                <a:ea typeface="+mj-ea"/>
-                <a:cs typeface="+mj-cs"/>
-                <a:sym typeface="Helvetica"/>
-              </a:defRPr>
-            </a:lvl1pPr>
-          </a:lstStyle>
-          <a:p>
-            <a:pPr/>
-            <a:r>
-              <a:t>Hertz</a:t>
-            </a:r>
-          </a:p>
-        </p:txBody>
-      </p:sp>
-      <p:sp>
-        <p:nvSpPr>
-          <p:cNvPr id="163" name="内容占位符 2"/>
-          <p:cNvSpPr txBox="1"/>
-          <p:nvPr>
-            <p:ph type="body" idx="1"/>
-          </p:nvPr>
-        </p:nvSpPr>
-        <p:spPr>
-          <a:xfrm>
-            <a:off x="4730473" y="-4780606"/>
-            <a:ext cx="10515601" cy="4351339"/>
-          </a:xfrm>
-          <a:prstGeom prst="rect">
-            <a:avLst/>
-          </a:prstGeom>
-        </p:spPr>
-        <p:txBody>
-          <a:bodyPr/>
-          <a:lstStyle/>
-          <a:p>
-            <a:pPr marL="205738" indent="-205738" defTabSz="822958">
-              <a:spcBef>
-                <a:spcPts val="900"/>
-              </a:spcBef>
-              <a:defRPr sz="2500">
-                <a:latin typeface="+mj-lt"/>
-                <a:ea typeface="+mj-ea"/>
-                <a:cs typeface="+mj-cs"/>
-                <a:sym typeface="Helvetica"/>
-              </a:defRPr>
-            </a:pPr>
-            <a:r>
-              <a:t>1.The l2 </a:t>
-            </a:r>
-            <a:r>
-              <a:t>asset</a:t>
-            </a:r>
-            <a:r>
-              <a:t> management platform deployed on MATIC</a:t>
-            </a:r>
-          </a:p>
-          <a:p>
-            <a:pPr marL="205738" indent="-205738" defTabSz="822958">
-              <a:spcBef>
-                <a:spcPts val="900"/>
-              </a:spcBef>
-              <a:defRPr sz="2500">
-                <a:latin typeface="+mj-lt"/>
-                <a:ea typeface="+mj-ea"/>
-                <a:cs typeface="+mj-cs"/>
-                <a:sym typeface="Helvetica"/>
-              </a:defRPr>
-            </a:pPr>
-            <a:r>
-              <a:t>2.</a:t>
-            </a:r>
-            <a:r>
-              <a:t>C</a:t>
-            </a:r>
-            <a:r>
-              <a:t>omposite assets </a:t>
-            </a:r>
-            <a:r>
-              <a:t>in</a:t>
-            </a:r>
-            <a:r>
-              <a:t> sushi100 and </a:t>
-            </a:r>
-            <a:r>
-              <a:t>S</a:t>
-            </a:r>
-            <a:r>
-              <a:t>ynthetix</a:t>
-            </a:r>
-            <a:r>
-              <a:t> is acceptable</a:t>
-            </a:r>
-          </a:p>
-          <a:p>
-            <a:pPr marL="205738" indent="-205738" defTabSz="822958">
-              <a:spcBef>
-                <a:spcPts val="900"/>
-              </a:spcBef>
-              <a:defRPr sz="2500">
-                <a:latin typeface="+mj-lt"/>
-                <a:ea typeface="+mj-ea"/>
-                <a:cs typeface="+mj-cs"/>
-                <a:sym typeface="Helvetica"/>
-              </a:defRPr>
-            </a:pPr>
-            <a:r>
-              <a:t>3.No entry barrier, but large investments</a:t>
-            </a:r>
-            <a:r>
-              <a:t> </a:t>
-            </a:r>
-            <a:r>
-              <a:t>need to be examined </a:t>
-            </a:r>
-          </a:p>
-          <a:p>
-            <a:pPr marL="205738" indent="-205738" defTabSz="822958">
-              <a:spcBef>
-                <a:spcPts val="900"/>
-              </a:spcBef>
-              <a:defRPr sz="2500">
-                <a:latin typeface="+mj-lt"/>
-                <a:ea typeface="+mj-ea"/>
-                <a:cs typeface="+mj-cs"/>
-                <a:sym typeface="Helvetica"/>
-              </a:defRPr>
-            </a:pPr>
-            <a:r>
-              <a:t>4.Secure, </a:t>
-            </a:r>
-            <a:r>
-              <a:t>price quoted using Chainlink </a:t>
-            </a:r>
-            <a:r>
-              <a:t>and all assets </a:t>
-            </a:r>
-            <a:r>
-              <a:t>are</a:t>
-            </a:r>
-            <a:r>
-              <a:t> </a:t>
-            </a:r>
-            <a:r>
-              <a:t>in trust</a:t>
-            </a:r>
-            <a:r>
-              <a:t> </a:t>
-            </a:r>
-            <a:r>
-              <a:t>to</a:t>
-            </a:r>
-            <a:r>
-              <a:t> smart contracts</a:t>
-            </a:r>
-          </a:p>
-          <a:p>
-            <a:pPr marL="205738" indent="-205738" defTabSz="822958">
-              <a:spcBef>
-                <a:spcPts val="900"/>
-              </a:spcBef>
-              <a:defRPr sz="2500">
-                <a:latin typeface="+mj-lt"/>
-                <a:ea typeface="+mj-ea"/>
-                <a:cs typeface="+mj-cs"/>
-                <a:sym typeface="Helvetica"/>
-              </a:defRPr>
-            </a:pPr>
-            <a:r>
-              <a:t>5.</a:t>
-            </a:r>
-            <a:r>
-              <a:t> </a:t>
-            </a:r>
-            <a:r>
-              <a:t>Multiple play</a:t>
-            </a:r>
-            <a:r>
-              <a:t>ing methods</a:t>
-            </a:r>
-            <a:r>
-              <a:t>, </a:t>
-            </a:r>
-            <a:r>
-              <a:rPr>
-                <a:solidFill>
-                  <a:srgbClr val="FF0000"/>
-                </a:solidFill>
-              </a:rPr>
-              <a:t>pledges, airdrops, IDO, governance voting, lottery</a:t>
-            </a:r>
-          </a:p>
-          <a:p>
-            <a:pPr marL="205738" indent="-205738" defTabSz="822958">
-              <a:spcBef>
-                <a:spcPts val="900"/>
-              </a:spcBef>
-              <a:defRPr sz="2500">
-                <a:latin typeface="+mj-lt"/>
-                <a:ea typeface="+mj-ea"/>
-                <a:cs typeface="+mj-cs"/>
-                <a:sym typeface="Helvetica"/>
-              </a:defRPr>
-            </a:pPr>
-          </a:p>
-          <a:p>
-            <a:pPr marL="205738" indent="-205738" defTabSz="822958">
-              <a:spcBef>
-                <a:spcPts val="900"/>
-              </a:spcBef>
-              <a:defRPr sz="2500">
-                <a:latin typeface="+mj-lt"/>
-                <a:ea typeface="+mj-ea"/>
-                <a:cs typeface="+mj-cs"/>
-                <a:sym typeface="Helvetica"/>
-              </a:defRPr>
-            </a:pPr>
-            <a:r>
-              <a:t>网页超链接</a:t>
-            </a:r>
-          </a:p>
-        </p:txBody>
-      </p:sp>
-      <p:sp>
-        <p:nvSpPr>
-          <p:cNvPr id="164" name="Hertz"/>
+          <p:cNvPr id="145" name="Hertz"/>
           <p:cNvSpPr txBox="1"/>
           <p:nvPr/>
         </p:nvSpPr>
@@ -10354,11 +7779,6 @@
           <a:ln w="12700">
             <a:miter lim="400000"/>
           </a:ln>
-          <a:extLst>
-            <a:ext uri="{C572A759-6A51-4108-AA02-DFA0A04FC94B}">
-              <ma14:wrappingTextBoxFlag xmlns:ma14="http://schemas.microsoft.com/office/mac/drawingml/2011/main" val="1"/>
-            </a:ext>
-          </a:extLst>
         </p:spPr>
         <p:txBody>
           <a:bodyPr lIns="0" tIns="0" rIns="0" bIns="0">
@@ -10373,8 +7793,8 @@
               <a:defRPr sz="1400">
                 <a:solidFill>
                   <a:schemeClr val="accent2">
-                    <a:satOff val="-18194"/>
-                    <a:lumOff val="-11215"/>
+                    <a:satOff val="-18193"/>
+                    <a:lumOff val="-11214"/>
                   </a:schemeClr>
                 </a:solidFill>
                 <a:latin typeface="Clinton Bold"/>
@@ -10404,38 +7824,7 @@
       </p:sp>
       <p:sp>
         <p:nvSpPr>
-          <p:cNvPr id="165" name="正方形"/>
-          <p:cNvSpPr/>
-          <p:nvPr/>
-        </p:nvSpPr>
-        <p:spPr>
-          <a:xfrm>
-            <a:off x="3669978" y="-1501283"/>
-            <a:ext cx="1270001" cy="1270001"/>
-          </a:xfrm>
-          <a:prstGeom prst="rect">
-            <a:avLst/>
-          </a:prstGeom>
-          <a:solidFill>
-            <a:srgbClr val="FFFFFF"/>
-          </a:solidFill>
-          <a:ln w="25400">
-            <a:solidFill>
-              <a:schemeClr val="accent1"/>
-            </a:solidFill>
-          </a:ln>
-        </p:spPr>
-        <p:txBody>
-          <a:bodyPr lIns="0" tIns="0" rIns="0" bIns="0"/>
-          <a:lstStyle/>
-          <a:p>
-            <a:pPr/>
-          </a:p>
-        </p:txBody>
-      </p:sp>
-      <p:sp>
-        <p:nvSpPr>
-          <p:cNvPr id="166" name="The l2 asset management platform deployed on MATIC"/>
+          <p:cNvPr id="146" name="The l2 asset management platform deployed on MATIC"/>
           <p:cNvSpPr/>
           <p:nvPr/>
         </p:nvSpPr>
@@ -10453,11 +7842,6 @@
           <a:ln w="12700">
             <a:miter lim="400000"/>
           </a:ln>
-          <a:extLst>
-            <a:ext uri="{C572A759-6A51-4108-AA02-DFA0A04FC94B}">
-              <ma14:wrappingTextBoxFlag xmlns:ma14="http://schemas.microsoft.com/office/mac/drawingml/2011/main" val="1"/>
-            </a:ext>
-          </a:extLst>
         </p:spPr>
         <p:txBody>
           <a:bodyPr lIns="0" tIns="0" rIns="0" bIns="0"/>
@@ -10482,7 +7866,7 @@
       </p:sp>
       <p:sp>
         <p:nvSpPr>
-          <p:cNvPr id="167" name="Composite assets in sushi100 and Synthetix is acceptable"/>
+          <p:cNvPr id="147" name="Composite assets in sushi100 and Synthetix is acceptable"/>
           <p:cNvSpPr/>
           <p:nvPr/>
         </p:nvSpPr>
@@ -10500,11 +7884,6 @@
           <a:ln w="12700">
             <a:miter lim="400000"/>
           </a:ln>
-          <a:extLst>
-            <a:ext uri="{C572A759-6A51-4108-AA02-DFA0A04FC94B}">
-              <ma14:wrappingTextBoxFlag xmlns:ma14="http://schemas.microsoft.com/office/mac/drawingml/2011/main" val="1"/>
-            </a:ext>
-          </a:extLst>
         </p:spPr>
         <p:txBody>
           <a:bodyPr lIns="0" tIns="0" rIns="0" bIns="0"/>
@@ -10522,32 +7901,14 @@
               <a:defRPr b="1"/>
             </a:pPr>
             <a:r>
-              <a:t>C</a:t>
-            </a:r>
-            <a:r>
-              <a:t>omposite assets </a:t>
-            </a:r>
-            <a:r>
-              <a:t>in</a:t>
-            </a:r>
-            <a:r>
-              <a:t> sushi100 and </a:t>
-            </a:r>
-            <a:r>
-              <a:t>S</a:t>
-            </a:r>
-            <a:r>
-              <a:t>ynthetix</a:t>
-            </a:r>
-            <a:r>
-              <a:t> is acceptable</a:t>
+              <a:t>Composite assets in sushi100 and Synthetix is acceptable</a:t>
             </a:r>
           </a:p>
         </p:txBody>
       </p:sp>
       <p:sp>
         <p:nvSpPr>
-          <p:cNvPr id="168" name="No entry barrier, but large investments need to be examined"/>
+          <p:cNvPr id="148" name="No entry barrier, but large investments need to be examined"/>
           <p:cNvSpPr/>
           <p:nvPr/>
         </p:nvSpPr>
@@ -10565,11 +7926,6 @@
           <a:ln w="12700">
             <a:miter lim="400000"/>
           </a:ln>
-          <a:extLst>
-            <a:ext uri="{C572A759-6A51-4108-AA02-DFA0A04FC94B}">
-              <ma14:wrappingTextBoxFlag xmlns:ma14="http://schemas.microsoft.com/office/mac/drawingml/2011/main" val="1"/>
-            </a:ext>
-          </a:extLst>
         </p:spPr>
         <p:txBody>
           <a:bodyPr lIns="0" tIns="0" rIns="0" bIns="0"/>
@@ -10587,20 +7943,14 @@
               <a:defRPr b="1"/>
             </a:pPr>
             <a:r>
-              <a:t>No entry barrier, but large investments</a:t>
-            </a:r>
-            <a:r>
-              <a:t> </a:t>
-            </a:r>
-            <a:r>
-              <a:t>need to be examined </a:t>
+              <a:t>No entry barrier, but large investments need to be examined </a:t>
             </a:r>
           </a:p>
         </p:txBody>
       </p:sp>
       <p:sp>
         <p:nvSpPr>
-          <p:cNvPr id="169" name="Secure, price quoted using Chainlink and all assets are in trust to smart contracts"/>
+          <p:cNvPr id="149" name="Secure, price quoted using Chainlink and all assets are in trust to smart contracts"/>
           <p:cNvSpPr/>
           <p:nvPr/>
         </p:nvSpPr>
@@ -10618,11 +7968,6 @@
           <a:ln w="12700">
             <a:miter lim="400000"/>
           </a:ln>
-          <a:extLst>
-            <a:ext uri="{C572A759-6A51-4108-AA02-DFA0A04FC94B}">
-              <ma14:wrappingTextBoxFlag xmlns:ma14="http://schemas.microsoft.com/office/mac/drawingml/2011/main" val="1"/>
-            </a:ext>
-          </a:extLst>
         </p:spPr>
         <p:txBody>
           <a:bodyPr lIns="0" tIns="0" rIns="0" bIns="0"/>
@@ -10640,41 +7985,14 @@
               <a:defRPr b="1"/>
             </a:pPr>
             <a:r>
-              <a:t> </a:t>
-            </a:r>
-            <a:r>
-              <a:t>Secure, </a:t>
-            </a:r>
-            <a:r>
-              <a:t>price quoted using Chainlink </a:t>
-            </a:r>
-            <a:r>
-              <a:t>and all assets </a:t>
-            </a:r>
-            <a:r>
-              <a:t>are</a:t>
-            </a:r>
-            <a:r>
-              <a:t> </a:t>
-            </a:r>
-            <a:r>
-              <a:t>in trust</a:t>
-            </a:r>
-            <a:r>
-              <a:t> </a:t>
-            </a:r>
-            <a:r>
-              <a:t>to</a:t>
-            </a:r>
-            <a:r>
-              <a:t> smart contracts</a:t>
+              <a:t> Secure, price quoted using Chainlink and all assets are in trust to smart contracts</a:t>
             </a:r>
           </a:p>
         </p:txBody>
       </p:sp>
       <p:sp>
         <p:nvSpPr>
-          <p:cNvPr id="170" name="Multiple playing methods, pledges, airdrops, IDO, governance voting, lottery"/>
+          <p:cNvPr id="150" name="Multiple playing methods, pledges, airdrops, IDO, governance voting, lottery"/>
           <p:cNvSpPr/>
           <p:nvPr/>
         </p:nvSpPr>
@@ -10692,11 +8010,6 @@
           <a:ln w="12700">
             <a:miter lim="400000"/>
           </a:ln>
-          <a:extLst>
-            <a:ext uri="{C572A759-6A51-4108-AA02-DFA0A04FC94B}">
-              <ma14:wrappingTextBoxFlag xmlns:ma14="http://schemas.microsoft.com/office/mac/drawingml/2011/main" val="1"/>
-            </a:ext>
-          </a:extLst>
         </p:spPr>
         <p:txBody>
           <a:bodyPr lIns="0" tIns="0" rIns="0" bIns="0"/>
@@ -10714,32 +8027,21 @@
               <a:defRPr b="1"/>
             </a:pPr>
             <a:r>
-              <a:t> </a:t>
-            </a:r>
-            <a:r>
-              <a:t>Multiple play</a:t>
-            </a:r>
-            <a:r>
-              <a:t>ing methods</a:t>
-            </a:r>
-            <a:r>
-              <a:t>, pledges, airdrops, IDO, governance voting, lottery</a:t>
+              <a:t> Multiple playing methods, pledges, airdrops, IDO, governance voting, lottery</a:t>
             </a:r>
           </a:p>
         </p:txBody>
       </p:sp>
       <p:pic>
         <p:nvPicPr>
-          <p:cNvPr id="171" name="coin-04.png" descr="coin-04.png"/>
+          <p:cNvPr id="151" name="coin-04.png" descr="coin-04.png"/>
           <p:cNvPicPr>
             <a:picLocks noChangeAspect="1"/>
           </p:cNvPicPr>
           <p:nvPr/>
         </p:nvPicPr>
         <p:blipFill>
-          <a:blip r:embed="rId2">
-            <a:extLst/>
-          </a:blip>
+          <a:blip r:embed="rId1"/>
           <a:stretch>
             <a:fillRect/>
           </a:stretch>
@@ -10754,12 +8056,14 @@
           </a:prstGeom>
           <a:ln w="12700">
             <a:miter lim="400000"/>
+            <a:headEnd/>
+            <a:tailEnd/>
           </a:ln>
         </p:spPr>
       </p:pic>
       <p:sp>
         <p:nvSpPr>
-          <p:cNvPr id="172" name="https://hertzfinance.github.io/hertz-dapp/#/"/>
+          <p:cNvPr id="152" name="https://hertzfinance.github.io/hertz-dapp/#/"/>
           <p:cNvSpPr txBox="1"/>
           <p:nvPr/>
         </p:nvSpPr>
@@ -10774,11 +8078,6 @@
           <a:ln w="12700">
             <a:miter lim="400000"/>
           </a:ln>
-          <a:extLst>
-            <a:ext uri="{C572A759-6A51-4108-AA02-DFA0A04FC94B}">
-              <ma14:wrappingTextBoxFlag xmlns:ma14="http://schemas.microsoft.com/office/mac/drawingml/2011/main" val="1"/>
-            </a:ext>
-          </a:extLst>
         </p:spPr>
         <p:txBody>
           <a:bodyPr wrap="none" lIns="0" tIns="0" rIns="0" bIns="0">
@@ -10786,7 +8085,6 @@
           </a:bodyPr>
           <a:lstStyle/>
           <a:p>
-            <a:pPr/>
             <a:r>
               <a:t>https://hertzfinance.github.io/hertz-dapp/#/</a:t>
             </a:r>
@@ -10798,12 +8096,12 @@
   <p:clrMapOvr>
     <a:masterClrMapping/>
   </p:clrMapOvr>
-  <p:transition xmlns:p14="http://schemas.microsoft.com/office/powerpoint/2010/main" spd="med" advClick="1"/>
+  <p:transition spd="med"/>
 </p:sld>
 </file>
 
 <file path=ppt/slides/slide7.xml><?xml version="1.0" encoding="utf-8"?>
-<p:sld xmlns:a="http://schemas.openxmlformats.org/drawingml/2006/main" xmlns:r="http://schemas.openxmlformats.org/officeDocument/2006/relationships" xmlns:p="http://schemas.openxmlformats.org/presentationml/2006/main" showMasterSp="1" showMasterPhAnim="1">
+<p:sld xmlns:a="http://schemas.openxmlformats.org/drawingml/2006/main" xmlns:r="http://schemas.openxmlformats.org/officeDocument/2006/relationships" xmlns:p="http://schemas.openxmlformats.org/presentationml/2006/main">
   <p:cSld>
     <p:spTree>
       <p:nvGrpSpPr>
@@ -10821,220 +8119,7 @@
       </p:grpSpPr>
       <p:sp>
         <p:nvSpPr>
-          <p:cNvPr id="174" name="矩形"/>
-          <p:cNvSpPr/>
-          <p:nvPr/>
-        </p:nvSpPr>
-        <p:spPr>
-          <a:xfrm>
-            <a:off x="7225588" y="7324802"/>
-            <a:ext cx="4634744" cy="2242655"/>
-          </a:xfrm>
-          <a:prstGeom prst="rect">
-            <a:avLst/>
-          </a:prstGeom>
-          <a:solidFill>
-            <a:srgbClr val="27E5CC"/>
-          </a:solidFill>
-          <a:ln w="12700">
-            <a:miter lim="400000"/>
-          </a:ln>
-          <a:extLst>
-            <a:ext uri="{C572A759-6A51-4108-AA02-DFA0A04FC94B}">
-              <ma14:wrappingTextBoxFlag xmlns:ma14="http://schemas.microsoft.com/office/mac/drawingml/2011/main" val="1"/>
-            </a:ext>
-          </a:extLst>
-        </p:spPr>
-        <p:txBody>
-          <a:bodyPr lIns="0" tIns="0" rIns="0" bIns="0"/>
-          <a:lstStyle/>
-          <a:p>
-            <a:pPr algn="ctr"/>
-          </a:p>
-          <a:p>
-            <a:pPr algn="ctr">
-              <a:defRPr b="1"/>
-            </a:pPr>
-          </a:p>
-        </p:txBody>
-      </p:sp>
-      <p:sp>
-        <p:nvSpPr>
-          <p:cNvPr id="175" name="矩形"/>
-          <p:cNvSpPr/>
-          <p:nvPr/>
-        </p:nvSpPr>
-        <p:spPr>
-          <a:xfrm>
-            <a:off x="1616282" y="7324802"/>
-            <a:ext cx="4634744" cy="2242655"/>
-          </a:xfrm>
-          <a:prstGeom prst="rect">
-            <a:avLst/>
-          </a:prstGeom>
-          <a:solidFill>
-            <a:srgbClr val="7B84FC"/>
-          </a:solidFill>
-          <a:ln w="12700">
-            <a:miter lim="400000"/>
-          </a:ln>
-          <a:extLst>
-            <a:ext uri="{C572A759-6A51-4108-AA02-DFA0A04FC94B}">
-              <ma14:wrappingTextBoxFlag xmlns:ma14="http://schemas.microsoft.com/office/mac/drawingml/2011/main" val="1"/>
-            </a:ext>
-          </a:extLst>
-        </p:spPr>
-        <p:txBody>
-          <a:bodyPr lIns="0" tIns="0" rIns="0" bIns="0"/>
-          <a:lstStyle/>
-          <a:p>
-            <a:pPr algn="ctr"/>
-          </a:p>
-          <a:p>
-            <a:pPr algn="ctr">
-              <a:defRPr b="1"/>
-            </a:pPr>
-          </a:p>
-        </p:txBody>
-      </p:sp>
-      <p:sp>
-        <p:nvSpPr>
-          <p:cNvPr id="176" name="内容占位符 2"/>
-          <p:cNvSpPr txBox="1"/>
-          <p:nvPr>
-            <p:ph type="body" idx="1"/>
-          </p:nvPr>
-        </p:nvSpPr>
-        <p:spPr>
-          <a:xfrm>
-            <a:off x="3777599" y="-4803919"/>
-            <a:ext cx="10515601" cy="4351339"/>
-          </a:xfrm>
-          <a:prstGeom prst="rect">
-            <a:avLst/>
-          </a:prstGeom>
-        </p:spPr>
-        <p:txBody>
-          <a:bodyPr/>
-          <a:lstStyle/>
-          <a:p>
-            <a:pPr marL="226313" indent="-226313" defTabSz="905255">
-              <a:spcBef>
-                <a:spcPts val="900"/>
-              </a:spcBef>
-              <a:defRPr sz="2700">
-                <a:latin typeface="+mj-lt"/>
-                <a:ea typeface="+mj-ea"/>
-                <a:cs typeface="+mj-cs"/>
-                <a:sym typeface="Helvetica"/>
-              </a:defRPr>
-            </a:pPr>
-            <a:r>
-              <a:t>Rosonance is a portfolio created by the investment manager on the platform. There will be two divisions</a:t>
-            </a:r>
-            <a:r>
-              <a:rPr>
-                <a:latin typeface="+mn-lt"/>
-                <a:ea typeface="+mn-ea"/>
-                <a:cs typeface="+mn-cs"/>
-                <a:sym typeface="Calibri"/>
-              </a:rPr>
-              <a:t>：</a:t>
-            </a:r>
-          </a:p>
-          <a:p>
-            <a:pPr marL="226313" indent="-226313" defTabSz="905255">
-              <a:spcBef>
-                <a:spcPts val="900"/>
-              </a:spcBef>
-              <a:defRPr sz="2700">
-                <a:latin typeface="+mj-lt"/>
-                <a:ea typeface="+mj-ea"/>
-                <a:cs typeface="+mj-cs"/>
-                <a:sym typeface="Helvetica"/>
-              </a:defRPr>
-            </a:pPr>
-          </a:p>
-          <a:p>
-            <a:pPr marL="226313" indent="-226313" defTabSz="905255">
-              <a:spcBef>
-                <a:spcPts val="900"/>
-              </a:spcBef>
-              <a:defRPr sz="2700">
-                <a:latin typeface="+mj-lt"/>
-                <a:ea typeface="+mj-ea"/>
-                <a:cs typeface="+mj-cs"/>
-                <a:sym typeface="Helvetica"/>
-              </a:defRPr>
-            </a:pPr>
-            <a:r>
-              <a:t>The first division is a no-threshold portfolio with a maximum of $300,000</a:t>
-            </a:r>
-            <a:r>
-              <a:t> </a:t>
-            </a:r>
-            <a:r>
-              <a:t>to invest. </a:t>
-            </a:r>
-          </a:p>
-          <a:p>
-            <a:pPr marL="226313" indent="-226313" defTabSz="905255">
-              <a:spcBef>
-                <a:spcPts val="900"/>
-              </a:spcBef>
-              <a:defRPr sz="2700">
-                <a:latin typeface="+mj-lt"/>
-                <a:ea typeface="+mj-ea"/>
-                <a:cs typeface="+mj-cs"/>
-                <a:sym typeface="Helvetica"/>
-              </a:defRPr>
-            </a:pPr>
-            <a:r>
-              <a:t>The second </a:t>
-            </a:r>
-            <a:r>
-              <a:t>division</a:t>
-            </a:r>
-            <a:r>
-              <a:t> is a Gold zone </a:t>
-            </a:r>
-            <a:r>
-              <a:t>verified by Hertz-team, </a:t>
-            </a:r>
-            <a:r>
-              <a:t>with</a:t>
-            </a:r>
-            <a:r>
-              <a:t>out</a:t>
-            </a:r>
-            <a:r>
-              <a:t> investment cap</a:t>
-            </a:r>
-          </a:p>
-          <a:p>
-            <a:pPr marL="226313" indent="-226313" defTabSz="905255">
-              <a:spcBef>
-                <a:spcPts val="900"/>
-              </a:spcBef>
-              <a:defRPr sz="2700">
-                <a:latin typeface="+mj-lt"/>
-                <a:ea typeface="+mj-ea"/>
-                <a:cs typeface="+mj-cs"/>
-                <a:sym typeface="Helvetica"/>
-              </a:defRPr>
-            </a:pPr>
-            <a:r>
-              <a:t>Each Rosonance has a posting board where investors can communicate with each other and meet</a:t>
-            </a:r>
-            <a:r>
-              <a:t> the same-class investors</a:t>
-            </a:r>
-          </a:p>
-        </p:txBody>
-      </p:sp>
-      <p:sp>
-        <p:nvSpPr>
-          <p:cNvPr id="177" name="Hertz"/>
+          <p:cNvPr id="154" name="Hertz"/>
           <p:cNvSpPr txBox="1"/>
           <p:nvPr/>
         </p:nvSpPr>
@@ -11049,11 +8134,6 @@
           <a:ln w="12700">
             <a:miter lim="400000"/>
           </a:ln>
-          <a:extLst>
-            <a:ext uri="{C572A759-6A51-4108-AA02-DFA0A04FC94B}">
-              <ma14:wrappingTextBoxFlag xmlns:ma14="http://schemas.microsoft.com/office/mac/drawingml/2011/main" val="1"/>
-            </a:ext>
-          </a:extLst>
         </p:spPr>
         <p:txBody>
           <a:bodyPr lIns="0" tIns="0" rIns="0" bIns="0">
@@ -11068,8 +8148,8 @@
               <a:defRPr sz="1400">
                 <a:solidFill>
                   <a:schemeClr val="accent2">
-                    <a:satOff val="-18194"/>
-                    <a:lumOff val="-11215"/>
+                    <a:satOff val="-18193"/>
+                    <a:lumOff val="-11214"/>
                   </a:schemeClr>
                 </a:solidFill>
                 <a:latin typeface="Clinton Bold"/>
@@ -11099,38 +8179,7 @@
       </p:sp>
       <p:sp>
         <p:nvSpPr>
-          <p:cNvPr id="178" name="正方形"/>
-          <p:cNvSpPr/>
-          <p:nvPr/>
-        </p:nvSpPr>
-        <p:spPr>
-          <a:xfrm>
-            <a:off x="2229962" y="7811129"/>
-            <a:ext cx="1270001" cy="1270001"/>
-          </a:xfrm>
-          <a:prstGeom prst="rect">
-            <a:avLst/>
-          </a:prstGeom>
-          <a:solidFill>
-            <a:srgbClr val="FFFFFF"/>
-          </a:solidFill>
-          <a:ln w="25400">
-            <a:solidFill>
-              <a:schemeClr val="accent1"/>
-            </a:solidFill>
-          </a:ln>
-        </p:spPr>
-        <p:txBody>
-          <a:bodyPr lIns="0" tIns="0" rIns="0" bIns="0"/>
-          <a:lstStyle/>
-          <a:p>
-            <a:pPr/>
-          </a:p>
-        </p:txBody>
-      </p:sp>
-      <p:sp>
-        <p:nvSpPr>
-          <p:cNvPr id="179" name="Rosonance is a portfolio created by the investment manager on the platform."/>
+          <p:cNvPr id="155" name="Resonance is a portfolio created by the investment manager on the platform."/>
           <p:cNvSpPr txBox="1"/>
           <p:nvPr/>
         </p:nvSpPr>
@@ -11145,11 +8194,6 @@
           <a:ln w="12700">
             <a:miter lim="400000"/>
           </a:ln>
-          <a:extLst>
-            <a:ext uri="{C572A759-6A51-4108-AA02-DFA0A04FC94B}">
-              <ma14:wrappingTextBoxFlag xmlns:ma14="http://schemas.microsoft.com/office/mac/drawingml/2011/main" val="1"/>
-            </a:ext>
-          </a:extLst>
         </p:spPr>
         <p:txBody>
           <a:bodyPr lIns="0" tIns="0" rIns="0" bIns="0">
@@ -11161,8 +8205,8 @@
               <a:defRPr sz="1700"/>
             </a:pPr>
             <a:r>
-              <a:rPr b="1" sz="3000"/>
-              <a:t>Rosonance is a portfolio created by the investment manager on the platform.</a:t>
+              <a:rPr sz="3000" b="1"/>
+              <a:t>Resonance is a portfolio created by the investment manager on the platform.</a:t>
             </a:r>
             <a:r>
               <a:t> </a:t>
@@ -11172,7 +8216,7 @@
       </p:sp>
       <p:sp>
         <p:nvSpPr>
-          <p:cNvPr id="180" name="The first division is a no-threshold portfolio with a maximum of $300,000 to invest."/>
+          <p:cNvPr id="156" name="The first division is a no-threshold portfolio with a maximum of $300,000 to invest."/>
           <p:cNvSpPr txBox="1"/>
           <p:nvPr/>
         </p:nvSpPr>
@@ -11187,11 +8231,6 @@
           <a:ln w="12700">
             <a:miter lim="400000"/>
           </a:ln>
-          <a:extLst>
-            <a:ext uri="{C572A759-6A51-4108-AA02-DFA0A04FC94B}">
-              <ma14:wrappingTextBoxFlag xmlns:ma14="http://schemas.microsoft.com/office/mac/drawingml/2011/main" val="1"/>
-            </a:ext>
-          </a:extLst>
         </p:spPr>
         <p:txBody>
           <a:bodyPr lIns="0" tIns="0" rIns="0" bIns="0">
@@ -11203,7 +8242,6 @@
             </a:lvl1pPr>
           </a:lstStyle>
           <a:p>
-            <a:pPr/>
             <a:r>
               <a:t>The first division is a no-threshold portfolio with a maximum of $300,000 to invest. </a:t>
             </a:r>
@@ -11212,7 +8250,7 @@
       </p:sp>
       <p:sp>
         <p:nvSpPr>
-          <p:cNvPr id="181" name="The second division is a Gold zone verified by Hertz-team, without investment cap"/>
+          <p:cNvPr id="157" name="The second division is a Gold zone verified by Hertz-team, without investment cap"/>
           <p:cNvSpPr txBox="1"/>
           <p:nvPr/>
         </p:nvSpPr>
@@ -11227,11 +8265,6 @@
           <a:ln w="12700">
             <a:miter lim="400000"/>
           </a:ln>
-          <a:extLst>
-            <a:ext uri="{C572A759-6A51-4108-AA02-DFA0A04FC94B}">
-              <ma14:wrappingTextBoxFlag xmlns:ma14="http://schemas.microsoft.com/office/mac/drawingml/2011/main" val="1"/>
-            </a:ext>
-          </a:extLst>
         </p:spPr>
         <p:txBody>
           <a:bodyPr lIns="0" tIns="0" rIns="0" bIns="0">
@@ -11243,7 +8276,6 @@
             </a:lvl1pPr>
           </a:lstStyle>
           <a:p>
-            <a:pPr/>
             <a:r>
               <a:t>The second division is a Gold zone verified by Hertz-team, without investment cap</a:t>
             </a:r>
@@ -11252,7 +8284,7 @@
       </p:sp>
       <p:sp>
         <p:nvSpPr>
-          <p:cNvPr id="182" name="Each Rosonance has a posting board where investors can communicate with each other and meet the same-class investors"/>
+          <p:cNvPr id="158" name="Each Rosonance has a posting board where investors can communicate with each other and meet the same-class investors"/>
           <p:cNvSpPr txBox="1"/>
           <p:nvPr/>
         </p:nvSpPr>
@@ -11267,11 +8299,6 @@
           <a:ln w="12700">
             <a:miter lim="400000"/>
           </a:ln>
-          <a:extLst>
-            <a:ext uri="{C572A759-6A51-4108-AA02-DFA0A04FC94B}">
-              <ma14:wrappingTextBoxFlag xmlns:ma14="http://schemas.microsoft.com/office/mac/drawingml/2011/main" val="1"/>
-            </a:ext>
-          </a:extLst>
         </p:spPr>
         <p:txBody>
           <a:bodyPr lIns="0" tIns="0" rIns="0" bIns="0">
@@ -11283,7 +8310,6 @@
             </a:lvl1pPr>
           </a:lstStyle>
           <a:p>
-            <a:pPr/>
             <a:r>
               <a:t>Each Rosonance has a posting board where investors can communicate with each other and meet the same-class investors</a:t>
             </a:r>
@@ -11295,12 +8321,12 @@
   <p:clrMapOvr>
     <a:masterClrMapping/>
   </p:clrMapOvr>
-  <p:transition xmlns:p14="http://schemas.microsoft.com/office/powerpoint/2010/main" spd="med" advClick="1"/>
+  <p:transition spd="med"/>
 </p:sld>
 </file>
 
 <file path=ppt/slides/slide8.xml><?xml version="1.0" encoding="utf-8"?>
-<p:sld xmlns:a="http://schemas.openxmlformats.org/drawingml/2006/main" xmlns:r="http://schemas.openxmlformats.org/officeDocument/2006/relationships" xmlns:p="http://schemas.openxmlformats.org/presentationml/2006/main" showMasterSp="1" showMasterPhAnim="1">
+<p:sld xmlns:a="http://schemas.openxmlformats.org/drawingml/2006/main" xmlns:r="http://schemas.openxmlformats.org/officeDocument/2006/relationships" xmlns:p="http://schemas.openxmlformats.org/presentationml/2006/main">
   <p:cSld>
     <p:spTree>
       <p:nvGrpSpPr>
@@ -11318,7 +8344,7 @@
       </p:grpSpPr>
       <p:sp>
         <p:nvSpPr>
-          <p:cNvPr id="184" name="内容占位符 2"/>
+          <p:cNvPr id="160" name="内容占位符 2"/>
           <p:cNvSpPr txBox="1"/>
           <p:nvPr>
             <p:ph type="body" idx="1"/>
@@ -11349,10 +8375,7 @@
               </a:defRPr>
             </a:pPr>
             <a:r>
-              <a:t>Users are free to create a portfolio without any </a:t>
-            </a:r>
-            <a:r>
-              <a:t>threshold</a:t>
+              <a:t>Users are free to create a portfolio without any threshold</a:t>
             </a:r>
           </a:p>
           <a:p>
@@ -11368,13 +8391,7 @@
               </a:defRPr>
             </a:pPr>
             <a:r>
-              <a:t>Select a maximum of 10 investments </a:t>
-            </a:r>
-            <a:r>
-              <a:t>and set the ratio </a:t>
-            </a:r>
-            <a:r>
-              <a:t>randomly </a:t>
+              <a:t>Select a maximum of 10 investments and set the ratio randomly </a:t>
             </a:r>
           </a:p>
           <a:p>
@@ -11411,25 +8428,7 @@
               </a:defRPr>
             </a:pPr>
             <a:r>
-              <a:t>Customi</a:t>
-            </a:r>
-            <a:r>
-              <a:t>z</a:t>
-            </a:r>
-            <a:r>
-              <a:t>ed charg</a:t>
-            </a:r>
-            <a:r>
-              <a:t>e</a:t>
-            </a:r>
-            <a:r>
-              <a:t> f</a:t>
-            </a:r>
-            <a:r>
-              <a:t>or</a:t>
-            </a:r>
-            <a:r>
-              <a:t> management fees, profit fees, access fees</a:t>
+              <a:t>Customized charge for management fees, profit fees, access fees</a:t>
             </a:r>
           </a:p>
           <a:p>
@@ -11452,7 +8451,7 @@
       </p:sp>
       <p:sp>
         <p:nvSpPr>
-          <p:cNvPr id="185" name="Hertz"/>
+          <p:cNvPr id="161" name="Hertz"/>
           <p:cNvSpPr txBox="1"/>
           <p:nvPr/>
         </p:nvSpPr>
@@ -11467,11 +8466,6 @@
           <a:ln w="12700">
             <a:miter lim="400000"/>
           </a:ln>
-          <a:extLst>
-            <a:ext uri="{C572A759-6A51-4108-AA02-DFA0A04FC94B}">
-              <ma14:wrappingTextBoxFlag xmlns:ma14="http://schemas.microsoft.com/office/mac/drawingml/2011/main" val="1"/>
-            </a:ext>
-          </a:extLst>
         </p:spPr>
         <p:txBody>
           <a:bodyPr lIns="0" tIns="0" rIns="0" bIns="0">
@@ -11486,8 +8480,8 @@
               <a:defRPr sz="1400">
                 <a:solidFill>
                   <a:schemeClr val="accent2">
-                    <a:satOff val="-18194"/>
-                    <a:lumOff val="-11215"/>
+                    <a:satOff val="-18193"/>
+                    <a:lumOff val="-11214"/>
                   </a:schemeClr>
                 </a:solidFill>
                 <a:latin typeface="Clinton Bold"/>
@@ -11517,7 +8511,7 @@
       </p:sp>
       <p:sp>
         <p:nvSpPr>
-          <p:cNvPr id="186" name="Investment Manager"/>
+          <p:cNvPr id="162" name="Investment Manager"/>
           <p:cNvSpPr txBox="1"/>
           <p:nvPr/>
         </p:nvSpPr>
@@ -11532,11 +8526,6 @@
           <a:ln w="12700">
             <a:miter lim="400000"/>
           </a:ln>
-          <a:extLst>
-            <a:ext uri="{C572A759-6A51-4108-AA02-DFA0A04FC94B}">
-              <ma14:wrappingTextBoxFlag xmlns:ma14="http://schemas.microsoft.com/office/mac/drawingml/2011/main" val="1"/>
-            </a:ext>
-          </a:extLst>
         </p:spPr>
         <p:txBody>
           <a:bodyPr lIns="0" tIns="0" rIns="0" bIns="0">
@@ -11547,11 +8536,10 @@
               <a:lnSpc>
                 <a:spcPct val="90000"/>
               </a:lnSpc>
-              <a:defRPr b="1" sz="2400"/>
+              <a:defRPr sz="2400" b="1"/>
             </a:lvl1pPr>
           </a:lstStyle>
           <a:p>
-            <a:pPr/>
             <a:r>
               <a:t>Investment Manager</a:t>
             </a:r>
@@ -11560,16 +8548,14 @@
       </p:sp>
       <p:pic>
         <p:nvPicPr>
-          <p:cNvPr id="187" name="management.png" descr="management.png"/>
+          <p:cNvPr id="163" name="management.png" descr="management.png"/>
           <p:cNvPicPr>
             <a:picLocks noChangeAspect="1"/>
           </p:cNvPicPr>
           <p:nvPr/>
         </p:nvPicPr>
         <p:blipFill>
-          <a:blip r:embed="rId2">
-            <a:extLst/>
-          </a:blip>
+          <a:blip r:embed="rId1"/>
           <a:stretch>
             <a:fillRect/>
           </a:stretch>
@@ -11584,6 +8570,8 @@
           </a:prstGeom>
           <a:ln w="12700">
             <a:miter lim="400000"/>
+            <a:headEnd/>
+            <a:tailEnd/>
           </a:ln>
         </p:spPr>
       </p:pic>
@@ -11592,12 +8580,12 @@
   <p:clrMapOvr>
     <a:masterClrMapping/>
   </p:clrMapOvr>
-  <p:transition xmlns:p14="http://schemas.microsoft.com/office/powerpoint/2010/main" spd="med" advClick="1"/>
+  <p:transition spd="med"/>
 </p:sld>
 </file>
 
 <file path=ppt/slides/slide9.xml><?xml version="1.0" encoding="utf-8"?>
-<p:sld xmlns:a="http://schemas.openxmlformats.org/drawingml/2006/main" xmlns:r="http://schemas.openxmlformats.org/officeDocument/2006/relationships" xmlns:p="http://schemas.openxmlformats.org/presentationml/2006/main" showMasterSp="1" showMasterPhAnim="1">
+<p:sld xmlns:a="http://schemas.openxmlformats.org/drawingml/2006/main" xmlns:r="http://schemas.openxmlformats.org/officeDocument/2006/relationships" xmlns:p="http://schemas.openxmlformats.org/presentationml/2006/main">
   <p:cSld>
     <p:spTree>
       <p:nvGrpSpPr>
@@ -11615,7 +8603,7 @@
       </p:grpSpPr>
       <p:sp>
         <p:nvSpPr>
-          <p:cNvPr id="189" name="内容占位符 2"/>
+          <p:cNvPr id="165" name="内容占位符 2"/>
           <p:cNvSpPr txBox="1"/>
           <p:nvPr>
             <p:ph type="body" sz="half" idx="1"/>
@@ -11646,10 +8634,7 @@
               </a:defRPr>
             </a:pPr>
             <a:r>
-              <a:t>Able to see the historical performance of the </a:t>
-            </a:r>
-            <a:r>
-              <a:t>investment manager</a:t>
+              <a:t>Able to see the historical performance of the investment manager</a:t>
             </a:r>
           </a:p>
           <a:p>
@@ -11681,19 +8666,7 @@
               </a:defRPr>
             </a:pPr>
             <a:r>
-              <a:t>Charge fees of fund managers and a 2% </a:t>
-            </a:r>
-            <a:r>
-              <a:t>serv</a:t>
-            </a:r>
-            <a:r>
-              <a:t>i</a:t>
-            </a:r>
-            <a:r>
-              <a:t>ce</a:t>
-            </a:r>
-            <a:r>
-              <a:t> fee</a:t>
+              <a:t>Charge fees of fund managers and a 2% service fee</a:t>
             </a:r>
           </a:p>
           <a:p>
@@ -11732,7 +8705,7 @@
       </p:sp>
       <p:sp>
         <p:nvSpPr>
-          <p:cNvPr id="190" name="Investors"/>
+          <p:cNvPr id="166" name="Investors"/>
           <p:cNvSpPr txBox="1"/>
           <p:nvPr/>
         </p:nvSpPr>
@@ -11747,11 +8720,6 @@
           <a:ln w="12700">
             <a:miter lim="400000"/>
           </a:ln>
-          <a:extLst>
-            <a:ext uri="{C572A759-6A51-4108-AA02-DFA0A04FC94B}">
-              <ma14:wrappingTextBoxFlag xmlns:ma14="http://schemas.microsoft.com/office/mac/drawingml/2011/main" val="1"/>
-            </a:ext>
-          </a:extLst>
         </p:spPr>
         <p:txBody>
           <a:bodyPr lIns="0" tIns="0" rIns="0" bIns="0">
@@ -11762,11 +8730,10 @@
               <a:lnSpc>
                 <a:spcPct val="90000"/>
               </a:lnSpc>
-              <a:defRPr b="1" sz="2400"/>
+              <a:defRPr sz="2400" b="1"/>
             </a:lvl1pPr>
           </a:lstStyle>
           <a:p>
-            <a:pPr/>
             <a:r>
               <a:t>Investors</a:t>
             </a:r>
@@ -11775,7 +8742,7 @@
       </p:sp>
       <p:sp>
         <p:nvSpPr>
-          <p:cNvPr id="191" name="Hertz"/>
+          <p:cNvPr id="167" name="Hertz"/>
           <p:cNvSpPr txBox="1"/>
           <p:nvPr/>
         </p:nvSpPr>
@@ -11790,11 +8757,6 @@
           <a:ln w="12700">
             <a:miter lim="400000"/>
           </a:ln>
-          <a:extLst>
-            <a:ext uri="{C572A759-6A51-4108-AA02-DFA0A04FC94B}">
-              <ma14:wrappingTextBoxFlag xmlns:ma14="http://schemas.microsoft.com/office/mac/drawingml/2011/main" val="1"/>
-            </a:ext>
-          </a:extLst>
         </p:spPr>
         <p:txBody>
           <a:bodyPr lIns="0" tIns="0" rIns="0" bIns="0">
@@ -11809,8 +8771,8 @@
               <a:defRPr sz="1400">
                 <a:solidFill>
                   <a:schemeClr val="accent2">
-                    <a:satOff val="-18194"/>
-                    <a:lumOff val="-11215"/>
+                    <a:satOff val="-18193"/>
+                    <a:lumOff val="-11214"/>
                   </a:schemeClr>
                 </a:solidFill>
                 <a:latin typeface="Clinton Bold"/>
@@ -11840,16 +8802,14 @@
       </p:sp>
       <p:pic>
         <p:nvPicPr>
-          <p:cNvPr id="192" name="user (1).png" descr="user (1).png"/>
+          <p:cNvPr id="168" name="user (1).png" descr="user (1).png"/>
           <p:cNvPicPr>
             <a:picLocks noChangeAspect="1"/>
           </p:cNvPicPr>
           <p:nvPr/>
         </p:nvPicPr>
         <p:blipFill>
-          <a:blip r:embed="rId2">
-            <a:extLst/>
-          </a:blip>
+          <a:blip r:embed="rId1"/>
           <a:stretch>
             <a:fillRect/>
           </a:stretch>
@@ -11864,167 +8824,22 @@
           </a:prstGeom>
           <a:ln w="12700">
             <a:miter lim="400000"/>
+            <a:headEnd/>
+            <a:tailEnd/>
           </a:ln>
         </p:spPr>
       </p:pic>
-      <p:sp>
-        <p:nvSpPr>
-          <p:cNvPr id="193" name="内容占位符 2"/>
-          <p:cNvSpPr txBox="1"/>
-          <p:nvPr/>
-        </p:nvSpPr>
-        <p:spPr>
-          <a:xfrm>
-            <a:off x="2849975" y="-2806616"/>
-            <a:ext cx="8292822" cy="4351338"/>
-          </a:xfrm>
-          <a:prstGeom prst="rect">
-            <a:avLst/>
-          </a:prstGeom>
-          <a:ln w="12700">
-            <a:miter lim="400000"/>
-          </a:ln>
-          <a:extLst>
-            <a:ext uri="{C572A759-6A51-4108-AA02-DFA0A04FC94B}">
-              <ma14:wrappingTextBoxFlag xmlns:ma14="http://schemas.microsoft.com/office/mac/drawingml/2011/main" val="1"/>
-            </a:ext>
-          </a:extLst>
-        </p:spPr>
-        <p:txBody>
-          <a:bodyPr lIns="45718" tIns="45718" rIns="45718" bIns="45718">
-            <a:normAutofit fontScale="100000" lnSpcReduction="0"/>
-          </a:bodyPr>
-          <a:lstStyle/>
-          <a:p>
-            <a:pPr marL="228600" indent="-228600">
-              <a:lnSpc>
-                <a:spcPct val="150000"/>
-              </a:lnSpc>
-              <a:spcBef>
-                <a:spcPts val="1000"/>
-              </a:spcBef>
-              <a:buSzPct val="100000"/>
-              <a:buFont typeface="Arial"/>
-              <a:buChar char="•"/>
-              <a:defRPr sz="1900"/>
-            </a:pPr>
-            <a:r>
-              <a:t>Users are free to create a portfolio without any </a:t>
-            </a:r>
-            <a:r>
-              <a:t>threshold</a:t>
-            </a:r>
-          </a:p>
-          <a:p>
-            <a:pPr marL="228600" indent="-228600">
-              <a:lnSpc>
-                <a:spcPct val="150000"/>
-              </a:lnSpc>
-              <a:spcBef>
-                <a:spcPts val="1000"/>
-              </a:spcBef>
-              <a:buSzPct val="100000"/>
-              <a:buFont typeface="Arial"/>
-              <a:buChar char="•"/>
-              <a:defRPr sz="1900"/>
-            </a:pPr>
-            <a:r>
-              <a:t>Select a maximum of 10 investments </a:t>
-            </a:r>
-            <a:r>
-              <a:t>and set the ratio </a:t>
-            </a:r>
-            <a:r>
-              <a:t>randomly </a:t>
-            </a:r>
-          </a:p>
-          <a:p>
-            <a:pPr marL="228600" indent="-228600">
-              <a:lnSpc>
-                <a:spcPct val="120000"/>
-              </a:lnSpc>
-              <a:spcBef>
-                <a:spcPts val="1000"/>
-              </a:spcBef>
-              <a:buSzPct val="100000"/>
-              <a:buFont typeface="Arial"/>
-              <a:buChar char="•"/>
-              <a:defRPr sz="1900"/>
-            </a:pPr>
-            <a:r>
-              <a:t>The investment manager needs to link his/her personal Twitter </a:t>
-            </a:r>
-            <a:r>
-              <a:rPr b="1"/>
-              <a:t>and supplement your social watchlist</a:t>
-            </a:r>
-            <a:endParaRPr b="1"/>
-          </a:p>
-          <a:p>
-            <a:pPr marL="228600" indent="-228600">
-              <a:lnSpc>
-                <a:spcPct val="150000"/>
-              </a:lnSpc>
-              <a:spcBef>
-                <a:spcPts val="1000"/>
-              </a:spcBef>
-              <a:buSzPct val="100000"/>
-              <a:buFont typeface="Arial"/>
-              <a:buChar char="•"/>
-              <a:defRPr sz="1900"/>
-            </a:pPr>
-            <a:r>
-              <a:t>Customi</a:t>
-            </a:r>
-            <a:r>
-              <a:t>z</a:t>
-            </a:r>
-            <a:r>
-              <a:t>ed charg</a:t>
-            </a:r>
-            <a:r>
-              <a:t>e</a:t>
-            </a:r>
-            <a:r>
-              <a:t> f</a:t>
-            </a:r>
-            <a:r>
-              <a:t>or</a:t>
-            </a:r>
-            <a:r>
-              <a:t> management fees, profit fees, access fees</a:t>
-            </a:r>
-          </a:p>
-          <a:p>
-            <a:pPr marL="228600" indent="-228600">
-              <a:lnSpc>
-                <a:spcPct val="150000"/>
-              </a:lnSpc>
-              <a:spcBef>
-                <a:spcPts val="1000"/>
-              </a:spcBef>
-              <a:buSzPct val="100000"/>
-              <a:buFont typeface="Arial"/>
-              <a:buChar char="•"/>
-              <a:defRPr sz="1900"/>
-            </a:pPr>
-            <a:r>
-              <a:t>Lottery available for portfolios under management up to $100,000</a:t>
-            </a:r>
-          </a:p>
-        </p:txBody>
-      </p:sp>
     </p:spTree>
   </p:cSld>
   <p:clrMapOvr>
     <a:masterClrMapping/>
   </p:clrMapOvr>
-  <p:transition xmlns:p14="http://schemas.microsoft.com/office/powerpoint/2010/main" spd="med" advClick="1"/>
+  <p:transition spd="med"/>
 </p:sld>
 </file>
 
 <file path=ppt/theme/theme1.xml><?xml version="1.0" encoding="utf-8"?>
-<a:theme xmlns:a="http://schemas.openxmlformats.org/drawingml/2006/main" xmlns:r="http://schemas.openxmlformats.org/officeDocument/2006/relationships" name="Office 主题">
+<a:theme xmlns:a="http://schemas.openxmlformats.org/drawingml/2006/main" name="Office 主题">
   <a:themeElements>
     <a:clrScheme name="Office 主题">
       <a:dk1>
@@ -12223,8 +9038,6 @@
           <a:prstDash val="solid"/>
           <a:round/>
         </a:ln>
-        <a:effectLst/>
-        <a:sp3d/>
       </a:spPr>
       <a:bodyPr rot="0" spcFirstLastPara="1" vertOverflow="overflow" horzOverflow="overflow" vert="horz" wrap="square" lIns="0" tIns="0" rIns="0" bIns="0" numCol="1" spcCol="38100" rtlCol="0" anchor="t" upright="0">
         <a:spAutoFit/>
@@ -12244,8 +9057,7 @@
           <a:buSzTx/>
           <a:buFontTx/>
           <a:buNone/>
-          <a:tabLst/>
-          <a:defRPr b="0" baseline="0" cap="none" i="0" spc="0" strike="noStrike" sz="1800" u="none" kumimoji="0" normalizeH="0">
+          <a:defRPr kumimoji="0" sz="1800" b="0" i="0" u="none" strike="noStrike" cap="none" spc="0" normalizeH="0" baseline="0">
             <a:ln>
               <a:noFill/>
             </a:ln>
@@ -12274,8 +9086,7 @@
           <a:buSzTx/>
           <a:buFontTx/>
           <a:buNone/>
-          <a:tabLst/>
-          <a:defRPr b="0" baseline="0" cap="none" i="0" spc="0" strike="noStrike" sz="1800" u="none" kumimoji="0" normalizeH="0">
+          <a:defRPr kumimoji="0" sz="1800" b="0" i="0" u="none" strike="noStrike" cap="none" spc="0" normalizeH="0" baseline="0">
             <a:ln>
               <a:noFill/>
             </a:ln>
@@ -12300,8 +9111,7 @@
           <a:buSzTx/>
           <a:buFontTx/>
           <a:buNone/>
-          <a:tabLst/>
-          <a:defRPr b="0" baseline="0" cap="none" i="0" spc="0" strike="noStrike" sz="1800" u="none" kumimoji="0" normalizeH="0">
+          <a:defRPr kumimoji="0" sz="1800" b="0" i="0" u="none" strike="noStrike" cap="none" spc="0" normalizeH="0" baseline="0">
             <a:ln>
               <a:noFill/>
             </a:ln>
@@ -12326,8 +9136,7 @@
           <a:buSzTx/>
           <a:buFontTx/>
           <a:buNone/>
-          <a:tabLst/>
-          <a:defRPr b="0" baseline="0" cap="none" i="0" spc="0" strike="noStrike" sz="1800" u="none" kumimoji="0" normalizeH="0">
+          <a:defRPr kumimoji="0" sz="1800" b="0" i="0" u="none" strike="noStrike" cap="none" spc="0" normalizeH="0" baseline="0">
             <a:ln>
               <a:noFill/>
             </a:ln>
@@ -12352,8 +9161,7 @@
           <a:buSzTx/>
           <a:buFontTx/>
           <a:buNone/>
-          <a:tabLst/>
-          <a:defRPr b="0" baseline="0" cap="none" i="0" spc="0" strike="noStrike" sz="1800" u="none" kumimoji="0" normalizeH="0">
+          <a:defRPr kumimoji="0" sz="1800" b="0" i="0" u="none" strike="noStrike" cap="none" spc="0" normalizeH="0" baseline="0">
             <a:ln>
               <a:noFill/>
             </a:ln>
@@ -12378,8 +9186,7 @@
           <a:buSzTx/>
           <a:buFontTx/>
           <a:buNone/>
-          <a:tabLst/>
-          <a:defRPr b="0" baseline="0" cap="none" i="0" spc="0" strike="noStrike" sz="1800" u="none" kumimoji="0" normalizeH="0">
+          <a:defRPr kumimoji="0" sz="1800" b="0" i="0" u="none" strike="noStrike" cap="none" spc="0" normalizeH="0" baseline="0">
             <a:ln>
               <a:noFill/>
             </a:ln>
@@ -12404,8 +9211,7 @@
           <a:buSzTx/>
           <a:buFontTx/>
           <a:buNone/>
-          <a:tabLst/>
-          <a:defRPr b="0" baseline="0" cap="none" i="0" spc="0" strike="noStrike" sz="1800" u="none" kumimoji="0" normalizeH="0">
+          <a:defRPr kumimoji="0" sz="1800" b="0" i="0" u="none" strike="noStrike" cap="none" spc="0" normalizeH="0" baseline="0">
             <a:ln>
               <a:noFill/>
             </a:ln>
@@ -12430,8 +9236,7 @@
           <a:buSzTx/>
           <a:buFontTx/>
           <a:buNone/>
-          <a:tabLst/>
-          <a:defRPr b="0" baseline="0" cap="none" i="0" spc="0" strike="noStrike" sz="1800" u="none" kumimoji="0" normalizeH="0">
+          <a:defRPr kumimoji="0" sz="1800" b="0" i="0" u="none" strike="noStrike" cap="none" spc="0" normalizeH="0" baseline="0">
             <a:ln>
               <a:noFill/>
             </a:ln>
@@ -12456,8 +9261,7 @@
           <a:buSzTx/>
           <a:buFontTx/>
           <a:buNone/>
-          <a:tabLst/>
-          <a:defRPr b="0" baseline="0" cap="none" i="0" spc="0" strike="noStrike" sz="1800" u="none" kumimoji="0" normalizeH="0">
+          <a:defRPr kumimoji="0" sz="1800" b="0" i="0" u="none" strike="noStrike" cap="none" spc="0" normalizeH="0" baseline="0">
             <a:ln>
               <a:noFill/>
             </a:ln>
@@ -12482,8 +9286,7 @@
           <a:buSzTx/>
           <a:buFontTx/>
           <a:buNone/>
-          <a:tabLst/>
-          <a:defRPr b="0" baseline="0" cap="none" i="0" spc="0" strike="noStrike" sz="1800" u="none" kumimoji="0" normalizeH="0">
+          <a:defRPr kumimoji="0" sz="1800" b="0" i="0" u="none" strike="noStrike" cap="none" spc="0" normalizeH="0" baseline="0">
             <a:ln>
               <a:noFill/>
             </a:ln>
@@ -12496,9 +9299,15 @@
         </a:lvl9pPr>
       </a:lstStyle>
       <a:style>
-        <a:lnRef idx="0"/>
-        <a:fillRef idx="0"/>
-        <a:effectRef idx="0"/>
+        <a:lnRef idx="0">
+          <a:srgbClr val="FFFFFF"/>
+        </a:lnRef>
+        <a:fillRef idx="0">
+          <a:srgbClr val="FFFFFF"/>
+        </a:fillRef>
+        <a:effectRef idx="0">
+          <a:srgbClr val="FFFFFF"/>
+        </a:effectRef>
         <a:fontRef idx="none"/>
       </a:style>
     </a:spDef>
@@ -12512,8 +9321,6 @@
           <a:prstDash val="solid"/>
           <a:round/>
         </a:ln>
-        <a:effectLst/>
-        <a:sp3d/>
       </a:spPr>
       <a:bodyPr rot="0" spcFirstLastPara="1" vertOverflow="overflow" horzOverflow="overflow" vert="horz" wrap="square" lIns="91439" tIns="45719" rIns="91439" bIns="45719" numCol="1" spcCol="38100" rtlCol="0" anchor="t" upright="0">
         <a:noAutofit/>
@@ -12533,8 +9340,7 @@
           <a:buSzTx/>
           <a:buFontTx/>
           <a:buNone/>
-          <a:tabLst/>
-          <a:defRPr b="0" baseline="0" cap="none" i="0" spc="0" strike="noStrike" sz="1800" u="none" kumimoji="0" normalizeH="0">
+          <a:defRPr kumimoji="0" sz="1800" b="0" i="0" u="none" strike="noStrike" cap="none" spc="0" normalizeH="0" baseline="0">
             <a:ln>
               <a:noFill/>
             </a:ln>
@@ -12559,8 +9365,7 @@
           <a:buSzTx/>
           <a:buFontTx/>
           <a:buNone/>
-          <a:tabLst/>
-          <a:defRPr b="0" baseline="0" cap="none" i="0" spc="0" strike="noStrike" sz="1800" u="none" kumimoji="0" normalizeH="0">
+          <a:defRPr kumimoji="0" sz="1800" b="0" i="0" u="none" strike="noStrike" cap="none" spc="0" normalizeH="0" baseline="0">
             <a:ln>
               <a:noFill/>
             </a:ln>
@@ -12585,8 +9390,7 @@
           <a:buSzTx/>
           <a:buFontTx/>
           <a:buNone/>
-          <a:tabLst/>
-          <a:defRPr b="0" baseline="0" cap="none" i="0" spc="0" strike="noStrike" sz="1800" u="none" kumimoji="0" normalizeH="0">
+          <a:defRPr kumimoji="0" sz="1800" b="0" i="0" u="none" strike="noStrike" cap="none" spc="0" normalizeH="0" baseline="0">
             <a:ln>
               <a:noFill/>
             </a:ln>
@@ -12611,8 +9415,7 @@
           <a:buSzTx/>
           <a:buFontTx/>
           <a:buNone/>
-          <a:tabLst/>
-          <a:defRPr b="0" baseline="0" cap="none" i="0" spc="0" strike="noStrike" sz="1800" u="none" kumimoji="0" normalizeH="0">
+          <a:defRPr kumimoji="0" sz="1800" b="0" i="0" u="none" strike="noStrike" cap="none" spc="0" normalizeH="0" baseline="0">
             <a:ln>
               <a:noFill/>
             </a:ln>
@@ -12637,8 +9440,7 @@
           <a:buSzTx/>
           <a:buFontTx/>
           <a:buNone/>
-          <a:tabLst/>
-          <a:defRPr b="0" baseline="0" cap="none" i="0" spc="0" strike="noStrike" sz="1800" u="none" kumimoji="0" normalizeH="0">
+          <a:defRPr kumimoji="0" sz="1800" b="0" i="0" u="none" strike="noStrike" cap="none" spc="0" normalizeH="0" baseline="0">
             <a:ln>
               <a:noFill/>
             </a:ln>
@@ -12663,8 +9465,7 @@
           <a:buSzTx/>
           <a:buFontTx/>
           <a:buNone/>
-          <a:tabLst/>
-          <a:defRPr b="0" baseline="0" cap="none" i="0" spc="0" strike="noStrike" sz="1800" u="none" kumimoji="0" normalizeH="0">
+          <a:defRPr kumimoji="0" sz="1800" b="0" i="0" u="none" strike="noStrike" cap="none" spc="0" normalizeH="0" baseline="0">
             <a:ln>
               <a:noFill/>
             </a:ln>
@@ -12689,8 +9490,7 @@
           <a:buSzTx/>
           <a:buFontTx/>
           <a:buNone/>
-          <a:tabLst/>
-          <a:defRPr b="0" baseline="0" cap="none" i="0" spc="0" strike="noStrike" sz="1800" u="none" kumimoji="0" normalizeH="0">
+          <a:defRPr kumimoji="0" sz="1800" b="0" i="0" u="none" strike="noStrike" cap="none" spc="0" normalizeH="0" baseline="0">
             <a:ln>
               <a:noFill/>
             </a:ln>
@@ -12715,8 +9515,7 @@
           <a:buSzTx/>
           <a:buFontTx/>
           <a:buNone/>
-          <a:tabLst/>
-          <a:defRPr b="0" baseline="0" cap="none" i="0" spc="0" strike="noStrike" sz="1800" u="none" kumimoji="0" normalizeH="0">
+          <a:defRPr kumimoji="0" sz="1800" b="0" i="0" u="none" strike="noStrike" cap="none" spc="0" normalizeH="0" baseline="0">
             <a:ln>
               <a:noFill/>
             </a:ln>
@@ -12741,8 +9540,7 @@
           <a:buSzTx/>
           <a:buFontTx/>
           <a:buNone/>
-          <a:tabLst/>
-          <a:defRPr b="0" baseline="0" cap="none" i="0" spc="0" strike="noStrike" sz="1800" u="none" kumimoji="0" normalizeH="0">
+          <a:defRPr kumimoji="0" sz="1800" b="0" i="0" u="none" strike="noStrike" cap="none" spc="0" normalizeH="0" baseline="0">
             <a:ln>
               <a:noFill/>
             </a:ln>
@@ -12767,8 +9565,7 @@
           <a:buSzTx/>
           <a:buFontTx/>
           <a:buNone/>
-          <a:tabLst/>
-          <a:defRPr b="0" baseline="0" cap="none" i="0" spc="0" strike="noStrike" sz="1800" u="none" kumimoji="0" normalizeH="0">
+          <a:defRPr kumimoji="0" sz="1800" b="0" i="0" u="none" strike="noStrike" cap="none" spc="0" normalizeH="0" baseline="0">
             <a:ln>
               <a:noFill/>
             </a:ln>
@@ -12781,9 +9578,15 @@
         </a:lvl9pPr>
       </a:lstStyle>
       <a:style>
-        <a:lnRef idx="0"/>
-        <a:fillRef idx="0"/>
-        <a:effectRef idx="0"/>
+        <a:lnRef idx="0">
+          <a:srgbClr val="FFFFFF"/>
+        </a:lnRef>
+        <a:fillRef idx="0">
+          <a:srgbClr val="FFFFFF"/>
+        </a:fillRef>
+        <a:effectRef idx="0">
+          <a:srgbClr val="FFFFFF"/>
+        </a:effectRef>
         <a:fontRef idx="none"/>
       </a:style>
     </a:lnDef>
@@ -12794,8 +9597,6 @@
           <a:noFill/>
           <a:miter lim="400000"/>
         </a:ln>
-        <a:effectLst/>
-        <a:sp3d/>
       </a:spPr>
       <a:bodyPr rot="0" spcFirstLastPara="1" vertOverflow="overflow" horzOverflow="overflow" vert="horz" wrap="square" lIns="0" tIns="0" rIns="0" bIns="0" numCol="1" spcCol="38100" rtlCol="0" anchor="t" upright="0">
         <a:spAutoFit/>
@@ -12815,8 +9616,7 @@
           <a:buSzTx/>
           <a:buFontTx/>
           <a:buNone/>
-          <a:tabLst/>
-          <a:defRPr b="0" baseline="0" cap="none" i="0" spc="0" strike="noStrike" sz="1800" u="none" kumimoji="0" normalizeH="0">
+          <a:defRPr kumimoji="0" sz="1800" b="0" i="0" u="none" strike="noStrike" cap="none" spc="0" normalizeH="0" baseline="0">
             <a:ln>
               <a:noFill/>
             </a:ln>
@@ -12845,8 +9645,7 @@
           <a:buSzTx/>
           <a:buFontTx/>
           <a:buNone/>
-          <a:tabLst/>
-          <a:defRPr b="0" baseline="0" cap="none" i="0" spc="0" strike="noStrike" sz="1800" u="none" kumimoji="0" normalizeH="0">
+          <a:defRPr kumimoji="0" sz="1800" b="0" i="0" u="none" strike="noStrike" cap="none" spc="0" normalizeH="0" baseline="0">
             <a:ln>
               <a:noFill/>
             </a:ln>
@@ -12871,8 +9670,7 @@
           <a:buSzTx/>
           <a:buFontTx/>
           <a:buNone/>
-          <a:tabLst/>
-          <a:defRPr b="0" baseline="0" cap="none" i="0" spc="0" strike="noStrike" sz="1800" u="none" kumimoji="0" normalizeH="0">
+          <a:defRPr kumimoji="0" sz="1800" b="0" i="0" u="none" strike="noStrike" cap="none" spc="0" normalizeH="0" baseline="0">
             <a:ln>
               <a:noFill/>
             </a:ln>
@@ -12897,8 +9695,7 @@
           <a:buSzTx/>
           <a:buFontTx/>
           <a:buNone/>
-          <a:tabLst/>
-          <a:defRPr b="0" baseline="0" cap="none" i="0" spc="0" strike="noStrike" sz="1800" u="none" kumimoji="0" normalizeH="0">
+          <a:defRPr kumimoji="0" sz="1800" b="0" i="0" u="none" strike="noStrike" cap="none" spc="0" normalizeH="0" baseline="0">
             <a:ln>
               <a:noFill/>
             </a:ln>
@@ -12923,8 +9720,7 @@
           <a:buSzTx/>
           <a:buFontTx/>
           <a:buNone/>
-          <a:tabLst/>
-          <a:defRPr b="0" baseline="0" cap="none" i="0" spc="0" strike="noStrike" sz="1800" u="none" kumimoji="0" normalizeH="0">
+          <a:defRPr kumimoji="0" sz="1800" b="0" i="0" u="none" strike="noStrike" cap="none" spc="0" normalizeH="0" baseline="0">
             <a:ln>
               <a:noFill/>
             </a:ln>
@@ -12949,8 +9745,7 @@
           <a:buSzTx/>
           <a:buFontTx/>
           <a:buNone/>
-          <a:tabLst/>
-          <a:defRPr b="0" baseline="0" cap="none" i="0" spc="0" strike="noStrike" sz="1800" u="none" kumimoji="0" normalizeH="0">
+          <a:defRPr kumimoji="0" sz="1800" b="0" i="0" u="none" strike="noStrike" cap="none" spc="0" normalizeH="0" baseline="0">
             <a:ln>
               <a:noFill/>
             </a:ln>
@@ -12975,8 +9770,7 @@
           <a:buSzTx/>
           <a:buFontTx/>
           <a:buNone/>
-          <a:tabLst/>
-          <a:defRPr b="0" baseline="0" cap="none" i="0" spc="0" strike="noStrike" sz="1800" u="none" kumimoji="0" normalizeH="0">
+          <a:defRPr kumimoji="0" sz="1800" b="0" i="0" u="none" strike="noStrike" cap="none" spc="0" normalizeH="0" baseline="0">
             <a:ln>
               <a:noFill/>
             </a:ln>
@@ -13001,8 +9795,7 @@
           <a:buSzTx/>
           <a:buFontTx/>
           <a:buNone/>
-          <a:tabLst/>
-          <a:defRPr b="0" baseline="0" cap="none" i="0" spc="0" strike="noStrike" sz="1800" u="none" kumimoji="0" normalizeH="0">
+          <a:defRPr kumimoji="0" sz="1800" b="0" i="0" u="none" strike="noStrike" cap="none" spc="0" normalizeH="0" baseline="0">
             <a:ln>
               <a:noFill/>
             </a:ln>
@@ -13027,8 +9820,7 @@
           <a:buSzTx/>
           <a:buFontTx/>
           <a:buNone/>
-          <a:tabLst/>
-          <a:defRPr b="0" baseline="0" cap="none" i="0" spc="0" strike="noStrike" sz="1800" u="none" kumimoji="0" normalizeH="0">
+          <a:defRPr kumimoji="0" sz="1800" b="0" i="0" u="none" strike="noStrike" cap="none" spc="0" normalizeH="0" baseline="0">
             <a:ln>
               <a:noFill/>
             </a:ln>
@@ -13053,8 +9845,7 @@
           <a:buSzTx/>
           <a:buFontTx/>
           <a:buNone/>
-          <a:tabLst/>
-          <a:defRPr b="0" baseline="0" cap="none" i="0" spc="0" strike="noStrike" sz="1800" u="none" kumimoji="0" normalizeH="0">
+          <a:defRPr kumimoji="0" sz="1800" b="0" i="0" u="none" strike="noStrike" cap="none" spc="0" normalizeH="0" baseline="0">
             <a:ln>
               <a:noFill/>
             </a:ln>
@@ -13067,18 +9858,29 @@
         </a:lvl9pPr>
       </a:lstStyle>
       <a:style>
-        <a:lnRef idx="0"/>
-        <a:fillRef idx="0"/>
-        <a:effectRef idx="0"/>
+        <a:lnRef idx="0">
+          <a:srgbClr val="FFFFFF"/>
+        </a:lnRef>
+        <a:fillRef idx="0">
+          <a:srgbClr val="FFFFFF"/>
+        </a:fillRef>
+        <a:effectRef idx="0">
+          <a:srgbClr val="FFFFFF"/>
+        </a:effectRef>
         <a:fontRef idx="none"/>
       </a:style>
     </a:txDef>
   </a:objectDefaults>
+  <a:extLst>
+    <a:ext uri="{05A4C25C-085E-4340-85A3-A5531E510DB2}">
+      <thm15:themeFamily xmlns:thm15="http://schemas.microsoft.com/office/thememl/2012/main" name="Office Theme" id="{62F939B6-93AF-4DB8-9C6B-D6C7DFDC589F}" vid="{4A3C46E8-61CC-4603-A589-7422A47A8E4A}"/>
+    </a:ext>
+  </a:extLst>
 </a:theme>
 </file>
 
 <file path=ppt/theme/theme2.xml><?xml version="1.0" encoding="utf-8"?>
-<a:theme xmlns:a="http://schemas.openxmlformats.org/drawingml/2006/main" xmlns:r="http://schemas.openxmlformats.org/officeDocument/2006/relationships" name="Office 主题">
+<a:theme xmlns:a="http://schemas.openxmlformats.org/drawingml/2006/main" name="Office 主题">
   <a:themeElements>
     <a:clrScheme name="Office 主题">
       <a:dk1>
@@ -13277,8 +10079,6 @@
           <a:prstDash val="solid"/>
           <a:round/>
         </a:ln>
-        <a:effectLst/>
-        <a:sp3d/>
       </a:spPr>
       <a:bodyPr rot="0" spcFirstLastPara="1" vertOverflow="overflow" horzOverflow="overflow" vert="horz" wrap="square" lIns="0" tIns="0" rIns="0" bIns="0" numCol="1" spcCol="38100" rtlCol="0" anchor="t" upright="0">
         <a:spAutoFit/>
@@ -13298,8 +10098,7 @@
           <a:buSzTx/>
           <a:buFontTx/>
           <a:buNone/>
-          <a:tabLst/>
-          <a:defRPr b="0" baseline="0" cap="none" i="0" spc="0" strike="noStrike" sz="1800" u="none" kumimoji="0" normalizeH="0">
+          <a:defRPr kumimoji="0" sz="1800" b="0" i="0" u="none" strike="noStrike" cap="none" spc="0" normalizeH="0" baseline="0">
             <a:ln>
               <a:noFill/>
             </a:ln>
@@ -13328,8 +10127,7 @@
           <a:buSzTx/>
           <a:buFontTx/>
           <a:buNone/>
-          <a:tabLst/>
-          <a:defRPr b="0" baseline="0" cap="none" i="0" spc="0" strike="noStrike" sz="1800" u="none" kumimoji="0" normalizeH="0">
+          <a:defRPr kumimoji="0" sz="1800" b="0" i="0" u="none" strike="noStrike" cap="none" spc="0" normalizeH="0" baseline="0">
             <a:ln>
               <a:noFill/>
             </a:ln>
@@ -13354,8 +10152,7 @@
           <a:buSzTx/>
           <a:buFontTx/>
           <a:buNone/>
-          <a:tabLst/>
-          <a:defRPr b="0" baseline="0" cap="none" i="0" spc="0" strike="noStrike" sz="1800" u="none" kumimoji="0" normalizeH="0">
+          <a:defRPr kumimoji="0" sz="1800" b="0" i="0" u="none" strike="noStrike" cap="none" spc="0" normalizeH="0" baseline="0">
             <a:ln>
               <a:noFill/>
             </a:ln>
@@ -13380,8 +10177,7 @@
           <a:buSzTx/>
           <a:buFontTx/>
           <a:buNone/>
-          <a:tabLst/>
-          <a:defRPr b="0" baseline="0" cap="none" i="0" spc="0" strike="noStrike" sz="1800" u="none" kumimoji="0" normalizeH="0">
+          <a:defRPr kumimoji="0" sz="1800" b="0" i="0" u="none" strike="noStrike" cap="none" spc="0" normalizeH="0" baseline="0">
             <a:ln>
               <a:noFill/>
             </a:ln>
@@ -13406,8 +10202,7 @@
           <a:buSzTx/>
           <a:buFontTx/>
           <a:buNone/>
-          <a:tabLst/>
-          <a:defRPr b="0" baseline="0" cap="none" i="0" spc="0" strike="noStrike" sz="1800" u="none" kumimoji="0" normalizeH="0">
+          <a:defRPr kumimoji="0" sz="1800" b="0" i="0" u="none" strike="noStrike" cap="none" spc="0" normalizeH="0" baseline="0">
             <a:ln>
               <a:noFill/>
             </a:ln>
@@ -13432,8 +10227,7 @@
           <a:buSzTx/>
           <a:buFontTx/>
           <a:buNone/>
-          <a:tabLst/>
-          <a:defRPr b="0" baseline="0" cap="none" i="0" spc="0" strike="noStrike" sz="1800" u="none" kumimoji="0" normalizeH="0">
+          <a:defRPr kumimoji="0" sz="1800" b="0" i="0" u="none" strike="noStrike" cap="none" spc="0" normalizeH="0" baseline="0">
             <a:ln>
               <a:noFill/>
             </a:ln>
@@ -13458,8 +10252,7 @@
           <a:buSzTx/>
           <a:buFontTx/>
           <a:buNone/>
-          <a:tabLst/>
-          <a:defRPr b="0" baseline="0" cap="none" i="0" spc="0" strike="noStrike" sz="1800" u="none" kumimoji="0" normalizeH="0">
+          <a:defRPr kumimoji="0" sz="1800" b="0" i="0" u="none" strike="noStrike" cap="none" spc="0" normalizeH="0" baseline="0">
             <a:ln>
               <a:noFill/>
             </a:ln>
@@ -13484,8 +10277,7 @@
           <a:buSzTx/>
           <a:buFontTx/>
           <a:buNone/>
-          <a:tabLst/>
-          <a:defRPr b="0" baseline="0" cap="none" i="0" spc="0" strike="noStrike" sz="1800" u="none" kumimoji="0" normalizeH="0">
+          <a:defRPr kumimoji="0" sz="1800" b="0" i="0" u="none" strike="noStrike" cap="none" spc="0" normalizeH="0" baseline="0">
             <a:ln>
               <a:noFill/>
             </a:ln>
@@ -13510,8 +10302,7 @@
           <a:buSzTx/>
           <a:buFontTx/>
           <a:buNone/>
-          <a:tabLst/>
-          <a:defRPr b="0" baseline="0" cap="none" i="0" spc="0" strike="noStrike" sz="1800" u="none" kumimoji="0" normalizeH="0">
+          <a:defRPr kumimoji="0" sz="1800" b="0" i="0" u="none" strike="noStrike" cap="none" spc="0" normalizeH="0" baseline="0">
             <a:ln>
               <a:noFill/>
             </a:ln>
@@ -13536,8 +10327,7 @@
           <a:buSzTx/>
           <a:buFontTx/>
           <a:buNone/>
-          <a:tabLst/>
-          <a:defRPr b="0" baseline="0" cap="none" i="0" spc="0" strike="noStrike" sz="1800" u="none" kumimoji="0" normalizeH="0">
+          <a:defRPr kumimoji="0" sz="1800" b="0" i="0" u="none" strike="noStrike" cap="none" spc="0" normalizeH="0" baseline="0">
             <a:ln>
               <a:noFill/>
             </a:ln>
@@ -13550,9 +10340,15 @@
         </a:lvl9pPr>
       </a:lstStyle>
       <a:style>
-        <a:lnRef idx="0"/>
-        <a:fillRef idx="0"/>
-        <a:effectRef idx="0"/>
+        <a:lnRef idx="0">
+          <a:srgbClr val="FFFFFF"/>
+        </a:lnRef>
+        <a:fillRef idx="0">
+          <a:srgbClr val="FFFFFF"/>
+        </a:fillRef>
+        <a:effectRef idx="0">
+          <a:srgbClr val="FFFFFF"/>
+        </a:effectRef>
         <a:fontRef idx="none"/>
       </a:style>
     </a:spDef>
@@ -13566,8 +10362,6 @@
           <a:prstDash val="solid"/>
           <a:round/>
         </a:ln>
-        <a:effectLst/>
-        <a:sp3d/>
       </a:spPr>
       <a:bodyPr rot="0" spcFirstLastPara="1" vertOverflow="overflow" horzOverflow="overflow" vert="horz" wrap="square" lIns="91439" tIns="45719" rIns="91439" bIns="45719" numCol="1" spcCol="38100" rtlCol="0" anchor="t" upright="0">
         <a:noAutofit/>
@@ -13587,8 +10381,7 @@
           <a:buSzTx/>
           <a:buFontTx/>
           <a:buNone/>
-          <a:tabLst/>
-          <a:defRPr b="0" baseline="0" cap="none" i="0" spc="0" strike="noStrike" sz="1800" u="none" kumimoji="0" normalizeH="0">
+          <a:defRPr kumimoji="0" sz="1800" b="0" i="0" u="none" strike="noStrike" cap="none" spc="0" normalizeH="0" baseline="0">
             <a:ln>
               <a:noFill/>
             </a:ln>
@@ -13613,8 +10406,7 @@
           <a:buSzTx/>
           <a:buFontTx/>
           <a:buNone/>
-          <a:tabLst/>
-          <a:defRPr b="0" baseline="0" cap="none" i="0" spc="0" strike="noStrike" sz="1800" u="none" kumimoji="0" normalizeH="0">
+          <a:defRPr kumimoji="0" sz="1800" b="0" i="0" u="none" strike="noStrike" cap="none" spc="0" normalizeH="0" baseline="0">
             <a:ln>
               <a:noFill/>
             </a:ln>
@@ -13639,8 +10431,7 @@
           <a:buSzTx/>
           <a:buFontTx/>
           <a:buNone/>
-          <a:tabLst/>
-          <a:defRPr b="0" baseline="0" cap="none" i="0" spc="0" strike="noStrike" sz="1800" u="none" kumimoji="0" normalizeH="0">
+          <a:defRPr kumimoji="0" sz="1800" b="0" i="0" u="none" strike="noStrike" cap="none" spc="0" normalizeH="0" baseline="0">
             <a:ln>
               <a:noFill/>
             </a:ln>
@@ -13665,8 +10456,7 @@
           <a:buSzTx/>
           <a:buFontTx/>
           <a:buNone/>
-          <a:tabLst/>
-          <a:defRPr b="0" baseline="0" cap="none" i="0" spc="0" strike="noStrike" sz="1800" u="none" kumimoji="0" normalizeH="0">
+          <a:defRPr kumimoji="0" sz="1800" b="0" i="0" u="none" strike="noStrike" cap="none" spc="0" normalizeH="0" baseline="0">
             <a:ln>
               <a:noFill/>
             </a:ln>
@@ -13691,8 +10481,7 @@
           <a:buSzTx/>
           <a:buFontTx/>
           <a:buNone/>
-          <a:tabLst/>
-          <a:defRPr b="0" baseline="0" cap="none" i="0" spc="0" strike="noStrike" sz="1800" u="none" kumimoji="0" normalizeH="0">
+          <a:defRPr kumimoji="0" sz="1800" b="0" i="0" u="none" strike="noStrike" cap="none" spc="0" normalizeH="0" baseline="0">
             <a:ln>
               <a:noFill/>
             </a:ln>
@@ -13717,8 +10506,7 @@
           <a:buSzTx/>
           <a:buFontTx/>
           <a:buNone/>
-          <a:tabLst/>
-          <a:defRPr b="0" baseline="0" cap="none" i="0" spc="0" strike="noStrike" sz="1800" u="none" kumimoji="0" normalizeH="0">
+          <a:defRPr kumimoji="0" sz="1800" b="0" i="0" u="none" strike="noStrike" cap="none" spc="0" normalizeH="0" baseline="0">
             <a:ln>
               <a:noFill/>
             </a:ln>
@@ -13743,8 +10531,7 @@
           <a:buSzTx/>
           <a:buFontTx/>
           <a:buNone/>
-          <a:tabLst/>
-          <a:defRPr b="0" baseline="0" cap="none" i="0" spc="0" strike="noStrike" sz="1800" u="none" kumimoji="0" normalizeH="0">
+          <a:defRPr kumimoji="0" sz="1800" b="0" i="0" u="none" strike="noStrike" cap="none" spc="0" normalizeH="0" baseline="0">
             <a:ln>
               <a:noFill/>
             </a:ln>
@@ -13769,8 +10556,7 @@
           <a:buSzTx/>
           <a:buFontTx/>
           <a:buNone/>
-          <a:tabLst/>
-          <a:defRPr b="0" baseline="0" cap="none" i="0" spc="0" strike="noStrike" sz="1800" u="none" kumimoji="0" normalizeH="0">
+          <a:defRPr kumimoji="0" sz="1800" b="0" i="0" u="none" strike="noStrike" cap="none" spc="0" normalizeH="0" baseline="0">
             <a:ln>
               <a:noFill/>
             </a:ln>
@@ -13795,8 +10581,7 @@
           <a:buSzTx/>
           <a:buFontTx/>
           <a:buNone/>
-          <a:tabLst/>
-          <a:defRPr b="0" baseline="0" cap="none" i="0" spc="0" strike="noStrike" sz="1800" u="none" kumimoji="0" normalizeH="0">
+          <a:defRPr kumimoji="0" sz="1800" b="0" i="0" u="none" strike="noStrike" cap="none" spc="0" normalizeH="0" baseline="0">
             <a:ln>
               <a:noFill/>
             </a:ln>
@@ -13821,8 +10606,7 @@
           <a:buSzTx/>
           <a:buFontTx/>
           <a:buNone/>
-          <a:tabLst/>
-          <a:defRPr b="0" baseline="0" cap="none" i="0" spc="0" strike="noStrike" sz="1800" u="none" kumimoji="0" normalizeH="0">
+          <a:defRPr kumimoji="0" sz="1800" b="0" i="0" u="none" strike="noStrike" cap="none" spc="0" normalizeH="0" baseline="0">
             <a:ln>
               <a:noFill/>
             </a:ln>
@@ -13835,9 +10619,15 @@
         </a:lvl9pPr>
       </a:lstStyle>
       <a:style>
-        <a:lnRef idx="0"/>
-        <a:fillRef idx="0"/>
-        <a:effectRef idx="0"/>
+        <a:lnRef idx="0">
+          <a:srgbClr val="FFFFFF"/>
+        </a:lnRef>
+        <a:fillRef idx="0">
+          <a:srgbClr val="FFFFFF"/>
+        </a:fillRef>
+        <a:effectRef idx="0">
+          <a:srgbClr val="FFFFFF"/>
+        </a:effectRef>
         <a:fontRef idx="none"/>
       </a:style>
     </a:lnDef>
@@ -13848,8 +10638,6 @@
           <a:noFill/>
           <a:miter lim="400000"/>
         </a:ln>
-        <a:effectLst/>
-        <a:sp3d/>
       </a:spPr>
       <a:bodyPr rot="0" spcFirstLastPara="1" vertOverflow="overflow" horzOverflow="overflow" vert="horz" wrap="square" lIns="0" tIns="0" rIns="0" bIns="0" numCol="1" spcCol="38100" rtlCol="0" anchor="t" upright="0">
         <a:spAutoFit/>
@@ -13869,8 +10657,7 @@
           <a:buSzTx/>
           <a:buFontTx/>
           <a:buNone/>
-          <a:tabLst/>
-          <a:defRPr b="0" baseline="0" cap="none" i="0" spc="0" strike="noStrike" sz="1800" u="none" kumimoji="0" normalizeH="0">
+          <a:defRPr kumimoji="0" sz="1800" b="0" i="0" u="none" strike="noStrike" cap="none" spc="0" normalizeH="0" baseline="0">
             <a:ln>
               <a:noFill/>
             </a:ln>
@@ -13899,8 +10686,7 @@
           <a:buSzTx/>
           <a:buFontTx/>
           <a:buNone/>
-          <a:tabLst/>
-          <a:defRPr b="0" baseline="0" cap="none" i="0" spc="0" strike="noStrike" sz="1800" u="none" kumimoji="0" normalizeH="0">
+          <a:defRPr kumimoji="0" sz="1800" b="0" i="0" u="none" strike="noStrike" cap="none" spc="0" normalizeH="0" baseline="0">
             <a:ln>
               <a:noFill/>
             </a:ln>
@@ -13925,8 +10711,7 @@
           <a:buSzTx/>
           <a:buFontTx/>
           <a:buNone/>
-          <a:tabLst/>
-          <a:defRPr b="0" baseline="0" cap="none" i="0" spc="0" strike="noStrike" sz="1800" u="none" kumimoji="0" normalizeH="0">
+          <a:defRPr kumimoji="0" sz="1800" b="0" i="0" u="none" strike="noStrike" cap="none" spc="0" normalizeH="0" baseline="0">
             <a:ln>
               <a:noFill/>
             </a:ln>
@@ -13951,8 +10736,7 @@
           <a:buSzTx/>
           <a:buFontTx/>
           <a:buNone/>
-          <a:tabLst/>
-          <a:defRPr b="0" baseline="0" cap="none" i="0" spc="0" strike="noStrike" sz="1800" u="none" kumimoji="0" normalizeH="0">
+          <a:defRPr kumimoji="0" sz="1800" b="0" i="0" u="none" strike="noStrike" cap="none" spc="0" normalizeH="0" baseline="0">
             <a:ln>
               <a:noFill/>
             </a:ln>
@@ -13977,8 +10761,7 @@
           <a:buSzTx/>
           <a:buFontTx/>
           <a:buNone/>
-          <a:tabLst/>
-          <a:defRPr b="0" baseline="0" cap="none" i="0" spc="0" strike="noStrike" sz="1800" u="none" kumimoji="0" normalizeH="0">
+          <a:defRPr kumimoji="0" sz="1800" b="0" i="0" u="none" strike="noStrike" cap="none" spc="0" normalizeH="0" baseline="0">
             <a:ln>
               <a:noFill/>
             </a:ln>
@@ -14003,8 +10786,7 @@
           <a:buSzTx/>
           <a:buFontTx/>
           <a:buNone/>
-          <a:tabLst/>
-          <a:defRPr b="0" baseline="0" cap="none" i="0" spc="0" strike="noStrike" sz="1800" u="none" kumimoji="0" normalizeH="0">
+          <a:defRPr kumimoji="0" sz="1800" b="0" i="0" u="none" strike="noStrike" cap="none" spc="0" normalizeH="0" baseline="0">
             <a:ln>
               <a:noFill/>
             </a:ln>
@@ -14029,8 +10811,7 @@
           <a:buSzTx/>
           <a:buFontTx/>
           <a:buNone/>
-          <a:tabLst/>
-          <a:defRPr b="0" baseline="0" cap="none" i="0" spc="0" strike="noStrike" sz="1800" u="none" kumimoji="0" normalizeH="0">
+          <a:defRPr kumimoji="0" sz="1800" b="0" i="0" u="none" strike="noStrike" cap="none" spc="0" normalizeH="0" baseline="0">
             <a:ln>
               <a:noFill/>
             </a:ln>
@@ -14055,8 +10836,7 @@
           <a:buSzTx/>
           <a:buFontTx/>
           <a:buNone/>
-          <a:tabLst/>
-          <a:defRPr b="0" baseline="0" cap="none" i="0" spc="0" strike="noStrike" sz="1800" u="none" kumimoji="0" normalizeH="0">
+          <a:defRPr kumimoji="0" sz="1800" b="0" i="0" u="none" strike="noStrike" cap="none" spc="0" normalizeH="0" baseline="0">
             <a:ln>
               <a:noFill/>
             </a:ln>
@@ -14081,8 +10861,7 @@
           <a:buSzTx/>
           <a:buFontTx/>
           <a:buNone/>
-          <a:tabLst/>
-          <a:defRPr b="0" baseline="0" cap="none" i="0" spc="0" strike="noStrike" sz="1800" u="none" kumimoji="0" normalizeH="0">
+          <a:defRPr kumimoji="0" sz="1800" b="0" i="0" u="none" strike="noStrike" cap="none" spc="0" normalizeH="0" baseline="0">
             <a:ln>
               <a:noFill/>
             </a:ln>
@@ -14107,8 +10886,7 @@
           <a:buSzTx/>
           <a:buFontTx/>
           <a:buNone/>
-          <a:tabLst/>
-          <a:defRPr b="0" baseline="0" cap="none" i="0" spc="0" strike="noStrike" sz="1800" u="none" kumimoji="0" normalizeH="0">
+          <a:defRPr kumimoji="0" sz="1800" b="0" i="0" u="none" strike="noStrike" cap="none" spc="0" normalizeH="0" baseline="0">
             <a:ln>
               <a:noFill/>
             </a:ln>
@@ -14121,12 +10899,23 @@
         </a:lvl9pPr>
       </a:lstStyle>
       <a:style>
-        <a:lnRef idx="0"/>
-        <a:fillRef idx="0"/>
-        <a:effectRef idx="0"/>
+        <a:lnRef idx="0">
+          <a:srgbClr val="FFFFFF"/>
+        </a:lnRef>
+        <a:fillRef idx="0">
+          <a:srgbClr val="FFFFFF"/>
+        </a:fillRef>
+        <a:effectRef idx="0">
+          <a:srgbClr val="FFFFFF"/>
+        </a:effectRef>
         <a:fontRef idx="none"/>
       </a:style>
     </a:txDef>
   </a:objectDefaults>
+  <a:extLst>
+    <a:ext uri="{05A4C25C-085E-4340-85A3-A5531E510DB2}">
+      <thm15:themeFamily xmlns:thm15="http://schemas.microsoft.com/office/thememl/2012/main" name="Office Theme" id="{62F939B6-93AF-4DB8-9C6B-D6C7DFDC589F}" vid="{4A3C46E8-61CC-4603-A589-7422A47A8E4A}"/>
+    </a:ext>
+  </a:extLst>
 </a:theme>
 </file>